--- a/Visualization platform.pptx
+++ b/Visualization platform.pptx
@@ -5,7 +5,7 @@
     <p:sldMasterId id="2147483648" r:id="rId1"/>
   </p:sldMasterIdLst>
   <p:notesMasterIdLst>
-    <p:notesMasterId r:id="rId13"/>
+    <p:notesMasterId r:id="rId19"/>
   </p:notesMasterIdLst>
   <p:sldIdLst>
     <p:sldId id="256" r:id="rId2"/>
@@ -16,9 +16,15 @@
     <p:sldId id="291" r:id="rId7"/>
     <p:sldId id="293" r:id="rId8"/>
     <p:sldId id="294" r:id="rId9"/>
-    <p:sldId id="297" r:id="rId10"/>
-    <p:sldId id="296" r:id="rId11"/>
-    <p:sldId id="295" r:id="rId12"/>
+    <p:sldId id="298" r:id="rId10"/>
+    <p:sldId id="300" r:id="rId11"/>
+    <p:sldId id="301" r:id="rId12"/>
+    <p:sldId id="302" r:id="rId13"/>
+    <p:sldId id="303" r:id="rId14"/>
+    <p:sldId id="297" r:id="rId15"/>
+    <p:sldId id="296" r:id="rId16"/>
+    <p:sldId id="304" r:id="rId17"/>
+    <p:sldId id="295" r:id="rId18"/>
   </p:sldIdLst>
   <p:sldSz cx="9144000" cy="6858000" type="screen4x3"/>
   <p:notesSz cx="6858000" cy="9144000"/>
@@ -1930,7 +1936,7 @@
           </a:ln>
           <a:extLst>
             <a:ext uri="{C572A759-6A51-4108-AA02-DFA0A04FC94B}">
-              <ma14:wrappingTextBoxFlag xmlns:ma14="http://schemas.microsoft.com/office/mac/drawingml/2011/main" xmlns:a14="http://schemas.microsoft.com/office/drawing/2010/main" xmlns:m="http://schemas.openxmlformats.org/officeDocument/2006/math" xmlns="" val="1"/>
+              <ma14:wrappingTextBoxFlag xmlns="" xmlns:m="http://schemas.openxmlformats.org/officeDocument/2006/math" xmlns:a14="http://schemas.microsoft.com/office/drawing/2010/main" xmlns:ma14="http://schemas.microsoft.com/office/mac/drawingml/2011/main" val="1"/>
             </a:ext>
           </a:extLst>
         </p:spPr>
@@ -1969,7 +1975,7 @@
           </a:ln>
           <a:extLst>
             <a:ext uri="{C572A759-6A51-4108-AA02-DFA0A04FC94B}">
-              <ma14:wrappingTextBoxFlag xmlns:ma14="http://schemas.microsoft.com/office/mac/drawingml/2011/main" xmlns:a14="http://schemas.microsoft.com/office/drawing/2010/main" xmlns:m="http://schemas.openxmlformats.org/officeDocument/2006/math" xmlns="" val="1"/>
+              <ma14:wrappingTextBoxFlag xmlns="" xmlns:m="http://schemas.openxmlformats.org/officeDocument/2006/math" xmlns:a14="http://schemas.microsoft.com/office/drawing/2010/main" xmlns:ma14="http://schemas.microsoft.com/office/mac/drawingml/2011/main" val="1"/>
             </a:ext>
           </a:extLst>
         </p:spPr>
@@ -2816,7 +2822,7 @@
           </a:ln>
           <a:extLst>
             <a:ext uri="{C572A759-6A51-4108-AA02-DFA0A04FC94B}">
-              <ma14:wrappingTextBoxFlag xmlns:ma14="http://schemas.microsoft.com/office/mac/drawingml/2011/main" xmlns:a14="http://schemas.microsoft.com/office/drawing/2010/main" xmlns:m="http://schemas.openxmlformats.org/officeDocument/2006/math" xmlns="" val="1"/>
+              <ma14:wrappingTextBoxFlag xmlns="" xmlns:m="http://schemas.openxmlformats.org/officeDocument/2006/math" xmlns:a14="http://schemas.microsoft.com/office/drawing/2010/main" xmlns:ma14="http://schemas.microsoft.com/office/mac/drawingml/2011/main" val="1"/>
             </a:ext>
           </a:extLst>
         </p:spPr>
@@ -2994,7 +3000,7 @@
             <a:effectLst/>
             <a:extLst>
               <a:ext uri="{C572A759-6A51-4108-AA02-DFA0A04FC94B}">
-                <ma14:wrappingTextBoxFlag xmlns:ma14="http://schemas.microsoft.com/office/mac/drawingml/2011/main" xmlns:a14="http://schemas.microsoft.com/office/drawing/2010/main" xmlns:m="http://schemas.openxmlformats.org/officeDocument/2006/math" xmlns="" val="1"/>
+                <ma14:wrappingTextBoxFlag xmlns="" xmlns:m="http://schemas.openxmlformats.org/officeDocument/2006/math" xmlns:a14="http://schemas.microsoft.com/office/drawing/2010/main" xmlns:ma14="http://schemas.microsoft.com/office/mac/drawingml/2011/main" val="1"/>
               </a:ext>
             </a:extLst>
           </p:spPr>
@@ -3091,7 +3097,7 @@
             <a:effectLst/>
             <a:extLst>
               <a:ext uri="{C572A759-6A51-4108-AA02-DFA0A04FC94B}">
-                <ma14:wrappingTextBoxFlag xmlns:ma14="http://schemas.microsoft.com/office/mac/drawingml/2011/main" xmlns:a14="http://schemas.microsoft.com/office/drawing/2010/main" xmlns:m="http://schemas.openxmlformats.org/officeDocument/2006/math" xmlns="" val="1"/>
+                <ma14:wrappingTextBoxFlag xmlns="" xmlns:m="http://schemas.openxmlformats.org/officeDocument/2006/math" xmlns:a14="http://schemas.microsoft.com/office/drawing/2010/main" xmlns:ma14="http://schemas.microsoft.com/office/mac/drawingml/2011/main" val="1"/>
               </a:ext>
             </a:extLst>
           </p:spPr>
@@ -3167,6 +3173,100 @@
       </p:grpSpPr>
       <p:sp>
         <p:nvSpPr>
+          <p:cNvPr id="10" name="矩形: 圆角 9">
+            <a:extLst>
+              <a:ext uri="{FF2B5EF4-FFF2-40B4-BE49-F238E27FC236}">
+                <a16:creationId xmlns:a16="http://schemas.microsoft.com/office/drawing/2014/main" id="{DEC09F42-EFA0-5F1D-0A32-361A528E4029}"/>
+              </a:ext>
+            </a:extLst>
+          </p:cNvPr>
+          <p:cNvSpPr/>
+          <p:nvPr/>
+        </p:nvSpPr>
+        <p:spPr>
+          <a:xfrm>
+            <a:off x="536809" y="1386414"/>
+            <a:ext cx="8469744" cy="4930780"/>
+          </a:xfrm>
+          <a:prstGeom prst="roundRect">
+            <a:avLst/>
+          </a:prstGeom>
+          <a:solidFill>
+            <a:schemeClr val="bg1">
+              <a:lumMod val="95000"/>
+            </a:schemeClr>
+          </a:solidFill>
+          <a:ln w="25400" cap="flat">
+            <a:noFill/>
+            <a:prstDash val="solid"/>
+            <a:round/>
+          </a:ln>
+          <a:effectLst/>
+          <a:scene3d>
+            <a:camera prst="orthographicFront">
+              <a:rot lat="0" lon="0" rev="0"/>
+            </a:camera>
+            <a:lightRig rig="chilly" dir="t">
+              <a:rot lat="0" lon="0" rev="18480000"/>
+            </a:lightRig>
+          </a:scene3d>
+          <a:sp3d prstMaterial="clear">
+            <a:bevelT h="63500"/>
+          </a:sp3d>
+        </p:spPr>
+        <p:style>
+          <a:lnRef idx="0">
+            <a:scrgbClr r="0" g="0" b="0"/>
+          </a:lnRef>
+          <a:fillRef idx="0">
+            <a:scrgbClr r="0" g="0" b="0"/>
+          </a:fillRef>
+          <a:effectRef idx="0">
+            <a:scrgbClr r="0" g="0" b="0"/>
+          </a:effectRef>
+          <a:fontRef idx="none"/>
+        </p:style>
+        <p:txBody>
+          <a:bodyPr rot="0" spcFirstLastPara="1" vertOverflow="overflow" horzOverflow="overflow" vert="horz" wrap="square" lIns="45718" tIns="45718" rIns="45718" bIns="45718" numCol="1" spcCol="38100" rtlCol="0" anchor="ctr">
+            <a:spAutoFit/>
+          </a:bodyPr>
+          <a:lstStyle/>
+          <a:p>
+            <a:pPr marL="0" marR="0" indent="0" algn="l" defTabSz="914400" rtl="0" fontAlgn="auto" latinLnBrk="0" hangingPunct="0">
+              <a:lnSpc>
+                <a:spcPct val="100000"/>
+              </a:lnSpc>
+              <a:spcBef>
+                <a:spcPts val="0"/>
+              </a:spcBef>
+              <a:spcAft>
+                <a:spcPts val="0"/>
+              </a:spcAft>
+              <a:buClrTx/>
+              <a:buSzTx/>
+              <a:buFontTx/>
+              <a:buNone/>
+              <a:tabLst/>
+            </a:pPr>
+            <a:endParaRPr kumimoji="0" lang="en-US" sz="1800" b="0" i="0" u="none" strike="noStrike" cap="none" spc="0" normalizeH="0" baseline="0">
+              <a:ln>
+                <a:noFill/>
+              </a:ln>
+              <a:solidFill>
+                <a:srgbClr val="000000"/>
+              </a:solidFill>
+              <a:effectLst/>
+              <a:uFillTx/>
+              <a:latin typeface="+mj-lt"/>
+              <a:ea typeface="+mj-ea"/>
+              <a:cs typeface="+mj-cs"/>
+              <a:sym typeface="Calibri"/>
+            </a:endParaRPr>
+          </a:p>
+        </p:txBody>
+      </p:sp>
+      <p:sp>
+        <p:nvSpPr>
           <p:cNvPr id="274" name="Rectangle 12"/>
           <p:cNvSpPr txBox="1"/>
           <p:nvPr/>
@@ -3184,7 +3284,7 @@
           </a:ln>
           <a:extLst>
             <a:ext uri="{C572A759-6A51-4108-AA02-DFA0A04FC94B}">
-              <ma14:wrappingTextBoxFlag xmlns:ma14="http://schemas.microsoft.com/office/mac/drawingml/2011/main" xmlns:a14="http://schemas.microsoft.com/office/drawing/2010/main" xmlns:m="http://schemas.openxmlformats.org/officeDocument/2006/math" xmlns="" val="1"/>
+              <ma14:wrappingTextBoxFlag xmlns="" xmlns:m="http://schemas.openxmlformats.org/officeDocument/2006/math" xmlns:a14="http://schemas.microsoft.com/office/drawing/2010/main" xmlns:ma14="http://schemas.microsoft.com/office/mac/drawingml/2011/main" val="1"/>
             </a:ext>
           </a:extLst>
         </p:spPr>
@@ -3227,7 +3327,7 @@
           </a:ln>
           <a:extLst>
             <a:ext uri="{C572A759-6A51-4108-AA02-DFA0A04FC94B}">
-              <ma14:wrappingTextBoxFlag xmlns:ma14="http://schemas.microsoft.com/office/mac/drawingml/2011/main" xmlns:a14="http://schemas.microsoft.com/office/drawing/2010/main" xmlns:m="http://schemas.openxmlformats.org/officeDocument/2006/math" xmlns="" val="1"/>
+              <ma14:wrappingTextBoxFlag xmlns="" xmlns:m="http://schemas.openxmlformats.org/officeDocument/2006/math" xmlns:a14="http://schemas.microsoft.com/office/drawing/2010/main" xmlns:ma14="http://schemas.microsoft.com/office/mac/drawingml/2011/main" val="1"/>
             </a:ext>
           </a:extLst>
         </p:spPr>
@@ -3346,7 +3446,7 @@
             <a:effectLst/>
             <a:extLst>
               <a:ext uri="{C572A759-6A51-4108-AA02-DFA0A04FC94B}">
-                <ma14:wrappingTextBoxFlag xmlns:ma14="http://schemas.microsoft.com/office/mac/drawingml/2011/main" xmlns:a14="http://schemas.microsoft.com/office/drawing/2010/main" xmlns:m="http://schemas.openxmlformats.org/officeDocument/2006/math" xmlns="" val="1"/>
+                <ma14:wrappingTextBoxFlag xmlns="" xmlns:m="http://schemas.openxmlformats.org/officeDocument/2006/math" xmlns:a14="http://schemas.microsoft.com/office/drawing/2010/main" xmlns:ma14="http://schemas.microsoft.com/office/mac/drawingml/2011/main" val="1"/>
               </a:ext>
             </a:extLst>
           </p:spPr>
@@ -3386,7 +3486,7 @@
           </a:ln>
           <a:extLst>
             <a:ext uri="{C572A759-6A51-4108-AA02-DFA0A04FC94B}">
-              <ma14:wrappingTextBoxFlag xmlns:ma14="http://schemas.microsoft.com/office/mac/drawingml/2011/main" xmlns:a14="http://schemas.microsoft.com/office/drawing/2010/main" xmlns:m="http://schemas.openxmlformats.org/officeDocument/2006/math" xmlns="" val="1"/>
+              <ma14:wrappingTextBoxFlag xmlns="" xmlns:m="http://schemas.openxmlformats.org/officeDocument/2006/math" xmlns:a14="http://schemas.microsoft.com/office/drawing/2010/main" xmlns:ma14="http://schemas.microsoft.com/office/mac/drawingml/2011/main" val="1"/>
             </a:ext>
           </a:extLst>
         </p:spPr>
@@ -3490,7 +3590,7 @@
             <a:effectLst/>
             <a:extLst>
               <a:ext uri="{C572A759-6A51-4108-AA02-DFA0A04FC94B}">
-                <ma14:wrappingTextBoxFlag xmlns:ma14="http://schemas.microsoft.com/office/mac/drawingml/2011/main" xmlns:a14="http://schemas.microsoft.com/office/drawing/2010/main" xmlns:m="http://schemas.openxmlformats.org/officeDocument/2006/math" xmlns="" val="1"/>
+                <ma14:wrappingTextBoxFlag xmlns="" xmlns:m="http://schemas.openxmlformats.org/officeDocument/2006/math" xmlns:a14="http://schemas.microsoft.com/office/drawing/2010/main" xmlns:ma14="http://schemas.microsoft.com/office/mac/drawingml/2011/main" val="1"/>
               </a:ext>
             </a:extLst>
           </p:spPr>
@@ -3536,7 +3636,7 @@
           </a:ln>
           <a:extLst>
             <a:ext uri="{C572A759-6A51-4108-AA02-DFA0A04FC94B}">
-              <ma14:wrappingTextBoxFlag xmlns:ma14="http://schemas.microsoft.com/office/mac/drawingml/2011/main" xmlns:a14="http://schemas.microsoft.com/office/drawing/2010/main" xmlns:m="http://schemas.openxmlformats.org/officeDocument/2006/math" xmlns="" val="1"/>
+              <ma14:wrappingTextBoxFlag xmlns="" xmlns:m="http://schemas.openxmlformats.org/officeDocument/2006/math" xmlns:a14="http://schemas.microsoft.com/office/drawing/2010/main" xmlns:ma14="http://schemas.microsoft.com/office/mac/drawingml/2011/main" val="1"/>
             </a:ext>
           </a:extLst>
         </p:spPr>
@@ -3573,39 +3673,606 @@
           </a:p>
         </p:txBody>
       </p:sp>
+      <p:sp>
+        <p:nvSpPr>
+          <p:cNvPr id="2" name="Rectangle 5">
+            <a:extLst>
+              <a:ext uri="{FF2B5EF4-FFF2-40B4-BE49-F238E27FC236}">
+                <a16:creationId xmlns:a16="http://schemas.microsoft.com/office/drawing/2014/main" id="{9A008077-A529-5628-8B1B-CBB461C34DD2}"/>
+              </a:ext>
+            </a:extLst>
+          </p:cNvPr>
+          <p:cNvSpPr>
+            <a:spLocks noChangeArrowheads="1"/>
+          </p:cNvSpPr>
+          <p:nvPr/>
+        </p:nvSpPr>
+        <p:spPr bwMode="auto">
+          <a:xfrm>
+            <a:off x="3343564" y="2330716"/>
+            <a:ext cx="5662989" cy="3416320"/>
+          </a:xfrm>
+          <a:prstGeom prst="rect">
+            <a:avLst/>
+          </a:prstGeom>
+          <a:noFill/>
+          <a:ln>
+            <a:noFill/>
+          </a:ln>
+          <a:effectLst/>
+          <a:extLst>
+            <a:ext uri="{909E8E84-426E-40DD-AFC4-6F175D3DCCD1}">
+              <a14:hiddenFill xmlns:a14="http://schemas.microsoft.com/office/drawing/2010/main">
+                <a:solidFill>
+                  <a:schemeClr val="accent1"/>
+                </a:solidFill>
+              </a14:hiddenFill>
+            </a:ext>
+            <a:ext uri="{91240B29-F687-4F45-9708-019B960494DF}">
+              <a14:hiddenLine xmlns:a14="http://schemas.microsoft.com/office/drawing/2010/main" w="9525">
+                <a:solidFill>
+                  <a:schemeClr val="tx1"/>
+                </a:solidFill>
+                <a:miter lim="800000"/>
+                <a:headEnd/>
+                <a:tailEnd/>
+              </a14:hiddenLine>
+            </a:ext>
+            <a:ext uri="{AF507438-7753-43E0-B8FC-AC1667EBCBE1}">
+              <a14:hiddenEffects xmlns:a14="http://schemas.microsoft.com/office/drawing/2010/main">
+                <a:effectLst>
+                  <a:outerShdw dist="35921" dir="2700000" algn="ctr" rotWithShape="0">
+                    <a:schemeClr val="bg2"/>
+                  </a:outerShdw>
+                </a:effectLst>
+              </a14:hiddenEffects>
+            </a:ext>
+          </a:extLst>
+        </p:spPr>
+        <p:txBody>
+          <a:bodyPr vert="horz" wrap="square" lIns="91440" tIns="45720" rIns="91440" bIns="45720" numCol="1" anchor="ctr" anchorCtr="0" compatLnSpc="1">
+            <a:prstTxWarp prst="textNoShape">
+              <a:avLst/>
+            </a:prstTxWarp>
+            <a:spAutoFit/>
+          </a:bodyPr>
+          <a:lstStyle/>
+          <a:p>
+            <a:pPr marL="0" marR="0" lvl="0" indent="0" algn="l" defTabSz="914400" rtl="0" eaLnBrk="0" fontAlgn="base" latinLnBrk="0" hangingPunct="0">
+              <a:lnSpc>
+                <a:spcPct val="100000"/>
+              </a:lnSpc>
+              <a:spcBef>
+                <a:spcPct val="0"/>
+              </a:spcBef>
+              <a:spcAft>
+                <a:spcPct val="0"/>
+              </a:spcAft>
+              <a:buClrTx/>
+              <a:buSzTx/>
+              <a:buFontTx/>
+              <a:buNone/>
+              <a:tabLst/>
+            </a:pPr>
+            <a:r>
+              <a:rPr kumimoji="0" lang="en-US" altLang="en-US" b="0" i="0" u="none" strike="noStrike" cap="none" normalizeH="0" baseline="0" dirty="0" err="1">
+                <a:ln>
+                  <a:noFill/>
+                </a:ln>
+                <a:solidFill>
+                  <a:schemeClr val="tx1"/>
+                </a:solidFill>
+                <a:effectLst/>
+                <a:latin typeface="Arial" panose="020B0604020202020204" pitchFamily="34" charset="0"/>
+                <a:cs typeface="Arial" panose="020B0604020202020204" pitchFamily="34" charset="0"/>
+              </a:rPr>
+              <a:t>shinyWidgets</a:t>
+            </a:r>
+            <a:r>
+              <a:rPr kumimoji="0" lang="en-US" altLang="en-US" b="0" i="0" u="none" strike="noStrike" cap="none" normalizeH="0" baseline="0" dirty="0">
+                <a:ln>
+                  <a:noFill/>
+                </a:ln>
+                <a:solidFill>
+                  <a:schemeClr val="tx1"/>
+                </a:solidFill>
+                <a:effectLst/>
+                <a:latin typeface="Arial" panose="020B0604020202020204" pitchFamily="34" charset="0"/>
+                <a:cs typeface="Arial" panose="020B0604020202020204" pitchFamily="34" charset="0"/>
+              </a:rPr>
+              <a:t>::</a:t>
+            </a:r>
+            <a:r>
+              <a:rPr kumimoji="0" lang="en-US" altLang="en-US" b="0" i="0" u="none" strike="noStrike" cap="none" normalizeH="0" baseline="0" dirty="0" err="1">
+                <a:ln>
+                  <a:noFill/>
+                </a:ln>
+                <a:solidFill>
+                  <a:schemeClr val="tx1"/>
+                </a:solidFill>
+                <a:effectLst/>
+                <a:latin typeface="Arial" panose="020B0604020202020204" pitchFamily="34" charset="0"/>
+                <a:cs typeface="Arial" panose="020B0604020202020204" pitchFamily="34" charset="0"/>
+              </a:rPr>
+              <a:t>pickerInput</a:t>
+            </a:r>
+            <a:r>
+              <a:rPr kumimoji="0" lang="en-US" altLang="en-US" b="0" i="0" u="none" strike="noStrike" cap="none" normalizeH="0" baseline="0" dirty="0">
+                <a:ln>
+                  <a:noFill/>
+                </a:ln>
+                <a:solidFill>
+                  <a:schemeClr val="tx1"/>
+                </a:solidFill>
+                <a:effectLst/>
+                <a:latin typeface="Arial" panose="020B0604020202020204" pitchFamily="34" charset="0"/>
+                <a:cs typeface="Arial" panose="020B0604020202020204" pitchFamily="34" charset="0"/>
+              </a:rPr>
+              <a:t>(</a:t>
+            </a:r>
+          </a:p>
+          <a:p>
+            <a:pPr marL="0" marR="0" lvl="0" indent="0" algn="l" defTabSz="914400" rtl="0" eaLnBrk="0" fontAlgn="base" latinLnBrk="0" hangingPunct="0">
+              <a:lnSpc>
+                <a:spcPct val="100000"/>
+              </a:lnSpc>
+              <a:spcBef>
+                <a:spcPct val="0"/>
+              </a:spcBef>
+              <a:spcAft>
+                <a:spcPct val="0"/>
+              </a:spcAft>
+              <a:buClrTx/>
+              <a:buSzTx/>
+              <a:buFontTx/>
+              <a:buNone/>
+              <a:tabLst/>
+            </a:pPr>
+            <a:r>
+              <a:rPr kumimoji="0" lang="en-US" altLang="en-US" b="0" i="0" u="none" strike="noStrike" cap="none" normalizeH="0" baseline="0" dirty="0">
+                <a:ln>
+                  <a:noFill/>
+                </a:ln>
+                <a:solidFill>
+                  <a:schemeClr val="tx1"/>
+                </a:solidFill>
+                <a:effectLst/>
+                <a:latin typeface="Arial" panose="020B0604020202020204" pitchFamily="34" charset="0"/>
+                <a:cs typeface="Arial" panose="020B0604020202020204" pitchFamily="34" charset="0"/>
+              </a:rPr>
+              <a:t>            </a:t>
+            </a:r>
+            <a:r>
+              <a:rPr kumimoji="0" lang="en-US" altLang="en-US" b="0" i="0" u="none" strike="noStrike" cap="none" normalizeH="0" baseline="0" dirty="0" err="1">
+                <a:ln>
+                  <a:noFill/>
+                </a:ln>
+                <a:solidFill>
+                  <a:schemeClr val="tx1"/>
+                </a:solidFill>
+                <a:effectLst/>
+                <a:latin typeface="Arial" panose="020B0604020202020204" pitchFamily="34" charset="0"/>
+                <a:cs typeface="Arial" panose="020B0604020202020204" pitchFamily="34" charset="0"/>
+              </a:rPr>
+              <a:t>inputId</a:t>
+            </a:r>
+            <a:r>
+              <a:rPr kumimoji="0" lang="en-US" altLang="en-US" b="0" i="0" u="none" strike="noStrike" cap="none" normalizeH="0" baseline="0" dirty="0">
+                <a:ln>
+                  <a:noFill/>
+                </a:ln>
+                <a:solidFill>
+                  <a:schemeClr val="tx1"/>
+                </a:solidFill>
+                <a:effectLst/>
+                <a:latin typeface="Arial" panose="020B0604020202020204" pitchFamily="34" charset="0"/>
+                <a:cs typeface="Arial" panose="020B0604020202020204" pitchFamily="34" charset="0"/>
+              </a:rPr>
+              <a:t>  = "</a:t>
+            </a:r>
+            <a:r>
+              <a:rPr kumimoji="0" lang="en-US" altLang="en-US" b="0" i="0" u="none" strike="noStrike" cap="none" normalizeH="0" baseline="0" dirty="0" err="1">
+                <a:ln>
+                  <a:noFill/>
+                </a:ln>
+                <a:solidFill>
+                  <a:schemeClr val="tx1"/>
+                </a:solidFill>
+                <a:effectLst/>
+                <a:latin typeface="Arial" panose="020B0604020202020204" pitchFamily="34" charset="0"/>
+                <a:cs typeface="Arial" panose="020B0604020202020204" pitchFamily="34" charset="0"/>
+              </a:rPr>
+              <a:t>picker_country</a:t>
+            </a:r>
+            <a:r>
+              <a:rPr kumimoji="0" lang="en-US" altLang="en-US" b="0" i="0" u="none" strike="noStrike" cap="none" normalizeH="0" baseline="0" dirty="0">
+                <a:ln>
+                  <a:noFill/>
+                </a:ln>
+                <a:solidFill>
+                  <a:schemeClr val="tx1"/>
+                </a:solidFill>
+                <a:effectLst/>
+                <a:latin typeface="Arial" panose="020B0604020202020204" pitchFamily="34" charset="0"/>
+                <a:cs typeface="Arial" panose="020B0604020202020204" pitchFamily="34" charset="0"/>
+              </a:rPr>
+              <a:t>",</a:t>
+            </a:r>
+          </a:p>
+          <a:p>
+            <a:pPr marL="0" marR="0" lvl="0" indent="0" algn="l" defTabSz="914400" rtl="0" eaLnBrk="0" fontAlgn="base" latinLnBrk="0" hangingPunct="0">
+              <a:lnSpc>
+                <a:spcPct val="100000"/>
+              </a:lnSpc>
+              <a:spcBef>
+                <a:spcPct val="0"/>
+              </a:spcBef>
+              <a:spcAft>
+                <a:spcPct val="0"/>
+              </a:spcAft>
+              <a:buClrTx/>
+              <a:buSzTx/>
+              <a:buFontTx/>
+              <a:buNone/>
+              <a:tabLst/>
+            </a:pPr>
+            <a:r>
+              <a:rPr kumimoji="0" lang="en-US" altLang="en-US" b="0" i="0" u="none" strike="noStrike" cap="none" normalizeH="0" baseline="0" dirty="0">
+                <a:ln>
+                  <a:noFill/>
+                </a:ln>
+                <a:solidFill>
+                  <a:schemeClr val="tx1"/>
+                </a:solidFill>
+                <a:effectLst/>
+                <a:latin typeface="Arial" panose="020B0604020202020204" pitchFamily="34" charset="0"/>
+                <a:cs typeface="Arial" panose="020B0604020202020204" pitchFamily="34" charset="0"/>
+              </a:rPr>
+              <a:t>            label    = h4("Country"),</a:t>
+            </a:r>
+          </a:p>
+          <a:p>
+            <a:pPr marL="0" marR="0" lvl="0" indent="0" algn="l" defTabSz="914400" rtl="0" eaLnBrk="0" fontAlgn="base" latinLnBrk="0" hangingPunct="0">
+              <a:lnSpc>
+                <a:spcPct val="100000"/>
+              </a:lnSpc>
+              <a:spcBef>
+                <a:spcPct val="0"/>
+              </a:spcBef>
+              <a:spcAft>
+                <a:spcPct val="0"/>
+              </a:spcAft>
+              <a:buClrTx/>
+              <a:buSzTx/>
+              <a:buFontTx/>
+              <a:buNone/>
+              <a:tabLst/>
+            </a:pPr>
+            <a:r>
+              <a:rPr kumimoji="0" lang="en-US" altLang="en-US" b="0" i="0" u="none" strike="noStrike" cap="none" normalizeH="0" baseline="0" dirty="0">
+                <a:ln>
+                  <a:noFill/>
+                </a:ln>
+                <a:solidFill>
+                  <a:schemeClr val="tx1"/>
+                </a:solidFill>
+                <a:effectLst/>
+                <a:latin typeface="Arial" panose="020B0604020202020204" pitchFamily="34" charset="0"/>
+                <a:cs typeface="Arial" panose="020B0604020202020204" pitchFamily="34" charset="0"/>
+              </a:rPr>
+              <a:t>            choices  = sort(unique(</a:t>
+            </a:r>
+            <a:r>
+              <a:rPr kumimoji="0" lang="en-US" altLang="en-US" b="0" i="0" u="none" strike="noStrike" cap="none" normalizeH="0" baseline="0" dirty="0" err="1">
+                <a:ln>
+                  <a:noFill/>
+                </a:ln>
+                <a:solidFill>
+                  <a:schemeClr val="tx1"/>
+                </a:solidFill>
+                <a:effectLst/>
+                <a:latin typeface="Arial" panose="020B0604020202020204" pitchFamily="34" charset="0"/>
+                <a:cs typeface="Arial" panose="020B0604020202020204" pitchFamily="34" charset="0"/>
+              </a:rPr>
+              <a:t>processed_data_tbl$COUNTRY</a:t>
+            </a:r>
+            <a:r>
+              <a:rPr kumimoji="0" lang="en-US" altLang="en-US" b="0" i="0" u="none" strike="noStrike" cap="none" normalizeH="0" baseline="0" dirty="0">
+                <a:ln>
+                  <a:noFill/>
+                </a:ln>
+                <a:solidFill>
+                  <a:schemeClr val="tx1"/>
+                </a:solidFill>
+                <a:effectLst/>
+                <a:latin typeface="Arial" panose="020B0604020202020204" pitchFamily="34" charset="0"/>
+                <a:cs typeface="Arial" panose="020B0604020202020204" pitchFamily="34" charset="0"/>
+              </a:rPr>
+              <a:t>)),</a:t>
+            </a:r>
+          </a:p>
+          <a:p>
+            <a:pPr marL="0" marR="0" lvl="0" indent="0" algn="l" defTabSz="914400" rtl="0" eaLnBrk="0" fontAlgn="base" latinLnBrk="0" hangingPunct="0">
+              <a:lnSpc>
+                <a:spcPct val="100000"/>
+              </a:lnSpc>
+              <a:spcBef>
+                <a:spcPct val="0"/>
+              </a:spcBef>
+              <a:spcAft>
+                <a:spcPct val="0"/>
+              </a:spcAft>
+              <a:buClrTx/>
+              <a:buSzTx/>
+              <a:buFontTx/>
+              <a:buNone/>
+              <a:tabLst/>
+            </a:pPr>
+            <a:r>
+              <a:rPr kumimoji="0" lang="en-US" altLang="en-US" b="0" i="0" u="none" strike="noStrike" cap="none" normalizeH="0" baseline="0" dirty="0">
+                <a:ln>
+                  <a:noFill/>
+                </a:ln>
+                <a:solidFill>
+                  <a:schemeClr val="tx1"/>
+                </a:solidFill>
+                <a:effectLst/>
+                <a:latin typeface="Arial" panose="020B0604020202020204" pitchFamily="34" charset="0"/>
+                <a:cs typeface="Arial" panose="020B0604020202020204" pitchFamily="34" charset="0"/>
+              </a:rPr>
+              <a:t>            selected = unique(</a:t>
+            </a:r>
+            <a:r>
+              <a:rPr kumimoji="0" lang="en-US" altLang="en-US" b="0" i="0" u="none" strike="noStrike" cap="none" normalizeH="0" baseline="0" dirty="0" err="1">
+                <a:ln>
+                  <a:noFill/>
+                </a:ln>
+                <a:solidFill>
+                  <a:schemeClr val="tx1"/>
+                </a:solidFill>
+                <a:effectLst/>
+                <a:latin typeface="Arial" panose="020B0604020202020204" pitchFamily="34" charset="0"/>
+                <a:cs typeface="Arial" panose="020B0604020202020204" pitchFamily="34" charset="0"/>
+              </a:rPr>
+              <a:t>processed_data_tbl$COUNTRY</a:t>
+            </a:r>
+            <a:r>
+              <a:rPr kumimoji="0" lang="en-US" altLang="en-US" b="0" i="0" u="none" strike="noStrike" cap="none" normalizeH="0" baseline="0" dirty="0">
+                <a:ln>
+                  <a:noFill/>
+                </a:ln>
+                <a:solidFill>
+                  <a:schemeClr val="tx1"/>
+                </a:solidFill>
+                <a:effectLst/>
+                <a:latin typeface="Arial" panose="020B0604020202020204" pitchFamily="34" charset="0"/>
+                <a:cs typeface="Arial" panose="020B0604020202020204" pitchFamily="34" charset="0"/>
+              </a:rPr>
+              <a:t>),</a:t>
+            </a:r>
+          </a:p>
+          <a:p>
+            <a:pPr marL="0" marR="0" lvl="0" indent="0" algn="l" defTabSz="914400" rtl="0" eaLnBrk="0" fontAlgn="base" latinLnBrk="0" hangingPunct="0">
+              <a:lnSpc>
+                <a:spcPct val="100000"/>
+              </a:lnSpc>
+              <a:spcBef>
+                <a:spcPct val="0"/>
+              </a:spcBef>
+              <a:spcAft>
+                <a:spcPct val="0"/>
+              </a:spcAft>
+              <a:buClrTx/>
+              <a:buSzTx/>
+              <a:buFontTx/>
+              <a:buNone/>
+              <a:tabLst/>
+            </a:pPr>
+            <a:r>
+              <a:rPr kumimoji="0" lang="en-US" altLang="en-US" b="0" i="0" u="none" strike="noStrike" cap="none" normalizeH="0" baseline="0" dirty="0">
+                <a:ln>
+                  <a:noFill/>
+                </a:ln>
+                <a:solidFill>
+                  <a:schemeClr val="tx1"/>
+                </a:solidFill>
+                <a:effectLst/>
+                <a:latin typeface="Arial" panose="020B0604020202020204" pitchFamily="34" charset="0"/>
+                <a:cs typeface="Arial" panose="020B0604020202020204" pitchFamily="34" charset="0"/>
+              </a:rPr>
+              <a:t>            multiple = TRUE, # Allow multiple options</a:t>
+            </a:r>
+          </a:p>
+          <a:p>
+            <a:pPr marL="0" marR="0" lvl="0" indent="0" algn="l" defTabSz="914400" rtl="0" eaLnBrk="0" fontAlgn="base" latinLnBrk="0" hangingPunct="0">
+              <a:lnSpc>
+                <a:spcPct val="100000"/>
+              </a:lnSpc>
+              <a:spcBef>
+                <a:spcPct val="0"/>
+              </a:spcBef>
+              <a:spcAft>
+                <a:spcPct val="0"/>
+              </a:spcAft>
+              <a:buClrTx/>
+              <a:buSzTx/>
+              <a:buFontTx/>
+              <a:buNone/>
+              <a:tabLst/>
+            </a:pPr>
+            <a:r>
+              <a:rPr kumimoji="0" lang="en-US" altLang="en-US" b="0" i="0" u="none" strike="noStrike" cap="none" normalizeH="0" baseline="0" dirty="0">
+                <a:ln>
+                  <a:noFill/>
+                </a:ln>
+                <a:solidFill>
+                  <a:schemeClr val="tx1"/>
+                </a:solidFill>
+                <a:effectLst/>
+                <a:latin typeface="Arial" panose="020B0604020202020204" pitchFamily="34" charset="0"/>
+                <a:cs typeface="Arial" panose="020B0604020202020204" pitchFamily="34" charset="0"/>
+              </a:rPr>
+              <a:t>            options = list(</a:t>
+            </a:r>
+          </a:p>
+          <a:p>
+            <a:pPr marL="0" marR="0" lvl="0" indent="0" algn="l" defTabSz="914400" rtl="0" eaLnBrk="0" fontAlgn="base" latinLnBrk="0" hangingPunct="0">
+              <a:lnSpc>
+                <a:spcPct val="100000"/>
+              </a:lnSpc>
+              <a:spcBef>
+                <a:spcPct val="0"/>
+              </a:spcBef>
+              <a:spcAft>
+                <a:spcPct val="0"/>
+              </a:spcAft>
+              <a:buClrTx/>
+              <a:buSzTx/>
+              <a:buFontTx/>
+              <a:buNone/>
+              <a:tabLst/>
+            </a:pPr>
+            <a:r>
+              <a:rPr kumimoji="0" lang="en-US" altLang="en-US" b="0" i="0" u="none" strike="noStrike" cap="none" normalizeH="0" baseline="0" dirty="0">
+                <a:ln>
+                  <a:noFill/>
+                </a:ln>
+                <a:solidFill>
+                  <a:schemeClr val="tx1"/>
+                </a:solidFill>
+                <a:effectLst/>
+                <a:latin typeface="Arial" panose="020B0604020202020204" pitchFamily="34" charset="0"/>
+                <a:cs typeface="Arial" panose="020B0604020202020204" pitchFamily="34" charset="0"/>
+              </a:rPr>
+              <a:t>              `actions-box` = TRUE,  # Note back ticks</a:t>
+            </a:r>
+          </a:p>
+          <a:p>
+            <a:pPr marL="0" marR="0" lvl="0" indent="0" algn="l" defTabSz="914400" rtl="0" eaLnBrk="0" fontAlgn="base" latinLnBrk="0" hangingPunct="0">
+              <a:lnSpc>
+                <a:spcPct val="100000"/>
+              </a:lnSpc>
+              <a:spcBef>
+                <a:spcPct val="0"/>
+              </a:spcBef>
+              <a:spcAft>
+                <a:spcPct val="0"/>
+              </a:spcAft>
+              <a:buClrTx/>
+              <a:buSzTx/>
+              <a:buFontTx/>
+              <a:buNone/>
+              <a:tabLst/>
+            </a:pPr>
+            <a:r>
+              <a:rPr kumimoji="0" lang="en-US" altLang="en-US" b="0" i="0" u="none" strike="noStrike" cap="none" normalizeH="0" baseline="0" dirty="0">
+                <a:ln>
+                  <a:noFill/>
+                </a:ln>
+                <a:solidFill>
+                  <a:schemeClr val="tx1"/>
+                </a:solidFill>
+                <a:effectLst/>
+                <a:latin typeface="Arial" panose="020B0604020202020204" pitchFamily="34" charset="0"/>
+                <a:cs typeface="Arial" panose="020B0604020202020204" pitchFamily="34" charset="0"/>
+              </a:rPr>
+              <a:t>              size = 10,</a:t>
+            </a:r>
+          </a:p>
+          <a:p>
+            <a:pPr marL="0" marR="0" lvl="0" indent="0" algn="l" defTabSz="914400" rtl="0" eaLnBrk="0" fontAlgn="base" latinLnBrk="0" hangingPunct="0">
+              <a:lnSpc>
+                <a:spcPct val="100000"/>
+              </a:lnSpc>
+              <a:spcBef>
+                <a:spcPct val="0"/>
+              </a:spcBef>
+              <a:spcAft>
+                <a:spcPct val="0"/>
+              </a:spcAft>
+              <a:buClrTx/>
+              <a:buSzTx/>
+              <a:buFontTx/>
+              <a:buNone/>
+              <a:tabLst/>
+            </a:pPr>
+            <a:r>
+              <a:rPr kumimoji="0" lang="en-US" altLang="en-US" b="0" i="0" u="none" strike="noStrike" cap="none" normalizeH="0" baseline="0" dirty="0">
+                <a:ln>
+                  <a:noFill/>
+                </a:ln>
+                <a:solidFill>
+                  <a:schemeClr val="tx1"/>
+                </a:solidFill>
+                <a:effectLst/>
+                <a:latin typeface="Arial" panose="020B0604020202020204" pitchFamily="34" charset="0"/>
+                <a:cs typeface="Arial" panose="020B0604020202020204" pitchFamily="34" charset="0"/>
+              </a:rPr>
+              <a:t>              `selected-text-format` = "count &gt; 3"</a:t>
+            </a:r>
+          </a:p>
+        </p:txBody>
+      </p:sp>
       <p:pic>
         <p:nvPicPr>
-          <p:cNvPr id="8" name="图片 7">
+          <p:cNvPr id="3" name="Picture 2">
             <a:extLst>
               <a:ext uri="{FF2B5EF4-FFF2-40B4-BE49-F238E27FC236}">
-                <a16:creationId xmlns:a16="http://schemas.microsoft.com/office/drawing/2014/main" id="{CA8D096D-CADE-9645-BEE8-466ACD806CFF}"/>
+                <a16:creationId xmlns:a16="http://schemas.microsoft.com/office/drawing/2014/main" id="{34C527EF-18F8-6215-CA40-9B68A8A87429}"/>
               </a:ext>
             </a:extLst>
           </p:cNvPr>
           <p:cNvPicPr>
-            <a:picLocks noChangeAspect="1"/>
+            <a:picLocks noChangeAspect="1" noChangeArrowheads="1"/>
           </p:cNvPicPr>
           <p:nvPr/>
         </p:nvPicPr>
-        <p:blipFill rotWithShape="1">
-          <a:blip r:embed="rId2"/>
-          <a:srcRect b="26278"/>
-          <a:stretch/>
+        <p:blipFill>
+          <a:blip r:embed="rId2">
+            <a:extLst>
+              <a:ext uri="{28A0092B-C50C-407E-A947-70E740481C1C}">
+                <a14:useLocalDpi xmlns:a14="http://schemas.microsoft.com/office/drawing/2010/main" val="0"/>
+              </a:ext>
+            </a:extLst>
+          </a:blip>
+          <a:srcRect/>
+          <a:stretch>
+            <a:fillRect/>
+          </a:stretch>
         </p:blipFill>
-        <p:spPr>
+        <p:spPr bwMode="auto">
           <a:xfrm>
-            <a:off x="0" y="805721"/>
-            <a:ext cx="9144000" cy="3867879"/>
+            <a:off x="401435" y="996108"/>
+            <a:ext cx="2632650" cy="3104594"/>
           </a:xfrm>
           <a:prstGeom prst="rect">
             <a:avLst/>
           </a:prstGeom>
+          <a:ln>
+            <a:noFill/>
+          </a:ln>
+          <a:effectLst>
+            <a:outerShdw blurRad="292100" dist="139700" dir="2700000" algn="tl" rotWithShape="0">
+              <a:srgbClr val="333333">
+                <a:alpha val="65000"/>
+              </a:srgbClr>
+            </a:outerShdw>
+          </a:effectLst>
+          <a:extLst>
+            <a:ext uri="{909E8E84-426E-40DD-AFC4-6F175D3DCCD1}">
+              <a14:hiddenFill xmlns:a14="http://schemas.microsoft.com/office/drawing/2010/main">
+                <a:solidFill>
+                  <a:srgbClr val="FFFFFF"/>
+                </a:solidFill>
+              </a14:hiddenFill>
+            </a:ext>
+          </a:extLst>
         </p:spPr>
       </p:pic>
     </p:spTree>
     <p:extLst>
       <p:ext uri="{BB962C8B-B14F-4D97-AF65-F5344CB8AC3E}">
-        <p14:creationId xmlns:p14="http://schemas.microsoft.com/office/powerpoint/2010/main" val="3251269386"/>
+        <p14:creationId xmlns:p14="http://schemas.microsoft.com/office/powerpoint/2010/main" val="1808514119"/>
       </p:ext>
     </p:extLst>
   </p:cSld>
@@ -3635,6 +4302,100 @@
       </p:grpSpPr>
       <p:sp>
         <p:nvSpPr>
+          <p:cNvPr id="10" name="矩形: 圆角 9">
+            <a:extLst>
+              <a:ext uri="{FF2B5EF4-FFF2-40B4-BE49-F238E27FC236}">
+                <a16:creationId xmlns:a16="http://schemas.microsoft.com/office/drawing/2014/main" id="{DEC09F42-EFA0-5F1D-0A32-361A528E4029}"/>
+              </a:ext>
+            </a:extLst>
+          </p:cNvPr>
+          <p:cNvSpPr/>
+          <p:nvPr/>
+        </p:nvSpPr>
+        <p:spPr>
+          <a:xfrm>
+            <a:off x="536809" y="1386414"/>
+            <a:ext cx="8469744" cy="4930780"/>
+          </a:xfrm>
+          <a:prstGeom prst="roundRect">
+            <a:avLst/>
+          </a:prstGeom>
+          <a:solidFill>
+            <a:schemeClr val="bg1">
+              <a:lumMod val="95000"/>
+            </a:schemeClr>
+          </a:solidFill>
+          <a:ln w="25400" cap="flat">
+            <a:noFill/>
+            <a:prstDash val="solid"/>
+            <a:round/>
+          </a:ln>
+          <a:effectLst/>
+          <a:scene3d>
+            <a:camera prst="orthographicFront">
+              <a:rot lat="0" lon="0" rev="0"/>
+            </a:camera>
+            <a:lightRig rig="chilly" dir="t">
+              <a:rot lat="0" lon="0" rev="18480000"/>
+            </a:lightRig>
+          </a:scene3d>
+          <a:sp3d prstMaterial="clear">
+            <a:bevelT h="63500"/>
+          </a:sp3d>
+        </p:spPr>
+        <p:style>
+          <a:lnRef idx="0">
+            <a:scrgbClr r="0" g="0" b="0"/>
+          </a:lnRef>
+          <a:fillRef idx="0">
+            <a:scrgbClr r="0" g="0" b="0"/>
+          </a:fillRef>
+          <a:effectRef idx="0">
+            <a:scrgbClr r="0" g="0" b="0"/>
+          </a:effectRef>
+          <a:fontRef idx="none"/>
+        </p:style>
+        <p:txBody>
+          <a:bodyPr rot="0" spcFirstLastPara="1" vertOverflow="overflow" horzOverflow="overflow" vert="horz" wrap="square" lIns="45718" tIns="45718" rIns="45718" bIns="45718" numCol="1" spcCol="38100" rtlCol="0" anchor="ctr">
+            <a:spAutoFit/>
+          </a:bodyPr>
+          <a:lstStyle/>
+          <a:p>
+            <a:pPr marL="0" marR="0" indent="0" algn="l" defTabSz="914400" rtl="0" fontAlgn="auto" latinLnBrk="0" hangingPunct="0">
+              <a:lnSpc>
+                <a:spcPct val="100000"/>
+              </a:lnSpc>
+              <a:spcBef>
+                <a:spcPts val="0"/>
+              </a:spcBef>
+              <a:spcAft>
+                <a:spcPts val="0"/>
+              </a:spcAft>
+              <a:buClrTx/>
+              <a:buSzTx/>
+              <a:buFontTx/>
+              <a:buNone/>
+              <a:tabLst/>
+            </a:pPr>
+            <a:endParaRPr kumimoji="0" lang="en-US" sz="1800" b="0" i="0" u="none" strike="noStrike" cap="none" spc="0" normalizeH="0" baseline="0">
+              <a:ln>
+                <a:noFill/>
+              </a:ln>
+              <a:solidFill>
+                <a:srgbClr val="000000"/>
+              </a:solidFill>
+              <a:effectLst/>
+              <a:uFillTx/>
+              <a:latin typeface="+mj-lt"/>
+              <a:ea typeface="+mj-ea"/>
+              <a:cs typeface="+mj-cs"/>
+              <a:sym typeface="Calibri"/>
+            </a:endParaRPr>
+          </a:p>
+        </p:txBody>
+      </p:sp>
+      <p:sp>
+        <p:nvSpPr>
           <p:cNvPr id="274" name="Rectangle 12"/>
           <p:cNvSpPr txBox="1"/>
           <p:nvPr/>
@@ -3652,7 +4413,7 @@
           </a:ln>
           <a:extLst>
             <a:ext uri="{C572A759-6A51-4108-AA02-DFA0A04FC94B}">
-              <ma14:wrappingTextBoxFlag xmlns:ma14="http://schemas.microsoft.com/office/mac/drawingml/2011/main" xmlns:a14="http://schemas.microsoft.com/office/drawing/2010/main" xmlns:m="http://schemas.openxmlformats.org/officeDocument/2006/math" xmlns="" val="1"/>
+              <ma14:wrappingTextBoxFlag xmlns="" xmlns:m="http://schemas.openxmlformats.org/officeDocument/2006/math" xmlns:a14="http://schemas.microsoft.com/office/drawing/2010/main" xmlns:ma14="http://schemas.microsoft.com/office/mac/drawingml/2011/main" val="1"/>
             </a:ext>
           </a:extLst>
         </p:spPr>
@@ -3695,7 +4456,7 @@
           </a:ln>
           <a:extLst>
             <a:ext uri="{C572A759-6A51-4108-AA02-DFA0A04FC94B}">
-              <ma14:wrappingTextBoxFlag xmlns:ma14="http://schemas.microsoft.com/office/mac/drawingml/2011/main" xmlns:a14="http://schemas.microsoft.com/office/drawing/2010/main" xmlns:m="http://schemas.openxmlformats.org/officeDocument/2006/math" xmlns="" val="1"/>
+              <ma14:wrappingTextBoxFlag xmlns="" xmlns:m="http://schemas.openxmlformats.org/officeDocument/2006/math" xmlns:a14="http://schemas.microsoft.com/office/drawing/2010/main" xmlns:ma14="http://schemas.microsoft.com/office/mac/drawingml/2011/main" val="1"/>
             </a:ext>
           </a:extLst>
         </p:spPr>
@@ -3814,7 +4575,7 @@
             <a:effectLst/>
             <a:extLst>
               <a:ext uri="{C572A759-6A51-4108-AA02-DFA0A04FC94B}">
-                <ma14:wrappingTextBoxFlag xmlns:ma14="http://schemas.microsoft.com/office/mac/drawingml/2011/main" xmlns:a14="http://schemas.microsoft.com/office/drawing/2010/main" xmlns:m="http://schemas.openxmlformats.org/officeDocument/2006/math" xmlns="" val="1"/>
+                <ma14:wrappingTextBoxFlag xmlns="" xmlns:m="http://schemas.openxmlformats.org/officeDocument/2006/math" xmlns:a14="http://schemas.microsoft.com/office/drawing/2010/main" xmlns:ma14="http://schemas.microsoft.com/office/mac/drawingml/2011/main" val="1"/>
               </a:ext>
             </a:extLst>
           </p:spPr>
@@ -3854,7 +4615,7 @@
           </a:ln>
           <a:extLst>
             <a:ext uri="{C572A759-6A51-4108-AA02-DFA0A04FC94B}">
-              <ma14:wrappingTextBoxFlag xmlns:ma14="http://schemas.microsoft.com/office/mac/drawingml/2011/main" xmlns:a14="http://schemas.microsoft.com/office/drawing/2010/main" xmlns:m="http://schemas.openxmlformats.org/officeDocument/2006/math" xmlns="" val="1"/>
+              <ma14:wrappingTextBoxFlag xmlns="" xmlns:m="http://schemas.openxmlformats.org/officeDocument/2006/math" xmlns:a14="http://schemas.microsoft.com/office/drawing/2010/main" xmlns:ma14="http://schemas.microsoft.com/office/mac/drawingml/2011/main" val="1"/>
             </a:ext>
           </a:extLst>
         </p:spPr>
@@ -3958,7 +4719,7 @@
             <a:effectLst/>
             <a:extLst>
               <a:ext uri="{C572A759-6A51-4108-AA02-DFA0A04FC94B}">
-                <ma14:wrappingTextBoxFlag xmlns:ma14="http://schemas.microsoft.com/office/mac/drawingml/2011/main" xmlns:a14="http://schemas.microsoft.com/office/drawing/2010/main" xmlns:m="http://schemas.openxmlformats.org/officeDocument/2006/math" xmlns="" val="1"/>
+                <ma14:wrappingTextBoxFlag xmlns="" xmlns:m="http://schemas.openxmlformats.org/officeDocument/2006/math" xmlns:a14="http://schemas.microsoft.com/office/drawing/2010/main" xmlns:ma14="http://schemas.microsoft.com/office/mac/drawingml/2011/main" val="1"/>
               </a:ext>
             </a:extLst>
           </p:spPr>
@@ -4004,7 +4765,3698 @@
           </a:ln>
           <a:extLst>
             <a:ext uri="{C572A759-6A51-4108-AA02-DFA0A04FC94B}">
-              <ma14:wrappingTextBoxFlag xmlns:ma14="http://schemas.microsoft.com/office/mac/drawingml/2011/main" xmlns:a14="http://schemas.microsoft.com/office/drawing/2010/main" xmlns:m="http://schemas.openxmlformats.org/officeDocument/2006/math" xmlns="" val="1"/>
+              <ma14:wrappingTextBoxFlag xmlns="" xmlns:m="http://schemas.openxmlformats.org/officeDocument/2006/math" xmlns:a14="http://schemas.microsoft.com/office/drawing/2010/main" xmlns:ma14="http://schemas.microsoft.com/office/mac/drawingml/2011/main" val="1"/>
+            </a:ext>
+          </a:extLst>
+        </p:spPr>
+        <p:txBody>
+          <a:bodyPr lIns="45718" tIns="45718" rIns="45718" bIns="45718">
+            <a:spAutoFit/>
+          </a:bodyPr>
+          <a:lstStyle/>
+          <a:p>
+            <a:pPr defTabSz="685800">
+              <a:lnSpc>
+                <a:spcPct val="90000"/>
+              </a:lnSpc>
+              <a:defRPr sz="2600">
+                <a:latin typeface="배달의민족 도현 OTF"/>
+                <a:ea typeface="배달의민족 도현 OTF"/>
+                <a:cs typeface="배달의민족 도현 OTF"/>
+                <a:sym typeface="배달의민족 도현 OTF"/>
+              </a:defRPr>
+            </a:pPr>
+            <a:r>
+              <a:rPr lang="en-US" dirty="0">
+                <a:solidFill>
+                  <a:schemeClr val="bg1"/>
+                </a:solidFill>
+              </a:rPr>
+              <a:t>Future Order Forecast</a:t>
+            </a:r>
+            <a:endParaRPr dirty="0">
+              <a:solidFill>
+                <a:schemeClr val="bg1"/>
+              </a:solidFill>
+            </a:endParaRPr>
+          </a:p>
+        </p:txBody>
+      </p:sp>
+      <p:pic>
+        <p:nvPicPr>
+          <p:cNvPr id="5" name="Picture 4">
+            <a:extLst>
+              <a:ext uri="{FF2B5EF4-FFF2-40B4-BE49-F238E27FC236}">
+                <a16:creationId xmlns:a16="http://schemas.microsoft.com/office/drawing/2014/main" id="{83CF48BB-354C-E2B7-8D38-666E765C2A52}"/>
+              </a:ext>
+            </a:extLst>
+          </p:cNvPr>
+          <p:cNvPicPr>
+            <a:picLocks noChangeAspect="1" noChangeArrowheads="1"/>
+          </p:cNvPicPr>
+          <p:nvPr/>
+        </p:nvPicPr>
+        <p:blipFill>
+          <a:blip r:embed="rId2">
+            <a:extLst>
+              <a:ext uri="{28A0092B-C50C-407E-A947-70E740481C1C}">
+                <a14:useLocalDpi xmlns:a14="http://schemas.microsoft.com/office/drawing/2010/main" val="0"/>
+              </a:ext>
+            </a:extLst>
+          </a:blip>
+          <a:srcRect/>
+          <a:stretch>
+            <a:fillRect/>
+          </a:stretch>
+        </p:blipFill>
+        <p:spPr bwMode="auto">
+          <a:xfrm>
+            <a:off x="328179" y="996108"/>
+            <a:ext cx="3503189" cy="2644198"/>
+          </a:xfrm>
+          <a:prstGeom prst="rect">
+            <a:avLst/>
+          </a:prstGeom>
+          <a:ln>
+            <a:noFill/>
+          </a:ln>
+          <a:effectLst>
+            <a:outerShdw blurRad="292100" dist="139700" dir="2700000" algn="tl" rotWithShape="0">
+              <a:srgbClr val="333333">
+                <a:alpha val="65000"/>
+              </a:srgbClr>
+            </a:outerShdw>
+          </a:effectLst>
+          <a:extLst>
+            <a:ext uri="{909E8E84-426E-40DD-AFC4-6F175D3DCCD1}">
+              <a14:hiddenFill xmlns:a14="http://schemas.microsoft.com/office/drawing/2010/main">
+                <a:solidFill>
+                  <a:srgbClr val="FFFFFF"/>
+                </a:solidFill>
+              </a14:hiddenFill>
+            </a:ext>
+          </a:extLst>
+        </p:spPr>
+      </p:pic>
+      <p:sp>
+        <p:nvSpPr>
+          <p:cNvPr id="7" name="文本框 6">
+            <a:extLst>
+              <a:ext uri="{FF2B5EF4-FFF2-40B4-BE49-F238E27FC236}">
+                <a16:creationId xmlns:a16="http://schemas.microsoft.com/office/drawing/2014/main" id="{733D93B5-BEC4-A5DC-95A4-233C82CF3310}"/>
+              </a:ext>
+            </a:extLst>
+          </p:cNvPr>
+          <p:cNvSpPr txBox="1"/>
+          <p:nvPr/>
+        </p:nvSpPr>
+        <p:spPr>
+          <a:xfrm>
+            <a:off x="4132960" y="2055266"/>
+            <a:ext cx="4572000" cy="3416320"/>
+          </a:xfrm>
+          <a:prstGeom prst="rect">
+            <a:avLst/>
+          </a:prstGeom>
+          <a:noFill/>
+          <a:ln w="12700" cap="flat">
+            <a:noFill/>
+            <a:miter lim="400000"/>
+          </a:ln>
+          <a:effectLst/>
+          <a:sp3d/>
+        </p:spPr>
+        <p:style>
+          <a:lnRef idx="0">
+            <a:scrgbClr r="0" g="0" b="0"/>
+          </a:lnRef>
+          <a:fillRef idx="0">
+            <a:scrgbClr r="0" g="0" b="0"/>
+          </a:fillRef>
+          <a:effectRef idx="0">
+            <a:scrgbClr r="0" g="0" b="0"/>
+          </a:effectRef>
+          <a:fontRef idx="none"/>
+        </p:style>
+        <p:txBody>
+          <a:bodyPr wrap="square">
+            <a:spAutoFit/>
+          </a:bodyPr>
+          <a:lstStyle/>
+          <a:p>
+            <a:r>
+              <a:rPr lang="en-US" dirty="0" err="1"/>
+              <a:t>conditionalPanel</a:t>
+            </a:r>
+            <a:r>
+              <a:rPr lang="en-US" dirty="0"/>
+              <a:t>(condition =</a:t>
+            </a:r>
+          </a:p>
+          <a:p>
+            <a:r>
+              <a:rPr lang="en-US" dirty="0"/>
+              <a:t>               "</a:t>
+            </a:r>
+            <a:r>
+              <a:rPr lang="en-US" dirty="0" err="1"/>
+              <a:t>input.forecast_mode</a:t>
+            </a:r>
+            <a:r>
+              <a:rPr lang="en-US" dirty="0"/>
+              <a:t> == 1",</a:t>
+            </a:r>
+          </a:p>
+          <a:p>
+            <a:r>
+              <a:rPr lang="en-US" dirty="0"/>
+              <a:t>                 </a:t>
+            </a:r>
+            <a:r>
+              <a:rPr lang="en-US" dirty="0" err="1"/>
+              <a:t>numericInput</a:t>
+            </a:r>
+            <a:r>
+              <a:rPr lang="en-US" dirty="0"/>
+              <a:t>(</a:t>
+            </a:r>
+            <a:r>
+              <a:rPr lang="en-US" dirty="0" err="1"/>
+              <a:t>inputId</a:t>
+            </a:r>
+            <a:r>
+              <a:rPr lang="en-US" dirty="0"/>
+              <a:t> = "</a:t>
+            </a:r>
+            <a:r>
+              <a:rPr lang="en-US" dirty="0" err="1"/>
+              <a:t>n_future</a:t>
+            </a:r>
+            <a:r>
+              <a:rPr lang="en-US" dirty="0"/>
+              <a:t>",</a:t>
+            </a:r>
+          </a:p>
+          <a:p>
+            <a:r>
+              <a:rPr lang="en-US" dirty="0"/>
+              <a:t>                 label = "Forecast Horizon",</a:t>
+            </a:r>
+          </a:p>
+          <a:p>
+            <a:r>
+              <a:rPr lang="en-US" dirty="0"/>
+              <a:t>                 value = 12,</a:t>
+            </a:r>
+          </a:p>
+          <a:p>
+            <a:r>
+              <a:rPr lang="en-US" dirty="0"/>
+              <a:t>                 min = 1</a:t>
+            </a:r>
+          </a:p>
+          <a:p>
+            <a:r>
+              <a:rPr lang="en-US" dirty="0"/>
+              <a:t>                           )),</a:t>
+            </a:r>
+          </a:p>
+          <a:p>
+            <a:r>
+              <a:rPr lang="en-US" dirty="0"/>
+              <a:t>          # APPLY BUTTONS -----</a:t>
+            </a:r>
+          </a:p>
+          <a:p>
+            <a:r>
+              <a:rPr lang="en-US" dirty="0"/>
+              <a:t>          </a:t>
+            </a:r>
+            <a:r>
+              <a:rPr lang="en-US" dirty="0" err="1"/>
+              <a:t>actionButton</a:t>
+            </a:r>
+            <a:r>
+              <a:rPr lang="en-US" dirty="0"/>
+              <a:t>(</a:t>
+            </a:r>
+            <a:r>
+              <a:rPr lang="en-US" dirty="0" err="1"/>
+              <a:t>inputId</a:t>
+            </a:r>
+            <a:r>
+              <a:rPr lang="en-US" dirty="0"/>
+              <a:t> = "apply", </a:t>
+            </a:r>
+          </a:p>
+          <a:p>
+            <a:r>
+              <a:rPr lang="en-US" dirty="0"/>
+              <a:t>                       label   = "Apply </a:t>
+            </a:r>
+            <a:r>
+              <a:rPr lang="en-US" dirty="0" err="1"/>
+              <a:t>Forcast</a:t>
+            </a:r>
+            <a:r>
+              <a:rPr lang="en-US" dirty="0"/>
+              <a:t>", </a:t>
+            </a:r>
+          </a:p>
+          <a:p>
+            <a:r>
+              <a:rPr lang="en-US" dirty="0"/>
+              <a:t>                       icon    = icon("play"),</a:t>
+            </a:r>
+          </a:p>
+          <a:p>
+            <a:r>
+              <a:rPr lang="en-US" dirty="0"/>
+              <a:t>                       width   = '50%')</a:t>
+            </a:r>
+          </a:p>
+        </p:txBody>
+      </p:sp>
+    </p:spTree>
+    <p:extLst>
+      <p:ext uri="{BB962C8B-B14F-4D97-AF65-F5344CB8AC3E}">
+        <p14:creationId xmlns:p14="http://schemas.microsoft.com/office/powerpoint/2010/main" val="2821798392"/>
+      </p:ext>
+    </p:extLst>
+  </p:cSld>
+  <p:clrMapOvr>
+    <a:masterClrMapping/>
+  </p:clrMapOvr>
+  <p:transition spd="med"/>
+</p:sld>
+</file>
+
+<file path=ppt/slides/slide12.xml><?xml version="1.0" encoding="utf-8"?>
+<p:sld xmlns:a="http://schemas.openxmlformats.org/drawingml/2006/main" xmlns:r="http://schemas.openxmlformats.org/officeDocument/2006/relationships" xmlns:p="http://schemas.openxmlformats.org/presentationml/2006/main">
+  <p:cSld>
+    <p:spTree>
+      <p:nvGrpSpPr>
+        <p:cNvPr id="1" name=""/>
+        <p:cNvGrpSpPr/>
+        <p:nvPr/>
+      </p:nvGrpSpPr>
+      <p:grpSpPr>
+        <a:xfrm>
+          <a:off x="0" y="0"/>
+          <a:ext cx="0" cy="0"/>
+          <a:chOff x="0" y="0"/>
+          <a:chExt cx="0" cy="0"/>
+        </a:xfrm>
+      </p:grpSpPr>
+      <p:sp>
+        <p:nvSpPr>
+          <p:cNvPr id="274" name="Rectangle 12"/>
+          <p:cNvSpPr txBox="1"/>
+          <p:nvPr/>
+        </p:nvSpPr>
+        <p:spPr>
+          <a:xfrm>
+            <a:off x="34290" y="635160"/>
+            <a:ext cx="127001" cy="444180"/>
+          </a:xfrm>
+          <a:prstGeom prst="rect">
+            <a:avLst/>
+          </a:prstGeom>
+          <a:ln w="12700">
+            <a:miter lim="400000"/>
+          </a:ln>
+          <a:extLst>
+            <a:ext uri="{C572A759-6A51-4108-AA02-DFA0A04FC94B}">
+              <ma14:wrappingTextBoxFlag xmlns="" xmlns:m="http://schemas.openxmlformats.org/officeDocument/2006/math" xmlns:a14="http://schemas.microsoft.com/office/drawing/2010/main" xmlns:ma14="http://schemas.microsoft.com/office/mac/drawingml/2011/main" val="1"/>
+            </a:ext>
+          </a:extLst>
+        </p:spPr>
+        <p:txBody>
+          <a:bodyPr wrap="none" lIns="34290" tIns="34290" rIns="34290" bIns="34290" anchor="ctr">
+            <a:spAutoFit/>
+          </a:bodyPr>
+          <a:lstStyle>
+            <a:lvl1pPr defTabSz="685800">
+              <a:defRPr sz="1300">
+                <a:latin typeface="Arial"/>
+                <a:ea typeface="Arial"/>
+                <a:cs typeface="Arial"/>
+                <a:sym typeface="Arial"/>
+              </a:defRPr>
+            </a:lvl1pPr>
+          </a:lstStyle>
+          <a:p>
+            <a:br/>
+            <a:endParaRPr/>
+          </a:p>
+        </p:txBody>
+      </p:sp>
+      <p:sp>
+        <p:nvSpPr>
+          <p:cNvPr id="275" name="PoleTekstowe 11"/>
+          <p:cNvSpPr txBox="1"/>
+          <p:nvPr/>
+        </p:nvSpPr>
+        <p:spPr>
+          <a:xfrm>
+            <a:off x="4959846" y="996108"/>
+            <a:ext cx="1166635" cy="390305"/>
+          </a:xfrm>
+          <a:prstGeom prst="rect">
+            <a:avLst/>
+          </a:prstGeom>
+          <a:ln w="12700">
+            <a:miter lim="400000"/>
+          </a:ln>
+          <a:extLst>
+            <a:ext uri="{C572A759-6A51-4108-AA02-DFA0A04FC94B}">
+              <ma14:wrappingTextBoxFlag xmlns="" xmlns:m="http://schemas.openxmlformats.org/officeDocument/2006/math" xmlns:a14="http://schemas.microsoft.com/office/drawing/2010/main" xmlns:ma14="http://schemas.microsoft.com/office/mac/drawingml/2011/main" val="1"/>
+            </a:ext>
+          </a:extLst>
+        </p:spPr>
+        <p:txBody>
+          <a:bodyPr lIns="45718" tIns="45718" rIns="45718" bIns="45718">
+            <a:spAutoFit/>
+          </a:bodyPr>
+          <a:lstStyle/>
+          <a:p>
+            <a:pPr algn="ctr">
+              <a:defRPr sz="1100">
+                <a:solidFill>
+                  <a:srgbClr val="FFFFFF"/>
+                </a:solidFill>
+                <a:latin typeface="Times New Roman"/>
+                <a:ea typeface="Times New Roman"/>
+                <a:cs typeface="Times New Roman"/>
+                <a:sym typeface="Times New Roman"/>
+              </a:defRPr>
+            </a:pPr>
+            <a:r>
+              <a:t>O projekcie</a:t>
+            </a:r>
+          </a:p>
+          <a:p>
+            <a:pPr algn="ctr">
+              <a:defRPr sz="1100">
+                <a:solidFill>
+                  <a:srgbClr val="FFFFFF"/>
+                </a:solidFill>
+                <a:latin typeface="Times New Roman"/>
+                <a:ea typeface="Times New Roman"/>
+                <a:cs typeface="Times New Roman"/>
+                <a:sym typeface="Times New Roman"/>
+              </a:defRPr>
+            </a:pPr>
+            <a:r>
+              <a:t>R</a:t>
+            </a:r>
+          </a:p>
+        </p:txBody>
+      </p:sp>
+      <p:grpSp>
+        <p:nvGrpSpPr>
+          <p:cNvPr id="278" name="Prostokąt 15"/>
+          <p:cNvGrpSpPr/>
+          <p:nvPr/>
+        </p:nvGrpSpPr>
+        <p:grpSpPr>
+          <a:xfrm>
+            <a:off x="0" y="1498"/>
+            <a:ext cx="9144000" cy="556447"/>
+            <a:chOff x="0" y="-1"/>
+            <a:chExt cx="9144000" cy="556446"/>
+          </a:xfrm>
+        </p:grpSpPr>
+        <p:sp>
+          <p:nvSpPr>
+            <p:cNvPr id="276" name="矩形"/>
+            <p:cNvSpPr/>
+            <p:nvPr/>
+          </p:nvSpPr>
+          <p:spPr>
+            <a:xfrm>
+              <a:off x="0" y="-2"/>
+              <a:ext cx="9144000" cy="556447"/>
+            </a:xfrm>
+            <a:prstGeom prst="rect">
+              <a:avLst/>
+            </a:prstGeom>
+            <a:solidFill>
+              <a:srgbClr val="B5293B"/>
+            </a:solidFill>
+            <a:ln w="12700" cap="flat">
+              <a:noFill/>
+              <a:miter lim="400000"/>
+            </a:ln>
+            <a:effectLst/>
+          </p:spPr>
+          <p:txBody>
+            <a:bodyPr wrap="square" lIns="45718" tIns="45718" rIns="45718" bIns="45718" numCol="1" anchor="ctr">
+              <a:noAutofit/>
+            </a:bodyPr>
+            <a:lstStyle/>
+            <a:p>
+              <a:pPr>
+                <a:defRPr>
+                  <a:solidFill>
+                    <a:srgbClr val="FFFFFF"/>
+                  </a:solidFill>
+                </a:defRPr>
+              </a:pPr>
+              <a:endParaRPr/>
+            </a:p>
+          </p:txBody>
+        </p:sp>
+        <p:sp>
+          <p:nvSpPr>
+            <p:cNvPr id="277" name="文本"/>
+            <p:cNvSpPr txBox="1"/>
+            <p:nvPr/>
+          </p:nvSpPr>
+          <p:spPr>
+            <a:xfrm>
+              <a:off x="45718" y="108130"/>
+              <a:ext cx="9052564" cy="340180"/>
+            </a:xfrm>
+            <a:prstGeom prst="rect">
+              <a:avLst/>
+            </a:prstGeom>
+            <a:noFill/>
+            <a:ln w="12700" cap="flat">
+              <a:noFill/>
+              <a:miter lim="400000"/>
+            </a:ln>
+            <a:effectLst/>
+            <a:extLst>
+              <a:ext uri="{C572A759-6A51-4108-AA02-DFA0A04FC94B}">
+                <ma14:wrappingTextBoxFlag xmlns="" xmlns:m="http://schemas.openxmlformats.org/officeDocument/2006/math" xmlns:a14="http://schemas.microsoft.com/office/drawing/2010/main" xmlns:ma14="http://schemas.microsoft.com/office/mac/drawingml/2011/main" val="1"/>
+              </a:ext>
+            </a:extLst>
+          </p:spPr>
+          <p:txBody>
+            <a:bodyPr wrap="square" lIns="45718" tIns="45718" rIns="45718" bIns="45718" numCol="1" anchor="ctr">
+              <a:spAutoFit/>
+            </a:bodyPr>
+            <a:lstStyle>
+              <a:lvl1pPr>
+                <a:defRPr sz="2000" b="1"/>
+              </a:lvl1pPr>
+            </a:lstStyle>
+            <a:p>
+              <a:r>
+                <a:t> </a:t>
+              </a:r>
+            </a:p>
+          </p:txBody>
+        </p:sp>
+      </p:grpSp>
+      <p:sp>
+        <p:nvSpPr>
+          <p:cNvPr id="279" name="PoleTekstowe 15"/>
+          <p:cNvSpPr txBox="1"/>
+          <p:nvPr/>
+        </p:nvSpPr>
+        <p:spPr>
+          <a:xfrm>
+            <a:off x="7656461" y="124767"/>
+            <a:ext cx="1350092" cy="237904"/>
+          </a:xfrm>
+          <a:prstGeom prst="rect">
+            <a:avLst/>
+          </a:prstGeom>
+          <a:ln w="12700">
+            <a:miter lim="400000"/>
+          </a:ln>
+          <a:extLst>
+            <a:ext uri="{C572A759-6A51-4108-AA02-DFA0A04FC94B}">
+              <ma14:wrappingTextBoxFlag xmlns="" xmlns:m="http://schemas.openxmlformats.org/officeDocument/2006/math" xmlns:a14="http://schemas.microsoft.com/office/drawing/2010/main" xmlns:ma14="http://schemas.microsoft.com/office/mac/drawingml/2011/main" val="1"/>
+            </a:ext>
+          </a:extLst>
+        </p:spPr>
+        <p:txBody>
+          <a:bodyPr lIns="45718" tIns="45718" rIns="45718" bIns="45718">
+            <a:spAutoFit/>
+          </a:bodyPr>
+          <a:lstStyle>
+            <a:lvl1pPr algn="ctr">
+              <a:defRPr sz="1100">
+                <a:solidFill>
+                  <a:srgbClr val="FFFFFF"/>
+                </a:solidFill>
+                <a:latin typeface="Times New Roman"/>
+                <a:ea typeface="Times New Roman"/>
+                <a:cs typeface="Times New Roman"/>
+                <a:sym typeface="Times New Roman"/>
+              </a:defRPr>
+            </a:lvl1pPr>
+          </a:lstStyle>
+          <a:p>
+            <a:r>
+              <a:t>Bibliography</a:t>
+            </a:r>
+          </a:p>
+        </p:txBody>
+      </p:sp>
+      <p:grpSp>
+        <p:nvGrpSpPr>
+          <p:cNvPr id="282" name="Prostokąt 16"/>
+          <p:cNvGrpSpPr/>
+          <p:nvPr/>
+        </p:nvGrpSpPr>
+        <p:grpSpPr>
+          <a:xfrm>
+            <a:off x="0" y="1498"/>
+            <a:ext cx="9144000" cy="556447"/>
+            <a:chOff x="0" y="-1"/>
+            <a:chExt cx="9144000" cy="556446"/>
+          </a:xfrm>
+        </p:grpSpPr>
+        <p:sp>
+          <p:nvSpPr>
+            <p:cNvPr id="280" name="矩形"/>
+            <p:cNvSpPr/>
+            <p:nvPr/>
+          </p:nvSpPr>
+          <p:spPr>
+            <a:xfrm>
+              <a:off x="0" y="-2"/>
+              <a:ext cx="9144000" cy="556447"/>
+            </a:xfrm>
+            <a:prstGeom prst="rect">
+              <a:avLst/>
+            </a:prstGeom>
+            <a:solidFill>
+              <a:srgbClr val="B5293B"/>
+            </a:solidFill>
+            <a:ln w="12700" cap="flat">
+              <a:noFill/>
+              <a:miter lim="400000"/>
+            </a:ln>
+            <a:effectLst/>
+          </p:spPr>
+          <p:txBody>
+            <a:bodyPr wrap="square" lIns="45718" tIns="45718" rIns="45718" bIns="45718" numCol="1" anchor="ctr">
+              <a:noAutofit/>
+            </a:bodyPr>
+            <a:lstStyle/>
+            <a:p>
+              <a:pPr>
+                <a:defRPr>
+                  <a:solidFill>
+                    <a:srgbClr val="FFFFFF"/>
+                  </a:solidFill>
+                </a:defRPr>
+              </a:pPr>
+              <a:endParaRPr/>
+            </a:p>
+          </p:txBody>
+        </p:sp>
+        <p:sp>
+          <p:nvSpPr>
+            <p:cNvPr id="281" name="文本"/>
+            <p:cNvSpPr txBox="1"/>
+            <p:nvPr/>
+          </p:nvSpPr>
+          <p:spPr>
+            <a:xfrm>
+              <a:off x="45718" y="108130"/>
+              <a:ext cx="9052564" cy="340180"/>
+            </a:xfrm>
+            <a:prstGeom prst="rect">
+              <a:avLst/>
+            </a:prstGeom>
+            <a:noFill/>
+            <a:ln w="12700" cap="flat">
+              <a:noFill/>
+              <a:miter lim="400000"/>
+            </a:ln>
+            <a:effectLst/>
+            <a:extLst>
+              <a:ext uri="{C572A759-6A51-4108-AA02-DFA0A04FC94B}">
+                <ma14:wrappingTextBoxFlag xmlns="" xmlns:m="http://schemas.openxmlformats.org/officeDocument/2006/math" xmlns:a14="http://schemas.microsoft.com/office/drawing/2010/main" xmlns:ma14="http://schemas.microsoft.com/office/mac/drawingml/2011/main" val="1"/>
+              </a:ext>
+            </a:extLst>
+          </p:spPr>
+          <p:txBody>
+            <a:bodyPr wrap="square" lIns="45718" tIns="45718" rIns="45718" bIns="45718" numCol="1" anchor="ctr">
+              <a:spAutoFit/>
+            </a:bodyPr>
+            <a:lstStyle>
+              <a:lvl1pPr>
+                <a:defRPr sz="2000" b="1"/>
+              </a:lvl1pPr>
+            </a:lstStyle>
+            <a:p>
+              <a:r>
+                <a:t> </a:t>
+              </a:r>
+            </a:p>
+          </p:txBody>
+        </p:sp>
+      </p:grpSp>
+      <p:sp>
+        <p:nvSpPr>
+          <p:cNvPr id="4" name="pole tekstowe 3">
+            <a:extLst>
+              <a:ext uri="{FF2B5EF4-FFF2-40B4-BE49-F238E27FC236}">
+                <a16:creationId xmlns:a16="http://schemas.microsoft.com/office/drawing/2014/main" id="{F3C476E1-2360-B701-CFC8-E1F6BA19466B}"/>
+              </a:ext>
+            </a:extLst>
+          </p:cNvPr>
+          <p:cNvSpPr txBox="1"/>
+          <p:nvPr/>
+        </p:nvSpPr>
+        <p:spPr>
+          <a:xfrm>
+            <a:off x="261756" y="106467"/>
+            <a:ext cx="8070428" cy="452428"/>
+          </a:xfrm>
+          <a:prstGeom prst="rect">
+            <a:avLst/>
+          </a:prstGeom>
+          <a:ln w="12700">
+            <a:miter lim="400000"/>
+          </a:ln>
+          <a:extLst>
+            <a:ext uri="{C572A759-6A51-4108-AA02-DFA0A04FC94B}">
+              <ma14:wrappingTextBoxFlag xmlns="" xmlns:m="http://schemas.openxmlformats.org/officeDocument/2006/math" xmlns:a14="http://schemas.microsoft.com/office/drawing/2010/main" xmlns:ma14="http://schemas.microsoft.com/office/mac/drawingml/2011/main" val="1"/>
+            </a:ext>
+          </a:extLst>
+        </p:spPr>
+        <p:txBody>
+          <a:bodyPr lIns="45718" tIns="45718" rIns="45718" bIns="45718">
+            <a:spAutoFit/>
+          </a:bodyPr>
+          <a:lstStyle/>
+          <a:p>
+            <a:pPr defTabSz="685800">
+              <a:lnSpc>
+                <a:spcPct val="90000"/>
+              </a:lnSpc>
+              <a:defRPr sz="2600">
+                <a:latin typeface="배달의민족 도현 OTF"/>
+                <a:ea typeface="배달의민족 도현 OTF"/>
+                <a:cs typeface="배달의민족 도현 OTF"/>
+                <a:sym typeface="배달의민족 도현 OTF"/>
+              </a:defRPr>
+            </a:pPr>
+            <a:r>
+              <a:rPr lang="en-US" dirty="0">
+                <a:solidFill>
+                  <a:schemeClr val="bg1"/>
+                </a:solidFill>
+              </a:rPr>
+              <a:t>Using linear regression predict year order </a:t>
+            </a:r>
+            <a:endParaRPr dirty="0">
+              <a:solidFill>
+                <a:schemeClr val="bg1"/>
+              </a:solidFill>
+            </a:endParaRPr>
+          </a:p>
+        </p:txBody>
+      </p:sp>
+      <p:sp>
+        <p:nvSpPr>
+          <p:cNvPr id="9" name="文本框 8">
+            <a:extLst>
+              <a:ext uri="{FF2B5EF4-FFF2-40B4-BE49-F238E27FC236}">
+                <a16:creationId xmlns:a16="http://schemas.microsoft.com/office/drawing/2014/main" id="{9CBD9B5A-4766-9349-BEC4-FAF5A849B4D8}"/>
+              </a:ext>
+            </a:extLst>
+          </p:cNvPr>
+          <p:cNvSpPr txBox="1"/>
+          <p:nvPr/>
+        </p:nvSpPr>
+        <p:spPr>
+          <a:xfrm>
+            <a:off x="7365880" y="1752587"/>
+            <a:ext cx="2349415" cy="369332"/>
+          </a:xfrm>
+          <a:prstGeom prst="rect">
+            <a:avLst/>
+          </a:prstGeom>
+          <a:noFill/>
+          <a:ln w="12700" cap="flat">
+            <a:noFill/>
+            <a:miter lim="400000"/>
+          </a:ln>
+          <a:effectLst/>
+          <a:sp3d/>
+        </p:spPr>
+        <p:style>
+          <a:lnRef idx="0">
+            <a:scrgbClr r="0" g="0" b="0"/>
+          </a:lnRef>
+          <a:fillRef idx="0">
+            <a:scrgbClr r="0" g="0" b="0"/>
+          </a:fillRef>
+          <a:effectRef idx="0">
+            <a:scrgbClr r="0" g="0" b="0"/>
+          </a:effectRef>
+          <a:fontRef idx="none"/>
+        </p:style>
+        <p:txBody>
+          <a:bodyPr wrap="square">
+            <a:spAutoFit/>
+          </a:bodyPr>
+          <a:lstStyle/>
+          <a:p>
+            <a:pPr algn="l">
+              <a:buFont typeface="Arial" panose="020B0604020202020204" pitchFamily="34" charset="0"/>
+              <a:buChar char="•"/>
+            </a:pPr>
+            <a:r>
+              <a:rPr lang="en-US" b="1" i="0" dirty="0">
+                <a:solidFill>
+                  <a:srgbClr val="666666"/>
+                </a:solidFill>
+                <a:effectLst/>
+                <a:latin typeface="Arial" panose="020B0604020202020204" pitchFamily="34" charset="0"/>
+              </a:rPr>
+              <a:t> Month </a:t>
+            </a:r>
+            <a:endParaRPr lang="en-US" b="0" i="0" dirty="0">
+              <a:solidFill>
+                <a:srgbClr val="666666"/>
+              </a:solidFill>
+              <a:effectLst/>
+              <a:latin typeface="Arial" panose="020B0604020202020204" pitchFamily="34" charset="0"/>
+            </a:endParaRPr>
+          </a:p>
+        </p:txBody>
+      </p:sp>
+      <p:sp>
+        <p:nvSpPr>
+          <p:cNvPr id="11" name="文本框 10">
+            <a:extLst>
+              <a:ext uri="{FF2B5EF4-FFF2-40B4-BE49-F238E27FC236}">
+                <a16:creationId xmlns:a16="http://schemas.microsoft.com/office/drawing/2014/main" id="{AFB83768-A78D-0C81-4246-63CF5C8B987B}"/>
+              </a:ext>
+            </a:extLst>
+          </p:cNvPr>
+          <p:cNvSpPr txBox="1"/>
+          <p:nvPr/>
+        </p:nvSpPr>
+        <p:spPr>
+          <a:xfrm>
+            <a:off x="7485952" y="4736082"/>
+            <a:ext cx="2349415" cy="369332"/>
+          </a:xfrm>
+          <a:prstGeom prst="rect">
+            <a:avLst/>
+          </a:prstGeom>
+          <a:noFill/>
+          <a:ln w="12700" cap="flat">
+            <a:noFill/>
+            <a:miter lim="400000"/>
+          </a:ln>
+          <a:effectLst/>
+          <a:sp3d/>
+        </p:spPr>
+        <p:style>
+          <a:lnRef idx="0">
+            <a:scrgbClr r="0" g="0" b="0"/>
+          </a:lnRef>
+          <a:fillRef idx="0">
+            <a:scrgbClr r="0" g="0" b="0"/>
+          </a:fillRef>
+          <a:effectRef idx="0">
+            <a:scrgbClr r="0" g="0" b="0"/>
+          </a:effectRef>
+          <a:fontRef idx="none"/>
+        </p:style>
+        <p:txBody>
+          <a:bodyPr wrap="square">
+            <a:spAutoFit/>
+          </a:bodyPr>
+          <a:lstStyle/>
+          <a:p>
+            <a:pPr algn="l">
+              <a:buFont typeface="Arial" panose="020B0604020202020204" pitchFamily="34" charset="0"/>
+              <a:buChar char="•"/>
+            </a:pPr>
+            <a:r>
+              <a:rPr lang="en-US" b="1" i="0" dirty="0">
+                <a:solidFill>
+                  <a:srgbClr val="666666"/>
+                </a:solidFill>
+                <a:effectLst/>
+                <a:latin typeface="Arial" panose="020B0604020202020204" pitchFamily="34" charset="0"/>
+              </a:rPr>
+              <a:t> Day</a:t>
+            </a:r>
+            <a:endParaRPr lang="en-US" b="0" i="0" dirty="0">
+              <a:solidFill>
+                <a:srgbClr val="666666"/>
+              </a:solidFill>
+              <a:effectLst/>
+              <a:latin typeface="Arial" panose="020B0604020202020204" pitchFamily="34" charset="0"/>
+            </a:endParaRPr>
+          </a:p>
+        </p:txBody>
+      </p:sp>
+      <p:pic>
+        <p:nvPicPr>
+          <p:cNvPr id="13" name="图片 12">
+            <a:extLst>
+              <a:ext uri="{FF2B5EF4-FFF2-40B4-BE49-F238E27FC236}">
+                <a16:creationId xmlns:a16="http://schemas.microsoft.com/office/drawing/2014/main" id="{23250C37-9635-A3D7-7236-CA719C1BC699}"/>
+              </a:ext>
+            </a:extLst>
+          </p:cNvPr>
+          <p:cNvPicPr>
+            <a:picLocks noChangeAspect="1"/>
+          </p:cNvPicPr>
+          <p:nvPr/>
+        </p:nvPicPr>
+        <p:blipFill>
+          <a:blip r:embed="rId2"/>
+          <a:stretch>
+            <a:fillRect/>
+          </a:stretch>
+        </p:blipFill>
+        <p:spPr>
+          <a:xfrm>
+            <a:off x="0" y="1258859"/>
+            <a:ext cx="9144000" cy="4340281"/>
+          </a:xfrm>
+          <a:prstGeom prst="rect">
+            <a:avLst/>
+          </a:prstGeom>
+        </p:spPr>
+      </p:pic>
+      <p:sp>
+        <p:nvSpPr>
+          <p:cNvPr id="14" name="文本框 13">
+            <a:extLst>
+              <a:ext uri="{FF2B5EF4-FFF2-40B4-BE49-F238E27FC236}">
+                <a16:creationId xmlns:a16="http://schemas.microsoft.com/office/drawing/2014/main" id="{474C8378-E661-715C-378E-7118B8A32864}"/>
+              </a:ext>
+            </a:extLst>
+          </p:cNvPr>
+          <p:cNvSpPr txBox="1"/>
+          <p:nvPr/>
+        </p:nvSpPr>
+        <p:spPr>
+          <a:xfrm>
+            <a:off x="3038644" y="5105414"/>
+            <a:ext cx="3087837" cy="369332"/>
+          </a:xfrm>
+          <a:prstGeom prst="rect">
+            <a:avLst/>
+          </a:prstGeom>
+          <a:noFill/>
+          <a:ln w="12700" cap="flat">
+            <a:noFill/>
+            <a:miter lim="400000"/>
+          </a:ln>
+          <a:effectLst/>
+          <a:sp3d/>
+        </p:spPr>
+        <p:style>
+          <a:lnRef idx="0">
+            <a:scrgbClr r="0" g="0" b="0"/>
+          </a:lnRef>
+          <a:fillRef idx="0">
+            <a:scrgbClr r="0" g="0" b="0"/>
+          </a:fillRef>
+          <a:effectRef idx="0">
+            <a:scrgbClr r="0" g="0" b="0"/>
+          </a:effectRef>
+          <a:fontRef idx="none"/>
+        </p:style>
+        <p:txBody>
+          <a:bodyPr wrap="square">
+            <a:spAutoFit/>
+          </a:bodyPr>
+          <a:lstStyle/>
+          <a:p>
+            <a:pPr algn="l"/>
+            <a:r>
+              <a:rPr lang="en-US" b="0" i="0" dirty="0">
+                <a:solidFill>
+                  <a:srgbClr val="666666"/>
+                </a:solidFill>
+                <a:effectLst/>
+                <a:latin typeface="Arial" panose="020B0604020202020204" pitchFamily="34" charset="0"/>
+              </a:rPr>
+              <a:t>Predict next 2 years order</a:t>
+            </a:r>
+          </a:p>
+        </p:txBody>
+      </p:sp>
+    </p:spTree>
+    <p:extLst>
+      <p:ext uri="{BB962C8B-B14F-4D97-AF65-F5344CB8AC3E}">
+        <p14:creationId xmlns:p14="http://schemas.microsoft.com/office/powerpoint/2010/main" val="2099503427"/>
+      </p:ext>
+    </p:extLst>
+  </p:cSld>
+  <p:clrMapOvr>
+    <a:masterClrMapping/>
+  </p:clrMapOvr>
+  <p:transition spd="med"/>
+</p:sld>
+</file>
+
+<file path=ppt/slides/slide13.xml><?xml version="1.0" encoding="utf-8"?>
+<p:sld xmlns:a="http://schemas.openxmlformats.org/drawingml/2006/main" xmlns:r="http://schemas.openxmlformats.org/officeDocument/2006/relationships" xmlns:p="http://schemas.openxmlformats.org/presentationml/2006/main">
+  <p:cSld>
+    <p:spTree>
+      <p:nvGrpSpPr>
+        <p:cNvPr id="1" name=""/>
+        <p:cNvGrpSpPr/>
+        <p:nvPr/>
+      </p:nvGrpSpPr>
+      <p:grpSpPr>
+        <a:xfrm>
+          <a:off x="0" y="0"/>
+          <a:ext cx="0" cy="0"/>
+          <a:chOff x="0" y="0"/>
+          <a:chExt cx="0" cy="0"/>
+        </a:xfrm>
+      </p:grpSpPr>
+      <p:sp>
+        <p:nvSpPr>
+          <p:cNvPr id="274" name="Rectangle 12"/>
+          <p:cNvSpPr txBox="1"/>
+          <p:nvPr/>
+        </p:nvSpPr>
+        <p:spPr>
+          <a:xfrm>
+            <a:off x="34290" y="635160"/>
+            <a:ext cx="127001" cy="444180"/>
+          </a:xfrm>
+          <a:prstGeom prst="rect">
+            <a:avLst/>
+          </a:prstGeom>
+          <a:ln w="12700">
+            <a:miter lim="400000"/>
+          </a:ln>
+          <a:extLst>
+            <a:ext uri="{C572A759-6A51-4108-AA02-DFA0A04FC94B}">
+              <ma14:wrappingTextBoxFlag xmlns="" xmlns:m="http://schemas.openxmlformats.org/officeDocument/2006/math" xmlns:a14="http://schemas.microsoft.com/office/drawing/2010/main" xmlns:ma14="http://schemas.microsoft.com/office/mac/drawingml/2011/main" val="1"/>
+            </a:ext>
+          </a:extLst>
+        </p:spPr>
+        <p:txBody>
+          <a:bodyPr wrap="none" lIns="34290" tIns="34290" rIns="34290" bIns="34290" anchor="ctr">
+            <a:spAutoFit/>
+          </a:bodyPr>
+          <a:lstStyle>
+            <a:lvl1pPr defTabSz="685800">
+              <a:defRPr sz="1300">
+                <a:latin typeface="Arial"/>
+                <a:ea typeface="Arial"/>
+                <a:cs typeface="Arial"/>
+                <a:sym typeface="Arial"/>
+              </a:defRPr>
+            </a:lvl1pPr>
+          </a:lstStyle>
+          <a:p>
+            <a:br/>
+            <a:endParaRPr/>
+          </a:p>
+        </p:txBody>
+      </p:sp>
+      <p:sp>
+        <p:nvSpPr>
+          <p:cNvPr id="275" name="PoleTekstowe 11"/>
+          <p:cNvSpPr txBox="1"/>
+          <p:nvPr/>
+        </p:nvSpPr>
+        <p:spPr>
+          <a:xfrm>
+            <a:off x="4959846" y="996108"/>
+            <a:ext cx="1166635" cy="390305"/>
+          </a:xfrm>
+          <a:prstGeom prst="rect">
+            <a:avLst/>
+          </a:prstGeom>
+          <a:ln w="12700">
+            <a:miter lim="400000"/>
+          </a:ln>
+          <a:extLst>
+            <a:ext uri="{C572A759-6A51-4108-AA02-DFA0A04FC94B}">
+              <ma14:wrappingTextBoxFlag xmlns="" xmlns:m="http://schemas.openxmlformats.org/officeDocument/2006/math" xmlns:a14="http://schemas.microsoft.com/office/drawing/2010/main" xmlns:ma14="http://schemas.microsoft.com/office/mac/drawingml/2011/main" val="1"/>
+            </a:ext>
+          </a:extLst>
+        </p:spPr>
+        <p:txBody>
+          <a:bodyPr lIns="45718" tIns="45718" rIns="45718" bIns="45718">
+            <a:spAutoFit/>
+          </a:bodyPr>
+          <a:lstStyle/>
+          <a:p>
+            <a:pPr algn="ctr">
+              <a:defRPr sz="1100">
+                <a:solidFill>
+                  <a:srgbClr val="FFFFFF"/>
+                </a:solidFill>
+                <a:latin typeface="Times New Roman"/>
+                <a:ea typeface="Times New Roman"/>
+                <a:cs typeface="Times New Roman"/>
+                <a:sym typeface="Times New Roman"/>
+              </a:defRPr>
+            </a:pPr>
+            <a:r>
+              <a:t>O projekcie</a:t>
+            </a:r>
+          </a:p>
+          <a:p>
+            <a:pPr algn="ctr">
+              <a:defRPr sz="1100">
+                <a:solidFill>
+                  <a:srgbClr val="FFFFFF"/>
+                </a:solidFill>
+                <a:latin typeface="Times New Roman"/>
+                <a:ea typeface="Times New Roman"/>
+                <a:cs typeface="Times New Roman"/>
+                <a:sym typeface="Times New Roman"/>
+              </a:defRPr>
+            </a:pPr>
+            <a:r>
+              <a:t>R</a:t>
+            </a:r>
+          </a:p>
+        </p:txBody>
+      </p:sp>
+      <p:grpSp>
+        <p:nvGrpSpPr>
+          <p:cNvPr id="278" name="Prostokąt 15"/>
+          <p:cNvGrpSpPr/>
+          <p:nvPr/>
+        </p:nvGrpSpPr>
+        <p:grpSpPr>
+          <a:xfrm>
+            <a:off x="0" y="1498"/>
+            <a:ext cx="9144000" cy="556447"/>
+            <a:chOff x="0" y="-1"/>
+            <a:chExt cx="9144000" cy="556446"/>
+          </a:xfrm>
+        </p:grpSpPr>
+        <p:sp>
+          <p:nvSpPr>
+            <p:cNvPr id="276" name="矩形"/>
+            <p:cNvSpPr/>
+            <p:nvPr/>
+          </p:nvSpPr>
+          <p:spPr>
+            <a:xfrm>
+              <a:off x="0" y="-2"/>
+              <a:ext cx="9144000" cy="556447"/>
+            </a:xfrm>
+            <a:prstGeom prst="rect">
+              <a:avLst/>
+            </a:prstGeom>
+            <a:solidFill>
+              <a:srgbClr val="B5293B"/>
+            </a:solidFill>
+            <a:ln w="12700" cap="flat">
+              <a:noFill/>
+              <a:miter lim="400000"/>
+            </a:ln>
+            <a:effectLst/>
+          </p:spPr>
+          <p:txBody>
+            <a:bodyPr wrap="square" lIns="45718" tIns="45718" rIns="45718" bIns="45718" numCol="1" anchor="ctr">
+              <a:noAutofit/>
+            </a:bodyPr>
+            <a:lstStyle/>
+            <a:p>
+              <a:pPr>
+                <a:defRPr>
+                  <a:solidFill>
+                    <a:srgbClr val="FFFFFF"/>
+                  </a:solidFill>
+                </a:defRPr>
+              </a:pPr>
+              <a:endParaRPr/>
+            </a:p>
+          </p:txBody>
+        </p:sp>
+        <p:sp>
+          <p:nvSpPr>
+            <p:cNvPr id="277" name="文本"/>
+            <p:cNvSpPr txBox="1"/>
+            <p:nvPr/>
+          </p:nvSpPr>
+          <p:spPr>
+            <a:xfrm>
+              <a:off x="45718" y="108130"/>
+              <a:ext cx="9052564" cy="340180"/>
+            </a:xfrm>
+            <a:prstGeom prst="rect">
+              <a:avLst/>
+            </a:prstGeom>
+            <a:noFill/>
+            <a:ln w="12700" cap="flat">
+              <a:noFill/>
+              <a:miter lim="400000"/>
+            </a:ln>
+            <a:effectLst/>
+            <a:extLst>
+              <a:ext uri="{C572A759-6A51-4108-AA02-DFA0A04FC94B}">
+                <ma14:wrappingTextBoxFlag xmlns="" xmlns:m="http://schemas.openxmlformats.org/officeDocument/2006/math" xmlns:a14="http://schemas.microsoft.com/office/drawing/2010/main" xmlns:ma14="http://schemas.microsoft.com/office/mac/drawingml/2011/main" val="1"/>
+              </a:ext>
+            </a:extLst>
+          </p:spPr>
+          <p:txBody>
+            <a:bodyPr wrap="square" lIns="45718" tIns="45718" rIns="45718" bIns="45718" numCol="1" anchor="ctr">
+              <a:spAutoFit/>
+            </a:bodyPr>
+            <a:lstStyle>
+              <a:lvl1pPr>
+                <a:defRPr sz="2000" b="1"/>
+              </a:lvl1pPr>
+            </a:lstStyle>
+            <a:p>
+              <a:r>
+                <a:t> </a:t>
+              </a:r>
+            </a:p>
+          </p:txBody>
+        </p:sp>
+      </p:grpSp>
+      <p:sp>
+        <p:nvSpPr>
+          <p:cNvPr id="279" name="PoleTekstowe 15"/>
+          <p:cNvSpPr txBox="1"/>
+          <p:nvPr/>
+        </p:nvSpPr>
+        <p:spPr>
+          <a:xfrm>
+            <a:off x="7656461" y="124767"/>
+            <a:ext cx="1350092" cy="237904"/>
+          </a:xfrm>
+          <a:prstGeom prst="rect">
+            <a:avLst/>
+          </a:prstGeom>
+          <a:ln w="12700">
+            <a:miter lim="400000"/>
+          </a:ln>
+          <a:extLst>
+            <a:ext uri="{C572A759-6A51-4108-AA02-DFA0A04FC94B}">
+              <ma14:wrappingTextBoxFlag xmlns="" xmlns:m="http://schemas.openxmlformats.org/officeDocument/2006/math" xmlns:a14="http://schemas.microsoft.com/office/drawing/2010/main" xmlns:ma14="http://schemas.microsoft.com/office/mac/drawingml/2011/main" val="1"/>
+            </a:ext>
+          </a:extLst>
+        </p:spPr>
+        <p:txBody>
+          <a:bodyPr lIns="45718" tIns="45718" rIns="45718" bIns="45718">
+            <a:spAutoFit/>
+          </a:bodyPr>
+          <a:lstStyle>
+            <a:lvl1pPr algn="ctr">
+              <a:defRPr sz="1100">
+                <a:solidFill>
+                  <a:srgbClr val="FFFFFF"/>
+                </a:solidFill>
+                <a:latin typeface="Times New Roman"/>
+                <a:ea typeface="Times New Roman"/>
+                <a:cs typeface="Times New Roman"/>
+                <a:sym typeface="Times New Roman"/>
+              </a:defRPr>
+            </a:lvl1pPr>
+          </a:lstStyle>
+          <a:p>
+            <a:r>
+              <a:t>Bibliography</a:t>
+            </a:r>
+          </a:p>
+        </p:txBody>
+      </p:sp>
+      <p:grpSp>
+        <p:nvGrpSpPr>
+          <p:cNvPr id="282" name="Prostokąt 16"/>
+          <p:cNvGrpSpPr/>
+          <p:nvPr/>
+        </p:nvGrpSpPr>
+        <p:grpSpPr>
+          <a:xfrm>
+            <a:off x="0" y="1498"/>
+            <a:ext cx="9144000" cy="556447"/>
+            <a:chOff x="0" y="-1"/>
+            <a:chExt cx="9144000" cy="556446"/>
+          </a:xfrm>
+        </p:grpSpPr>
+        <p:sp>
+          <p:nvSpPr>
+            <p:cNvPr id="280" name="矩形"/>
+            <p:cNvSpPr/>
+            <p:nvPr/>
+          </p:nvSpPr>
+          <p:spPr>
+            <a:xfrm>
+              <a:off x="0" y="-2"/>
+              <a:ext cx="9144000" cy="556447"/>
+            </a:xfrm>
+            <a:prstGeom prst="rect">
+              <a:avLst/>
+            </a:prstGeom>
+            <a:solidFill>
+              <a:srgbClr val="B5293B"/>
+            </a:solidFill>
+            <a:ln w="12700" cap="flat">
+              <a:noFill/>
+              <a:miter lim="400000"/>
+            </a:ln>
+            <a:effectLst/>
+          </p:spPr>
+          <p:txBody>
+            <a:bodyPr wrap="square" lIns="45718" tIns="45718" rIns="45718" bIns="45718" numCol="1" anchor="ctr">
+              <a:noAutofit/>
+            </a:bodyPr>
+            <a:lstStyle/>
+            <a:p>
+              <a:pPr>
+                <a:defRPr>
+                  <a:solidFill>
+                    <a:srgbClr val="FFFFFF"/>
+                  </a:solidFill>
+                </a:defRPr>
+              </a:pPr>
+              <a:endParaRPr/>
+            </a:p>
+          </p:txBody>
+        </p:sp>
+        <p:sp>
+          <p:nvSpPr>
+            <p:cNvPr id="281" name="文本"/>
+            <p:cNvSpPr txBox="1"/>
+            <p:nvPr/>
+          </p:nvSpPr>
+          <p:spPr>
+            <a:xfrm>
+              <a:off x="45718" y="108130"/>
+              <a:ext cx="9052564" cy="340180"/>
+            </a:xfrm>
+            <a:prstGeom prst="rect">
+              <a:avLst/>
+            </a:prstGeom>
+            <a:noFill/>
+            <a:ln w="12700" cap="flat">
+              <a:noFill/>
+              <a:miter lim="400000"/>
+            </a:ln>
+            <a:effectLst/>
+            <a:extLst>
+              <a:ext uri="{C572A759-6A51-4108-AA02-DFA0A04FC94B}">
+                <ma14:wrappingTextBoxFlag xmlns="" xmlns:m="http://schemas.openxmlformats.org/officeDocument/2006/math" xmlns:a14="http://schemas.microsoft.com/office/drawing/2010/main" xmlns:ma14="http://schemas.microsoft.com/office/mac/drawingml/2011/main" val="1"/>
+              </a:ext>
+            </a:extLst>
+          </p:spPr>
+          <p:txBody>
+            <a:bodyPr wrap="square" lIns="45718" tIns="45718" rIns="45718" bIns="45718" numCol="1" anchor="ctr">
+              <a:spAutoFit/>
+            </a:bodyPr>
+            <a:lstStyle>
+              <a:lvl1pPr>
+                <a:defRPr sz="2000" b="1"/>
+              </a:lvl1pPr>
+            </a:lstStyle>
+            <a:p>
+              <a:r>
+                <a:t> </a:t>
+              </a:r>
+            </a:p>
+          </p:txBody>
+        </p:sp>
+      </p:grpSp>
+      <p:sp>
+        <p:nvSpPr>
+          <p:cNvPr id="4" name="pole tekstowe 3">
+            <a:extLst>
+              <a:ext uri="{FF2B5EF4-FFF2-40B4-BE49-F238E27FC236}">
+                <a16:creationId xmlns:a16="http://schemas.microsoft.com/office/drawing/2014/main" id="{F3C476E1-2360-B701-CFC8-E1F6BA19466B}"/>
+              </a:ext>
+            </a:extLst>
+          </p:cNvPr>
+          <p:cNvSpPr txBox="1"/>
+          <p:nvPr/>
+        </p:nvSpPr>
+        <p:spPr>
+          <a:xfrm>
+            <a:off x="261756" y="106467"/>
+            <a:ext cx="8070428" cy="452428"/>
+          </a:xfrm>
+          <a:prstGeom prst="rect">
+            <a:avLst/>
+          </a:prstGeom>
+          <a:ln w="12700">
+            <a:miter lim="400000"/>
+          </a:ln>
+          <a:extLst>
+            <a:ext uri="{C572A759-6A51-4108-AA02-DFA0A04FC94B}">
+              <ma14:wrappingTextBoxFlag xmlns="" xmlns:m="http://schemas.openxmlformats.org/officeDocument/2006/math" xmlns:a14="http://schemas.microsoft.com/office/drawing/2010/main" xmlns:ma14="http://schemas.microsoft.com/office/mac/drawingml/2011/main" val="1"/>
+            </a:ext>
+          </a:extLst>
+        </p:spPr>
+        <p:txBody>
+          <a:bodyPr lIns="45718" tIns="45718" rIns="45718" bIns="45718">
+            <a:spAutoFit/>
+          </a:bodyPr>
+          <a:lstStyle/>
+          <a:p>
+            <a:pPr defTabSz="685800">
+              <a:lnSpc>
+                <a:spcPct val="90000"/>
+              </a:lnSpc>
+              <a:defRPr sz="2600">
+                <a:latin typeface="배달의민족 도현 OTF"/>
+                <a:ea typeface="배달의민족 도현 OTF"/>
+                <a:cs typeface="배달의민족 도현 OTF"/>
+                <a:sym typeface="배달의민족 도현 OTF"/>
+              </a:defRPr>
+            </a:pPr>
+            <a:r>
+              <a:rPr lang="en-US" dirty="0">
+                <a:solidFill>
+                  <a:schemeClr val="bg1"/>
+                </a:solidFill>
+              </a:rPr>
+              <a:t>Using gradient boosting machine </a:t>
+            </a:r>
+            <a:endParaRPr dirty="0">
+              <a:solidFill>
+                <a:schemeClr val="bg1"/>
+              </a:solidFill>
+            </a:endParaRPr>
+          </a:p>
+        </p:txBody>
+      </p:sp>
+      <p:pic>
+        <p:nvPicPr>
+          <p:cNvPr id="3" name="图片 2">
+            <a:extLst>
+              <a:ext uri="{FF2B5EF4-FFF2-40B4-BE49-F238E27FC236}">
+                <a16:creationId xmlns:a16="http://schemas.microsoft.com/office/drawing/2014/main" id="{A77D1D0A-CD0B-CCA7-DBBA-435FC1D7F9DB}"/>
+              </a:ext>
+            </a:extLst>
+          </p:cNvPr>
+          <p:cNvPicPr>
+            <a:picLocks noChangeAspect="1"/>
+          </p:cNvPicPr>
+          <p:nvPr/>
+        </p:nvPicPr>
+        <p:blipFill>
+          <a:blip r:embed="rId2"/>
+          <a:stretch>
+            <a:fillRect/>
+          </a:stretch>
+        </p:blipFill>
+        <p:spPr>
+          <a:xfrm>
+            <a:off x="415172" y="996108"/>
+            <a:ext cx="6696827" cy="2359334"/>
+          </a:xfrm>
+          <a:prstGeom prst="rect">
+            <a:avLst/>
+          </a:prstGeom>
+          <a:solidFill>
+            <a:srgbClr val="FFFFFF">
+              <a:shade val="85000"/>
+            </a:srgbClr>
+          </a:solidFill>
+          <a:ln w="88900" cap="sq">
+            <a:solidFill>
+              <a:srgbClr val="FFFFFF"/>
+            </a:solidFill>
+            <a:miter lim="800000"/>
+          </a:ln>
+          <a:effectLst>
+            <a:outerShdw blurRad="55000" dist="18000" dir="5400000" algn="tl" rotWithShape="0">
+              <a:srgbClr val="000000">
+                <a:alpha val="40000"/>
+              </a:srgbClr>
+            </a:outerShdw>
+          </a:effectLst>
+          <a:scene3d>
+            <a:camera prst="orthographicFront"/>
+            <a:lightRig rig="twoPt" dir="t">
+              <a:rot lat="0" lon="0" rev="7200000"/>
+            </a:lightRig>
+          </a:scene3d>
+          <a:sp3d>
+            <a:bevelT w="25400" h="19050"/>
+            <a:contourClr>
+              <a:srgbClr val="FFFFFF"/>
+            </a:contourClr>
+          </a:sp3d>
+        </p:spPr>
+      </p:pic>
+      <p:pic>
+        <p:nvPicPr>
+          <p:cNvPr id="8" name="图片 7">
+            <a:extLst>
+              <a:ext uri="{FF2B5EF4-FFF2-40B4-BE49-F238E27FC236}">
+                <a16:creationId xmlns:a16="http://schemas.microsoft.com/office/drawing/2014/main" id="{F49AFCCE-1268-6D29-2CEF-8E6F62FBE5C3}"/>
+              </a:ext>
+            </a:extLst>
+          </p:cNvPr>
+          <p:cNvPicPr>
+            <a:picLocks noChangeAspect="1"/>
+          </p:cNvPicPr>
+          <p:nvPr/>
+        </p:nvPicPr>
+        <p:blipFill>
+          <a:blip r:embed="rId3"/>
+          <a:stretch>
+            <a:fillRect/>
+          </a:stretch>
+        </p:blipFill>
+        <p:spPr>
+          <a:xfrm>
+            <a:off x="415172" y="3792656"/>
+            <a:ext cx="6798428" cy="2540146"/>
+          </a:xfrm>
+          <a:prstGeom prst="rect">
+            <a:avLst/>
+          </a:prstGeom>
+          <a:solidFill>
+            <a:srgbClr val="FFFFFF">
+              <a:shade val="85000"/>
+            </a:srgbClr>
+          </a:solidFill>
+          <a:ln w="88900" cap="sq">
+            <a:solidFill>
+              <a:srgbClr val="FFFFFF"/>
+            </a:solidFill>
+            <a:miter lim="800000"/>
+          </a:ln>
+          <a:effectLst>
+            <a:outerShdw blurRad="55000" dist="18000" dir="5400000" algn="tl" rotWithShape="0">
+              <a:srgbClr val="000000">
+                <a:alpha val="40000"/>
+              </a:srgbClr>
+            </a:outerShdw>
+          </a:effectLst>
+          <a:scene3d>
+            <a:camera prst="orthographicFront"/>
+            <a:lightRig rig="twoPt" dir="t">
+              <a:rot lat="0" lon="0" rev="7200000"/>
+            </a:lightRig>
+          </a:scene3d>
+          <a:sp3d>
+            <a:bevelT w="25400" h="19050"/>
+            <a:contourClr>
+              <a:srgbClr val="FFFFFF"/>
+            </a:contourClr>
+          </a:sp3d>
+        </p:spPr>
+      </p:pic>
+      <p:sp>
+        <p:nvSpPr>
+          <p:cNvPr id="9" name="文本框 8">
+            <a:extLst>
+              <a:ext uri="{FF2B5EF4-FFF2-40B4-BE49-F238E27FC236}">
+                <a16:creationId xmlns:a16="http://schemas.microsoft.com/office/drawing/2014/main" id="{9CBD9B5A-4766-9349-BEC4-FAF5A849B4D8}"/>
+              </a:ext>
+            </a:extLst>
+          </p:cNvPr>
+          <p:cNvSpPr txBox="1"/>
+          <p:nvPr/>
+        </p:nvSpPr>
+        <p:spPr>
+          <a:xfrm>
+            <a:off x="7365880" y="1752587"/>
+            <a:ext cx="2349415" cy="369332"/>
+          </a:xfrm>
+          <a:prstGeom prst="rect">
+            <a:avLst/>
+          </a:prstGeom>
+          <a:noFill/>
+          <a:ln w="12700" cap="flat">
+            <a:noFill/>
+            <a:miter lim="400000"/>
+          </a:ln>
+          <a:effectLst/>
+          <a:sp3d/>
+        </p:spPr>
+        <p:style>
+          <a:lnRef idx="0">
+            <a:scrgbClr r="0" g="0" b="0"/>
+          </a:lnRef>
+          <a:fillRef idx="0">
+            <a:scrgbClr r="0" g="0" b="0"/>
+          </a:fillRef>
+          <a:effectRef idx="0">
+            <a:scrgbClr r="0" g="0" b="0"/>
+          </a:effectRef>
+          <a:fontRef idx="none"/>
+        </p:style>
+        <p:txBody>
+          <a:bodyPr wrap="square">
+            <a:spAutoFit/>
+          </a:bodyPr>
+          <a:lstStyle/>
+          <a:p>
+            <a:pPr algn="l">
+              <a:buFont typeface="Arial" panose="020B0604020202020204" pitchFamily="34" charset="0"/>
+              <a:buChar char="•"/>
+            </a:pPr>
+            <a:r>
+              <a:rPr lang="en-US" b="1" i="0" dirty="0">
+                <a:solidFill>
+                  <a:srgbClr val="666666"/>
+                </a:solidFill>
+                <a:effectLst/>
+                <a:latin typeface="Arial" panose="020B0604020202020204" pitchFamily="34" charset="0"/>
+              </a:rPr>
+              <a:t> Month </a:t>
+            </a:r>
+            <a:endParaRPr lang="en-US" b="0" i="0" dirty="0">
+              <a:solidFill>
+                <a:srgbClr val="666666"/>
+              </a:solidFill>
+              <a:effectLst/>
+              <a:latin typeface="Arial" panose="020B0604020202020204" pitchFamily="34" charset="0"/>
+            </a:endParaRPr>
+          </a:p>
+        </p:txBody>
+      </p:sp>
+      <p:sp>
+        <p:nvSpPr>
+          <p:cNvPr id="11" name="文本框 10">
+            <a:extLst>
+              <a:ext uri="{FF2B5EF4-FFF2-40B4-BE49-F238E27FC236}">
+                <a16:creationId xmlns:a16="http://schemas.microsoft.com/office/drawing/2014/main" id="{AFB83768-A78D-0C81-4246-63CF5C8B987B}"/>
+              </a:ext>
+            </a:extLst>
+          </p:cNvPr>
+          <p:cNvSpPr txBox="1"/>
+          <p:nvPr/>
+        </p:nvSpPr>
+        <p:spPr>
+          <a:xfrm>
+            <a:off x="7485952" y="4736082"/>
+            <a:ext cx="2349415" cy="369332"/>
+          </a:xfrm>
+          <a:prstGeom prst="rect">
+            <a:avLst/>
+          </a:prstGeom>
+          <a:noFill/>
+          <a:ln w="12700" cap="flat">
+            <a:noFill/>
+            <a:miter lim="400000"/>
+          </a:ln>
+          <a:effectLst/>
+          <a:sp3d/>
+        </p:spPr>
+        <p:style>
+          <a:lnRef idx="0">
+            <a:scrgbClr r="0" g="0" b="0"/>
+          </a:lnRef>
+          <a:fillRef idx="0">
+            <a:scrgbClr r="0" g="0" b="0"/>
+          </a:fillRef>
+          <a:effectRef idx="0">
+            <a:scrgbClr r="0" g="0" b="0"/>
+          </a:effectRef>
+          <a:fontRef idx="none"/>
+        </p:style>
+        <p:txBody>
+          <a:bodyPr wrap="square">
+            <a:spAutoFit/>
+          </a:bodyPr>
+          <a:lstStyle/>
+          <a:p>
+            <a:pPr algn="l">
+              <a:buFont typeface="Arial" panose="020B0604020202020204" pitchFamily="34" charset="0"/>
+              <a:buChar char="•"/>
+            </a:pPr>
+            <a:r>
+              <a:rPr lang="en-US" b="1" i="0" dirty="0">
+                <a:solidFill>
+                  <a:srgbClr val="666666"/>
+                </a:solidFill>
+                <a:effectLst/>
+                <a:latin typeface="Arial" panose="020B0604020202020204" pitchFamily="34" charset="0"/>
+              </a:rPr>
+              <a:t> Day</a:t>
+            </a:r>
+            <a:endParaRPr lang="en-US" b="0" i="0" dirty="0">
+              <a:solidFill>
+                <a:srgbClr val="666666"/>
+              </a:solidFill>
+              <a:effectLst/>
+              <a:latin typeface="Arial" panose="020B0604020202020204" pitchFamily="34" charset="0"/>
+            </a:endParaRPr>
+          </a:p>
+        </p:txBody>
+      </p:sp>
+    </p:spTree>
+    <p:extLst>
+      <p:ext uri="{BB962C8B-B14F-4D97-AF65-F5344CB8AC3E}">
+        <p14:creationId xmlns:p14="http://schemas.microsoft.com/office/powerpoint/2010/main" val="37708445"/>
+      </p:ext>
+    </p:extLst>
+  </p:cSld>
+  <p:clrMapOvr>
+    <a:masterClrMapping/>
+  </p:clrMapOvr>
+  <p:transition spd="med"/>
+</p:sld>
+</file>
+
+<file path=ppt/slides/slide14.xml><?xml version="1.0" encoding="utf-8"?>
+<p:sld xmlns:a="http://schemas.openxmlformats.org/drawingml/2006/main" xmlns:r="http://schemas.openxmlformats.org/officeDocument/2006/relationships" xmlns:p="http://schemas.openxmlformats.org/presentationml/2006/main">
+  <p:cSld>
+    <p:spTree>
+      <p:nvGrpSpPr>
+        <p:cNvPr id="1" name=""/>
+        <p:cNvGrpSpPr/>
+        <p:nvPr/>
+      </p:nvGrpSpPr>
+      <p:grpSpPr>
+        <a:xfrm>
+          <a:off x="0" y="0"/>
+          <a:ext cx="0" cy="0"/>
+          <a:chOff x="0" y="0"/>
+          <a:chExt cx="0" cy="0"/>
+        </a:xfrm>
+      </p:grpSpPr>
+      <p:sp>
+        <p:nvSpPr>
+          <p:cNvPr id="274" name="Rectangle 12"/>
+          <p:cNvSpPr txBox="1"/>
+          <p:nvPr/>
+        </p:nvSpPr>
+        <p:spPr>
+          <a:xfrm>
+            <a:off x="34290" y="635160"/>
+            <a:ext cx="127001" cy="444180"/>
+          </a:xfrm>
+          <a:prstGeom prst="rect">
+            <a:avLst/>
+          </a:prstGeom>
+          <a:ln w="12700">
+            <a:miter lim="400000"/>
+          </a:ln>
+          <a:extLst>
+            <a:ext uri="{C572A759-6A51-4108-AA02-DFA0A04FC94B}">
+              <ma14:wrappingTextBoxFlag xmlns="" xmlns:m="http://schemas.openxmlformats.org/officeDocument/2006/math" xmlns:a14="http://schemas.microsoft.com/office/drawing/2010/main" xmlns:ma14="http://schemas.microsoft.com/office/mac/drawingml/2011/main" val="1"/>
+            </a:ext>
+          </a:extLst>
+        </p:spPr>
+        <p:txBody>
+          <a:bodyPr wrap="none" lIns="34290" tIns="34290" rIns="34290" bIns="34290" anchor="ctr">
+            <a:spAutoFit/>
+          </a:bodyPr>
+          <a:lstStyle>
+            <a:lvl1pPr defTabSz="685800">
+              <a:defRPr sz="1300">
+                <a:latin typeface="Arial"/>
+                <a:ea typeface="Arial"/>
+                <a:cs typeface="Arial"/>
+                <a:sym typeface="Arial"/>
+              </a:defRPr>
+            </a:lvl1pPr>
+          </a:lstStyle>
+          <a:p>
+            <a:br/>
+            <a:endParaRPr/>
+          </a:p>
+        </p:txBody>
+      </p:sp>
+      <p:sp>
+        <p:nvSpPr>
+          <p:cNvPr id="275" name="PoleTekstowe 11"/>
+          <p:cNvSpPr txBox="1"/>
+          <p:nvPr/>
+        </p:nvSpPr>
+        <p:spPr>
+          <a:xfrm>
+            <a:off x="4959846" y="996108"/>
+            <a:ext cx="1166635" cy="390305"/>
+          </a:xfrm>
+          <a:prstGeom prst="rect">
+            <a:avLst/>
+          </a:prstGeom>
+          <a:ln w="12700">
+            <a:miter lim="400000"/>
+          </a:ln>
+          <a:extLst>
+            <a:ext uri="{C572A759-6A51-4108-AA02-DFA0A04FC94B}">
+              <ma14:wrappingTextBoxFlag xmlns="" xmlns:m="http://schemas.openxmlformats.org/officeDocument/2006/math" xmlns:a14="http://schemas.microsoft.com/office/drawing/2010/main" xmlns:ma14="http://schemas.microsoft.com/office/mac/drawingml/2011/main" val="1"/>
+            </a:ext>
+          </a:extLst>
+        </p:spPr>
+        <p:txBody>
+          <a:bodyPr lIns="45718" tIns="45718" rIns="45718" bIns="45718">
+            <a:spAutoFit/>
+          </a:bodyPr>
+          <a:lstStyle/>
+          <a:p>
+            <a:pPr algn="ctr">
+              <a:defRPr sz="1100">
+                <a:solidFill>
+                  <a:srgbClr val="FFFFFF"/>
+                </a:solidFill>
+                <a:latin typeface="Times New Roman"/>
+                <a:ea typeface="Times New Roman"/>
+                <a:cs typeface="Times New Roman"/>
+                <a:sym typeface="Times New Roman"/>
+              </a:defRPr>
+            </a:pPr>
+            <a:r>
+              <a:t>O projekcie</a:t>
+            </a:r>
+          </a:p>
+          <a:p>
+            <a:pPr algn="ctr">
+              <a:defRPr sz="1100">
+                <a:solidFill>
+                  <a:srgbClr val="FFFFFF"/>
+                </a:solidFill>
+                <a:latin typeface="Times New Roman"/>
+                <a:ea typeface="Times New Roman"/>
+                <a:cs typeface="Times New Roman"/>
+                <a:sym typeface="Times New Roman"/>
+              </a:defRPr>
+            </a:pPr>
+            <a:r>
+              <a:t>R</a:t>
+            </a:r>
+          </a:p>
+        </p:txBody>
+      </p:sp>
+      <p:grpSp>
+        <p:nvGrpSpPr>
+          <p:cNvPr id="278" name="Prostokąt 15"/>
+          <p:cNvGrpSpPr/>
+          <p:nvPr/>
+        </p:nvGrpSpPr>
+        <p:grpSpPr>
+          <a:xfrm>
+            <a:off x="0" y="1498"/>
+            <a:ext cx="9144000" cy="556447"/>
+            <a:chOff x="0" y="-1"/>
+            <a:chExt cx="9144000" cy="556446"/>
+          </a:xfrm>
+        </p:grpSpPr>
+        <p:sp>
+          <p:nvSpPr>
+            <p:cNvPr id="276" name="矩形"/>
+            <p:cNvSpPr/>
+            <p:nvPr/>
+          </p:nvSpPr>
+          <p:spPr>
+            <a:xfrm>
+              <a:off x="0" y="-2"/>
+              <a:ext cx="9144000" cy="556447"/>
+            </a:xfrm>
+            <a:prstGeom prst="rect">
+              <a:avLst/>
+            </a:prstGeom>
+            <a:solidFill>
+              <a:srgbClr val="B5293B"/>
+            </a:solidFill>
+            <a:ln w="12700" cap="flat">
+              <a:noFill/>
+              <a:miter lim="400000"/>
+            </a:ln>
+            <a:effectLst/>
+          </p:spPr>
+          <p:txBody>
+            <a:bodyPr wrap="square" lIns="45718" tIns="45718" rIns="45718" bIns="45718" numCol="1" anchor="ctr">
+              <a:noAutofit/>
+            </a:bodyPr>
+            <a:lstStyle/>
+            <a:p>
+              <a:pPr>
+                <a:defRPr>
+                  <a:solidFill>
+                    <a:srgbClr val="FFFFFF"/>
+                  </a:solidFill>
+                </a:defRPr>
+              </a:pPr>
+              <a:endParaRPr/>
+            </a:p>
+          </p:txBody>
+        </p:sp>
+        <p:sp>
+          <p:nvSpPr>
+            <p:cNvPr id="277" name="文本"/>
+            <p:cNvSpPr txBox="1"/>
+            <p:nvPr/>
+          </p:nvSpPr>
+          <p:spPr>
+            <a:xfrm>
+              <a:off x="45718" y="108130"/>
+              <a:ext cx="9052564" cy="340180"/>
+            </a:xfrm>
+            <a:prstGeom prst="rect">
+              <a:avLst/>
+            </a:prstGeom>
+            <a:noFill/>
+            <a:ln w="12700" cap="flat">
+              <a:noFill/>
+              <a:miter lim="400000"/>
+            </a:ln>
+            <a:effectLst/>
+            <a:extLst>
+              <a:ext uri="{C572A759-6A51-4108-AA02-DFA0A04FC94B}">
+                <ma14:wrappingTextBoxFlag xmlns="" xmlns:m="http://schemas.openxmlformats.org/officeDocument/2006/math" xmlns:a14="http://schemas.microsoft.com/office/drawing/2010/main" xmlns:ma14="http://schemas.microsoft.com/office/mac/drawingml/2011/main" val="1"/>
+              </a:ext>
+            </a:extLst>
+          </p:spPr>
+          <p:txBody>
+            <a:bodyPr wrap="square" lIns="45718" tIns="45718" rIns="45718" bIns="45718" numCol="1" anchor="ctr">
+              <a:spAutoFit/>
+            </a:bodyPr>
+            <a:lstStyle>
+              <a:lvl1pPr>
+                <a:defRPr sz="2000" b="1"/>
+              </a:lvl1pPr>
+            </a:lstStyle>
+            <a:p>
+              <a:r>
+                <a:t> </a:t>
+              </a:r>
+            </a:p>
+          </p:txBody>
+        </p:sp>
+      </p:grpSp>
+      <p:sp>
+        <p:nvSpPr>
+          <p:cNvPr id="279" name="PoleTekstowe 15"/>
+          <p:cNvSpPr txBox="1"/>
+          <p:nvPr/>
+        </p:nvSpPr>
+        <p:spPr>
+          <a:xfrm>
+            <a:off x="7656461" y="124767"/>
+            <a:ext cx="1350092" cy="237904"/>
+          </a:xfrm>
+          <a:prstGeom prst="rect">
+            <a:avLst/>
+          </a:prstGeom>
+          <a:ln w="12700">
+            <a:miter lim="400000"/>
+          </a:ln>
+          <a:extLst>
+            <a:ext uri="{C572A759-6A51-4108-AA02-DFA0A04FC94B}">
+              <ma14:wrappingTextBoxFlag xmlns="" xmlns:m="http://schemas.openxmlformats.org/officeDocument/2006/math" xmlns:a14="http://schemas.microsoft.com/office/drawing/2010/main" xmlns:ma14="http://schemas.microsoft.com/office/mac/drawingml/2011/main" val="1"/>
+            </a:ext>
+          </a:extLst>
+        </p:spPr>
+        <p:txBody>
+          <a:bodyPr lIns="45718" tIns="45718" rIns="45718" bIns="45718">
+            <a:spAutoFit/>
+          </a:bodyPr>
+          <a:lstStyle>
+            <a:lvl1pPr algn="ctr">
+              <a:defRPr sz="1100">
+                <a:solidFill>
+                  <a:srgbClr val="FFFFFF"/>
+                </a:solidFill>
+                <a:latin typeface="Times New Roman"/>
+                <a:ea typeface="Times New Roman"/>
+                <a:cs typeface="Times New Roman"/>
+                <a:sym typeface="Times New Roman"/>
+              </a:defRPr>
+            </a:lvl1pPr>
+          </a:lstStyle>
+          <a:p>
+            <a:r>
+              <a:t>Bibliography</a:t>
+            </a:r>
+          </a:p>
+        </p:txBody>
+      </p:sp>
+      <p:grpSp>
+        <p:nvGrpSpPr>
+          <p:cNvPr id="282" name="Prostokąt 16"/>
+          <p:cNvGrpSpPr/>
+          <p:nvPr/>
+        </p:nvGrpSpPr>
+        <p:grpSpPr>
+          <a:xfrm>
+            <a:off x="0" y="1498"/>
+            <a:ext cx="9144000" cy="556447"/>
+            <a:chOff x="0" y="-1"/>
+            <a:chExt cx="9144000" cy="556446"/>
+          </a:xfrm>
+        </p:grpSpPr>
+        <p:sp>
+          <p:nvSpPr>
+            <p:cNvPr id="280" name="矩形"/>
+            <p:cNvSpPr/>
+            <p:nvPr/>
+          </p:nvSpPr>
+          <p:spPr>
+            <a:xfrm>
+              <a:off x="0" y="-2"/>
+              <a:ext cx="9144000" cy="556447"/>
+            </a:xfrm>
+            <a:prstGeom prst="rect">
+              <a:avLst/>
+            </a:prstGeom>
+            <a:solidFill>
+              <a:srgbClr val="B5293B"/>
+            </a:solidFill>
+            <a:ln w="12700" cap="flat">
+              <a:noFill/>
+              <a:miter lim="400000"/>
+            </a:ln>
+            <a:effectLst/>
+          </p:spPr>
+          <p:txBody>
+            <a:bodyPr wrap="square" lIns="45718" tIns="45718" rIns="45718" bIns="45718" numCol="1" anchor="ctr">
+              <a:noAutofit/>
+            </a:bodyPr>
+            <a:lstStyle/>
+            <a:p>
+              <a:pPr>
+                <a:defRPr>
+                  <a:solidFill>
+                    <a:srgbClr val="FFFFFF"/>
+                  </a:solidFill>
+                </a:defRPr>
+              </a:pPr>
+              <a:endParaRPr/>
+            </a:p>
+          </p:txBody>
+        </p:sp>
+        <p:sp>
+          <p:nvSpPr>
+            <p:cNvPr id="281" name="文本"/>
+            <p:cNvSpPr txBox="1"/>
+            <p:nvPr/>
+          </p:nvSpPr>
+          <p:spPr>
+            <a:xfrm>
+              <a:off x="45718" y="108130"/>
+              <a:ext cx="9052564" cy="340180"/>
+            </a:xfrm>
+            <a:prstGeom prst="rect">
+              <a:avLst/>
+            </a:prstGeom>
+            <a:noFill/>
+            <a:ln w="12700" cap="flat">
+              <a:noFill/>
+              <a:miter lim="400000"/>
+            </a:ln>
+            <a:effectLst/>
+            <a:extLst>
+              <a:ext uri="{C572A759-6A51-4108-AA02-DFA0A04FC94B}">
+                <ma14:wrappingTextBoxFlag xmlns="" xmlns:m="http://schemas.openxmlformats.org/officeDocument/2006/math" xmlns:a14="http://schemas.microsoft.com/office/drawing/2010/main" xmlns:ma14="http://schemas.microsoft.com/office/mac/drawingml/2011/main" val="1"/>
+              </a:ext>
+            </a:extLst>
+          </p:spPr>
+          <p:txBody>
+            <a:bodyPr wrap="square" lIns="45718" tIns="45718" rIns="45718" bIns="45718" numCol="1" anchor="ctr">
+              <a:spAutoFit/>
+            </a:bodyPr>
+            <a:lstStyle>
+              <a:lvl1pPr>
+                <a:defRPr sz="2000" b="1"/>
+              </a:lvl1pPr>
+            </a:lstStyle>
+            <a:p>
+              <a:r>
+                <a:t> </a:t>
+              </a:r>
+            </a:p>
+          </p:txBody>
+        </p:sp>
+      </p:grpSp>
+      <p:sp>
+        <p:nvSpPr>
+          <p:cNvPr id="4" name="pole tekstowe 3">
+            <a:extLst>
+              <a:ext uri="{FF2B5EF4-FFF2-40B4-BE49-F238E27FC236}">
+                <a16:creationId xmlns:a16="http://schemas.microsoft.com/office/drawing/2014/main" id="{F3C476E1-2360-B701-CFC8-E1F6BA19466B}"/>
+              </a:ext>
+            </a:extLst>
+          </p:cNvPr>
+          <p:cNvSpPr txBox="1"/>
+          <p:nvPr/>
+        </p:nvSpPr>
+        <p:spPr>
+          <a:xfrm>
+            <a:off x="261756" y="106467"/>
+            <a:ext cx="8070428" cy="452428"/>
+          </a:xfrm>
+          <a:prstGeom prst="rect">
+            <a:avLst/>
+          </a:prstGeom>
+          <a:ln w="12700">
+            <a:miter lim="400000"/>
+          </a:ln>
+          <a:extLst>
+            <a:ext uri="{C572A759-6A51-4108-AA02-DFA0A04FC94B}">
+              <ma14:wrappingTextBoxFlag xmlns="" xmlns:m="http://schemas.openxmlformats.org/officeDocument/2006/math" xmlns:a14="http://schemas.microsoft.com/office/drawing/2010/main" xmlns:ma14="http://schemas.microsoft.com/office/mac/drawingml/2011/main" val="1"/>
+            </a:ext>
+          </a:extLst>
+        </p:spPr>
+        <p:txBody>
+          <a:bodyPr lIns="45718" tIns="45718" rIns="45718" bIns="45718">
+            <a:spAutoFit/>
+          </a:bodyPr>
+          <a:lstStyle/>
+          <a:p>
+            <a:pPr defTabSz="685800">
+              <a:lnSpc>
+                <a:spcPct val="90000"/>
+              </a:lnSpc>
+              <a:defRPr sz="2600">
+                <a:latin typeface="배달의민족 도현 OTF"/>
+                <a:ea typeface="배달의민족 도현 OTF"/>
+                <a:cs typeface="배달의민족 도현 OTF"/>
+                <a:sym typeface="배달의민족 도현 OTF"/>
+              </a:defRPr>
+            </a:pPr>
+            <a:r>
+              <a:rPr lang="en-US" dirty="0">
+                <a:solidFill>
+                  <a:schemeClr val="bg1"/>
+                </a:solidFill>
+              </a:rPr>
+              <a:t>Future Order Forecast details</a:t>
+            </a:r>
+            <a:endParaRPr dirty="0">
+              <a:solidFill>
+                <a:schemeClr val="bg1"/>
+              </a:solidFill>
+            </a:endParaRPr>
+          </a:p>
+        </p:txBody>
+      </p:sp>
+      <p:pic>
+        <p:nvPicPr>
+          <p:cNvPr id="3" name="图片 2">
+            <a:extLst>
+              <a:ext uri="{FF2B5EF4-FFF2-40B4-BE49-F238E27FC236}">
+                <a16:creationId xmlns:a16="http://schemas.microsoft.com/office/drawing/2014/main" id="{E2339430-AD69-2CD0-595E-4581E2B58ADE}"/>
+              </a:ext>
+            </a:extLst>
+          </p:cNvPr>
+          <p:cNvPicPr>
+            <a:picLocks noChangeAspect="1"/>
+          </p:cNvPicPr>
+          <p:nvPr/>
+        </p:nvPicPr>
+        <p:blipFill>
+          <a:blip r:embed="rId2"/>
+          <a:stretch>
+            <a:fillRect/>
+          </a:stretch>
+        </p:blipFill>
+        <p:spPr>
+          <a:xfrm>
+            <a:off x="0" y="647796"/>
+            <a:ext cx="9144000" cy="5562408"/>
+          </a:xfrm>
+          <a:prstGeom prst="rect">
+            <a:avLst/>
+          </a:prstGeom>
+        </p:spPr>
+      </p:pic>
+    </p:spTree>
+    <p:extLst>
+      <p:ext uri="{BB962C8B-B14F-4D97-AF65-F5344CB8AC3E}">
+        <p14:creationId xmlns:p14="http://schemas.microsoft.com/office/powerpoint/2010/main" val="3404532608"/>
+      </p:ext>
+    </p:extLst>
+  </p:cSld>
+  <p:clrMapOvr>
+    <a:masterClrMapping/>
+  </p:clrMapOvr>
+  <p:transition spd="med"/>
+</p:sld>
+</file>
+
+<file path=ppt/slides/slide15.xml><?xml version="1.0" encoding="utf-8"?>
+<p:sld xmlns:a="http://schemas.openxmlformats.org/drawingml/2006/main" xmlns:r="http://schemas.openxmlformats.org/officeDocument/2006/relationships" xmlns:p="http://schemas.openxmlformats.org/presentationml/2006/main">
+  <p:cSld>
+    <p:spTree>
+      <p:nvGrpSpPr>
+        <p:cNvPr id="1" name=""/>
+        <p:cNvGrpSpPr/>
+        <p:nvPr/>
+      </p:nvGrpSpPr>
+      <p:grpSpPr>
+        <a:xfrm>
+          <a:off x="0" y="0"/>
+          <a:ext cx="0" cy="0"/>
+          <a:chOff x="0" y="0"/>
+          <a:chExt cx="0" cy="0"/>
+        </a:xfrm>
+      </p:grpSpPr>
+      <p:sp>
+        <p:nvSpPr>
+          <p:cNvPr id="274" name="Rectangle 12"/>
+          <p:cNvSpPr txBox="1"/>
+          <p:nvPr/>
+        </p:nvSpPr>
+        <p:spPr>
+          <a:xfrm>
+            <a:off x="34290" y="635160"/>
+            <a:ext cx="127001" cy="444180"/>
+          </a:xfrm>
+          <a:prstGeom prst="rect">
+            <a:avLst/>
+          </a:prstGeom>
+          <a:ln w="12700">
+            <a:miter lim="400000"/>
+          </a:ln>
+          <a:extLst>
+            <a:ext uri="{C572A759-6A51-4108-AA02-DFA0A04FC94B}">
+              <ma14:wrappingTextBoxFlag xmlns="" xmlns:m="http://schemas.openxmlformats.org/officeDocument/2006/math" xmlns:a14="http://schemas.microsoft.com/office/drawing/2010/main" xmlns:ma14="http://schemas.microsoft.com/office/mac/drawingml/2011/main" val="1"/>
+            </a:ext>
+          </a:extLst>
+        </p:spPr>
+        <p:txBody>
+          <a:bodyPr wrap="none" lIns="34290" tIns="34290" rIns="34290" bIns="34290" anchor="ctr">
+            <a:spAutoFit/>
+          </a:bodyPr>
+          <a:lstStyle>
+            <a:lvl1pPr defTabSz="685800">
+              <a:defRPr sz="1300">
+                <a:latin typeface="Arial"/>
+                <a:ea typeface="Arial"/>
+                <a:cs typeface="Arial"/>
+                <a:sym typeface="Arial"/>
+              </a:defRPr>
+            </a:lvl1pPr>
+          </a:lstStyle>
+          <a:p>
+            <a:br/>
+            <a:endParaRPr/>
+          </a:p>
+        </p:txBody>
+      </p:sp>
+      <p:sp>
+        <p:nvSpPr>
+          <p:cNvPr id="275" name="PoleTekstowe 11"/>
+          <p:cNvSpPr txBox="1"/>
+          <p:nvPr/>
+        </p:nvSpPr>
+        <p:spPr>
+          <a:xfrm>
+            <a:off x="4959846" y="996108"/>
+            <a:ext cx="1166635" cy="390305"/>
+          </a:xfrm>
+          <a:prstGeom prst="rect">
+            <a:avLst/>
+          </a:prstGeom>
+          <a:ln w="12700">
+            <a:miter lim="400000"/>
+          </a:ln>
+          <a:extLst>
+            <a:ext uri="{C572A759-6A51-4108-AA02-DFA0A04FC94B}">
+              <ma14:wrappingTextBoxFlag xmlns="" xmlns:m="http://schemas.openxmlformats.org/officeDocument/2006/math" xmlns:a14="http://schemas.microsoft.com/office/drawing/2010/main" xmlns:ma14="http://schemas.microsoft.com/office/mac/drawingml/2011/main" val="1"/>
+            </a:ext>
+          </a:extLst>
+        </p:spPr>
+        <p:txBody>
+          <a:bodyPr lIns="45718" tIns="45718" rIns="45718" bIns="45718">
+            <a:spAutoFit/>
+          </a:bodyPr>
+          <a:lstStyle/>
+          <a:p>
+            <a:pPr algn="ctr">
+              <a:defRPr sz="1100">
+                <a:solidFill>
+                  <a:srgbClr val="FFFFFF"/>
+                </a:solidFill>
+                <a:latin typeface="Times New Roman"/>
+                <a:ea typeface="Times New Roman"/>
+                <a:cs typeface="Times New Roman"/>
+                <a:sym typeface="Times New Roman"/>
+              </a:defRPr>
+            </a:pPr>
+            <a:r>
+              <a:t>O projekcie</a:t>
+            </a:r>
+          </a:p>
+          <a:p>
+            <a:pPr algn="ctr">
+              <a:defRPr sz="1100">
+                <a:solidFill>
+                  <a:srgbClr val="FFFFFF"/>
+                </a:solidFill>
+                <a:latin typeface="Times New Roman"/>
+                <a:ea typeface="Times New Roman"/>
+                <a:cs typeface="Times New Roman"/>
+                <a:sym typeface="Times New Roman"/>
+              </a:defRPr>
+            </a:pPr>
+            <a:r>
+              <a:t>R</a:t>
+            </a:r>
+          </a:p>
+        </p:txBody>
+      </p:sp>
+      <p:grpSp>
+        <p:nvGrpSpPr>
+          <p:cNvPr id="278" name="Prostokąt 15"/>
+          <p:cNvGrpSpPr/>
+          <p:nvPr/>
+        </p:nvGrpSpPr>
+        <p:grpSpPr>
+          <a:xfrm>
+            <a:off x="0" y="1498"/>
+            <a:ext cx="9144000" cy="556447"/>
+            <a:chOff x="0" y="-1"/>
+            <a:chExt cx="9144000" cy="556446"/>
+          </a:xfrm>
+        </p:grpSpPr>
+        <p:sp>
+          <p:nvSpPr>
+            <p:cNvPr id="276" name="矩形"/>
+            <p:cNvSpPr/>
+            <p:nvPr/>
+          </p:nvSpPr>
+          <p:spPr>
+            <a:xfrm>
+              <a:off x="0" y="-2"/>
+              <a:ext cx="9144000" cy="556447"/>
+            </a:xfrm>
+            <a:prstGeom prst="rect">
+              <a:avLst/>
+            </a:prstGeom>
+            <a:solidFill>
+              <a:srgbClr val="B5293B"/>
+            </a:solidFill>
+            <a:ln w="12700" cap="flat">
+              <a:noFill/>
+              <a:miter lim="400000"/>
+            </a:ln>
+            <a:effectLst/>
+          </p:spPr>
+          <p:txBody>
+            <a:bodyPr wrap="square" lIns="45718" tIns="45718" rIns="45718" bIns="45718" numCol="1" anchor="ctr">
+              <a:noAutofit/>
+            </a:bodyPr>
+            <a:lstStyle/>
+            <a:p>
+              <a:pPr>
+                <a:defRPr>
+                  <a:solidFill>
+                    <a:srgbClr val="FFFFFF"/>
+                  </a:solidFill>
+                </a:defRPr>
+              </a:pPr>
+              <a:endParaRPr/>
+            </a:p>
+          </p:txBody>
+        </p:sp>
+        <p:sp>
+          <p:nvSpPr>
+            <p:cNvPr id="277" name="文本"/>
+            <p:cNvSpPr txBox="1"/>
+            <p:nvPr/>
+          </p:nvSpPr>
+          <p:spPr>
+            <a:xfrm>
+              <a:off x="45718" y="108130"/>
+              <a:ext cx="9052564" cy="340180"/>
+            </a:xfrm>
+            <a:prstGeom prst="rect">
+              <a:avLst/>
+            </a:prstGeom>
+            <a:noFill/>
+            <a:ln w="12700" cap="flat">
+              <a:noFill/>
+              <a:miter lim="400000"/>
+            </a:ln>
+            <a:effectLst/>
+            <a:extLst>
+              <a:ext uri="{C572A759-6A51-4108-AA02-DFA0A04FC94B}">
+                <ma14:wrappingTextBoxFlag xmlns="" xmlns:m="http://schemas.openxmlformats.org/officeDocument/2006/math" xmlns:a14="http://schemas.microsoft.com/office/drawing/2010/main" xmlns:ma14="http://schemas.microsoft.com/office/mac/drawingml/2011/main" val="1"/>
+              </a:ext>
+            </a:extLst>
+          </p:spPr>
+          <p:txBody>
+            <a:bodyPr wrap="square" lIns="45718" tIns="45718" rIns="45718" bIns="45718" numCol="1" anchor="ctr">
+              <a:spAutoFit/>
+            </a:bodyPr>
+            <a:lstStyle>
+              <a:lvl1pPr>
+                <a:defRPr sz="2000" b="1"/>
+              </a:lvl1pPr>
+            </a:lstStyle>
+            <a:p>
+              <a:r>
+                <a:t> </a:t>
+              </a:r>
+            </a:p>
+          </p:txBody>
+        </p:sp>
+      </p:grpSp>
+      <p:sp>
+        <p:nvSpPr>
+          <p:cNvPr id="279" name="PoleTekstowe 15"/>
+          <p:cNvSpPr txBox="1"/>
+          <p:nvPr/>
+        </p:nvSpPr>
+        <p:spPr>
+          <a:xfrm>
+            <a:off x="7656461" y="124767"/>
+            <a:ext cx="1350092" cy="237904"/>
+          </a:xfrm>
+          <a:prstGeom prst="rect">
+            <a:avLst/>
+          </a:prstGeom>
+          <a:ln w="12700">
+            <a:miter lim="400000"/>
+          </a:ln>
+          <a:extLst>
+            <a:ext uri="{C572A759-6A51-4108-AA02-DFA0A04FC94B}">
+              <ma14:wrappingTextBoxFlag xmlns="" xmlns:m="http://schemas.openxmlformats.org/officeDocument/2006/math" xmlns:a14="http://schemas.microsoft.com/office/drawing/2010/main" xmlns:ma14="http://schemas.microsoft.com/office/mac/drawingml/2011/main" val="1"/>
+            </a:ext>
+          </a:extLst>
+        </p:spPr>
+        <p:txBody>
+          <a:bodyPr lIns="45718" tIns="45718" rIns="45718" bIns="45718">
+            <a:spAutoFit/>
+          </a:bodyPr>
+          <a:lstStyle>
+            <a:lvl1pPr algn="ctr">
+              <a:defRPr sz="1100">
+                <a:solidFill>
+                  <a:srgbClr val="FFFFFF"/>
+                </a:solidFill>
+                <a:latin typeface="Times New Roman"/>
+                <a:ea typeface="Times New Roman"/>
+                <a:cs typeface="Times New Roman"/>
+                <a:sym typeface="Times New Roman"/>
+              </a:defRPr>
+            </a:lvl1pPr>
+          </a:lstStyle>
+          <a:p>
+            <a:r>
+              <a:t>Bibliography</a:t>
+            </a:r>
+          </a:p>
+        </p:txBody>
+      </p:sp>
+      <p:grpSp>
+        <p:nvGrpSpPr>
+          <p:cNvPr id="282" name="Prostokąt 16"/>
+          <p:cNvGrpSpPr/>
+          <p:nvPr/>
+        </p:nvGrpSpPr>
+        <p:grpSpPr>
+          <a:xfrm>
+            <a:off x="0" y="1498"/>
+            <a:ext cx="9144000" cy="556447"/>
+            <a:chOff x="0" y="-1"/>
+            <a:chExt cx="9144000" cy="556446"/>
+          </a:xfrm>
+        </p:grpSpPr>
+        <p:sp>
+          <p:nvSpPr>
+            <p:cNvPr id="280" name="矩形"/>
+            <p:cNvSpPr/>
+            <p:nvPr/>
+          </p:nvSpPr>
+          <p:spPr>
+            <a:xfrm>
+              <a:off x="0" y="-2"/>
+              <a:ext cx="9144000" cy="556447"/>
+            </a:xfrm>
+            <a:prstGeom prst="rect">
+              <a:avLst/>
+            </a:prstGeom>
+            <a:solidFill>
+              <a:srgbClr val="B5293B"/>
+            </a:solidFill>
+            <a:ln w="12700" cap="flat">
+              <a:noFill/>
+              <a:miter lim="400000"/>
+            </a:ln>
+            <a:effectLst/>
+          </p:spPr>
+          <p:txBody>
+            <a:bodyPr wrap="square" lIns="45718" tIns="45718" rIns="45718" bIns="45718" numCol="1" anchor="ctr">
+              <a:noAutofit/>
+            </a:bodyPr>
+            <a:lstStyle/>
+            <a:p>
+              <a:pPr>
+                <a:defRPr>
+                  <a:solidFill>
+                    <a:srgbClr val="FFFFFF"/>
+                  </a:solidFill>
+                </a:defRPr>
+              </a:pPr>
+              <a:endParaRPr/>
+            </a:p>
+          </p:txBody>
+        </p:sp>
+        <p:sp>
+          <p:nvSpPr>
+            <p:cNvPr id="281" name="文本"/>
+            <p:cNvSpPr txBox="1"/>
+            <p:nvPr/>
+          </p:nvSpPr>
+          <p:spPr>
+            <a:xfrm>
+              <a:off x="45718" y="108130"/>
+              <a:ext cx="9052564" cy="340180"/>
+            </a:xfrm>
+            <a:prstGeom prst="rect">
+              <a:avLst/>
+            </a:prstGeom>
+            <a:noFill/>
+            <a:ln w="12700" cap="flat">
+              <a:noFill/>
+              <a:miter lim="400000"/>
+            </a:ln>
+            <a:effectLst/>
+            <a:extLst>
+              <a:ext uri="{C572A759-6A51-4108-AA02-DFA0A04FC94B}">
+                <ma14:wrappingTextBoxFlag xmlns="" xmlns:m="http://schemas.openxmlformats.org/officeDocument/2006/math" xmlns:a14="http://schemas.microsoft.com/office/drawing/2010/main" xmlns:ma14="http://schemas.microsoft.com/office/mac/drawingml/2011/main" val="1"/>
+              </a:ext>
+            </a:extLst>
+          </p:spPr>
+          <p:txBody>
+            <a:bodyPr wrap="square" lIns="45718" tIns="45718" rIns="45718" bIns="45718" numCol="1" anchor="ctr">
+              <a:spAutoFit/>
+            </a:bodyPr>
+            <a:lstStyle>
+              <a:lvl1pPr>
+                <a:defRPr sz="2000" b="1"/>
+              </a:lvl1pPr>
+            </a:lstStyle>
+            <a:p>
+              <a:r>
+                <a:t> </a:t>
+              </a:r>
+            </a:p>
+          </p:txBody>
+        </p:sp>
+      </p:grpSp>
+      <p:sp>
+        <p:nvSpPr>
+          <p:cNvPr id="4" name="pole tekstowe 3">
+            <a:extLst>
+              <a:ext uri="{FF2B5EF4-FFF2-40B4-BE49-F238E27FC236}">
+                <a16:creationId xmlns:a16="http://schemas.microsoft.com/office/drawing/2014/main" id="{F3C476E1-2360-B701-CFC8-E1F6BA19466B}"/>
+              </a:ext>
+            </a:extLst>
+          </p:cNvPr>
+          <p:cNvSpPr txBox="1"/>
+          <p:nvPr/>
+        </p:nvSpPr>
+        <p:spPr>
+          <a:xfrm>
+            <a:off x="261756" y="106467"/>
+            <a:ext cx="8070428" cy="452428"/>
+          </a:xfrm>
+          <a:prstGeom prst="rect">
+            <a:avLst/>
+          </a:prstGeom>
+          <a:ln w="12700">
+            <a:miter lim="400000"/>
+          </a:ln>
+          <a:extLst>
+            <a:ext uri="{C572A759-6A51-4108-AA02-DFA0A04FC94B}">
+              <ma14:wrappingTextBoxFlag xmlns="" xmlns:m="http://schemas.openxmlformats.org/officeDocument/2006/math" xmlns:a14="http://schemas.microsoft.com/office/drawing/2010/main" xmlns:ma14="http://schemas.microsoft.com/office/mac/drawingml/2011/main" val="1"/>
+            </a:ext>
+          </a:extLst>
+        </p:spPr>
+        <p:txBody>
+          <a:bodyPr lIns="45718" tIns="45718" rIns="45718" bIns="45718">
+            <a:spAutoFit/>
+          </a:bodyPr>
+          <a:lstStyle/>
+          <a:p>
+            <a:pPr defTabSz="685800">
+              <a:lnSpc>
+                <a:spcPct val="90000"/>
+              </a:lnSpc>
+              <a:defRPr sz="2600">
+                <a:latin typeface="배달의민족 도현 OTF"/>
+                <a:ea typeface="배달의민족 도현 OTF"/>
+                <a:cs typeface="배달의민족 도현 OTF"/>
+                <a:sym typeface="배달의민족 도현 OTF"/>
+              </a:defRPr>
+            </a:pPr>
+            <a:r>
+              <a:rPr lang="en-US" dirty="0">
+                <a:solidFill>
+                  <a:schemeClr val="bg1"/>
+                </a:solidFill>
+              </a:rPr>
+              <a:t>Future Customer Forecast</a:t>
+            </a:r>
+            <a:endParaRPr dirty="0">
+              <a:solidFill>
+                <a:schemeClr val="bg1"/>
+              </a:solidFill>
+            </a:endParaRPr>
+          </a:p>
+        </p:txBody>
+      </p:sp>
+      <p:pic>
+        <p:nvPicPr>
+          <p:cNvPr id="3" name="图片 2">
+            <a:extLst>
+              <a:ext uri="{FF2B5EF4-FFF2-40B4-BE49-F238E27FC236}">
+                <a16:creationId xmlns:a16="http://schemas.microsoft.com/office/drawing/2014/main" id="{BB7165EB-9312-D7A9-DE47-4BF2C8A16E3B}"/>
+              </a:ext>
+            </a:extLst>
+          </p:cNvPr>
+          <p:cNvPicPr>
+            <a:picLocks noChangeAspect="1"/>
+          </p:cNvPicPr>
+          <p:nvPr/>
+        </p:nvPicPr>
+        <p:blipFill>
+          <a:blip r:embed="rId2"/>
+          <a:stretch>
+            <a:fillRect/>
+          </a:stretch>
+        </p:blipFill>
+        <p:spPr>
+          <a:xfrm>
+            <a:off x="0" y="662915"/>
+            <a:ext cx="9144000" cy="3720381"/>
+          </a:xfrm>
+          <a:prstGeom prst="rect">
+            <a:avLst/>
+          </a:prstGeom>
+        </p:spPr>
+      </p:pic>
+      <p:sp>
+        <p:nvSpPr>
+          <p:cNvPr id="5" name="文本框 4">
+            <a:extLst>
+              <a:ext uri="{FF2B5EF4-FFF2-40B4-BE49-F238E27FC236}">
+                <a16:creationId xmlns:a16="http://schemas.microsoft.com/office/drawing/2014/main" id="{0418B2D8-9ED1-7ADA-3BB8-0BF759C63143}"/>
+              </a:ext>
+            </a:extLst>
+          </p:cNvPr>
+          <p:cNvSpPr txBox="1"/>
+          <p:nvPr/>
+        </p:nvSpPr>
+        <p:spPr>
+          <a:xfrm>
+            <a:off x="1421910" y="4938562"/>
+            <a:ext cx="6595254" cy="923330"/>
+          </a:xfrm>
+          <a:prstGeom prst="rect">
+            <a:avLst/>
+          </a:prstGeom>
+          <a:noFill/>
+          <a:ln w="12700" cap="flat">
+            <a:noFill/>
+            <a:miter lim="400000"/>
+          </a:ln>
+          <a:effectLst/>
+          <a:sp3d/>
+        </p:spPr>
+        <p:style>
+          <a:lnRef idx="0">
+            <a:scrgbClr r="0" g="0" b="0"/>
+          </a:lnRef>
+          <a:fillRef idx="0">
+            <a:scrgbClr r="0" g="0" b="0"/>
+          </a:fillRef>
+          <a:effectRef idx="0">
+            <a:scrgbClr r="0" g="0" b="0"/>
+          </a:effectRef>
+          <a:fontRef idx="none"/>
+        </p:style>
+        <p:txBody>
+          <a:bodyPr wrap="square">
+            <a:spAutoFit/>
+          </a:bodyPr>
+          <a:lstStyle/>
+          <a:p>
+            <a:pPr algn="l">
+              <a:buFont typeface="Arial" panose="020B0604020202020204" pitchFamily="34" charset="0"/>
+              <a:buChar char="•"/>
+            </a:pPr>
+            <a:r>
+              <a:rPr lang="en-US" b="1" i="0" dirty="0">
+                <a:solidFill>
+                  <a:srgbClr val="666666"/>
+                </a:solidFill>
+                <a:effectLst/>
+                <a:latin typeface="Arial" panose="020B0604020202020204" pitchFamily="34" charset="0"/>
+              </a:rPr>
+              <a:t> I</a:t>
+            </a:r>
+            <a:r>
+              <a:rPr lang="en-US" altLang="zh-CN" b="1" i="0" dirty="0">
+                <a:solidFill>
+                  <a:srgbClr val="666666"/>
+                </a:solidFill>
+                <a:effectLst/>
+                <a:latin typeface="Arial" panose="020B0604020202020204" pitchFamily="34" charset="0"/>
+              </a:rPr>
+              <a:t>mportant VIP</a:t>
+            </a:r>
+            <a:r>
+              <a:rPr lang="en-US" b="1" i="0" dirty="0">
+                <a:solidFill>
+                  <a:srgbClr val="666666"/>
+                </a:solidFill>
+                <a:effectLst/>
+                <a:latin typeface="Arial" panose="020B0604020202020204" pitchFamily="34" charset="0"/>
+              </a:rPr>
+              <a:t>  </a:t>
+            </a:r>
+            <a:r>
+              <a:rPr lang="en-US" b="0" i="0" dirty="0">
+                <a:solidFill>
+                  <a:srgbClr val="666666"/>
+                </a:solidFill>
+                <a:effectLst/>
+                <a:latin typeface="Arial" panose="020B0604020202020204" pitchFamily="34" charset="0"/>
+              </a:rPr>
+              <a:t>Who hold significant value for the business</a:t>
+            </a:r>
+          </a:p>
+          <a:p>
+            <a:pPr algn="l">
+              <a:buFont typeface="Arial" panose="020B0604020202020204" pitchFamily="34" charset="0"/>
+              <a:buChar char="•"/>
+            </a:pPr>
+            <a:r>
+              <a:rPr lang="en-US" dirty="0">
+                <a:solidFill>
+                  <a:srgbClr val="666666"/>
+                </a:solidFill>
+                <a:latin typeface="Arial" panose="020B0604020202020204" pitchFamily="34" charset="0"/>
+              </a:rPr>
+              <a:t> </a:t>
+            </a:r>
+            <a:r>
+              <a:rPr lang="en-US" b="1" i="0" dirty="0">
+                <a:solidFill>
+                  <a:srgbClr val="666666"/>
+                </a:solidFill>
+                <a:effectLst/>
+                <a:latin typeface="Arial" panose="020B0604020202020204" pitchFamily="34" charset="0"/>
+              </a:rPr>
+              <a:t>L</a:t>
+            </a:r>
+            <a:r>
+              <a:rPr lang="en-US" b="1" dirty="0">
+                <a:solidFill>
+                  <a:srgbClr val="666666"/>
+                </a:solidFill>
+                <a:latin typeface="Arial" panose="020B0604020202020204" pitchFamily="34" charset="0"/>
+              </a:rPr>
+              <a:t>ost customer</a:t>
+            </a:r>
+            <a:r>
+              <a:rPr lang="en-US" b="1" i="0" dirty="0">
+                <a:solidFill>
+                  <a:srgbClr val="666666"/>
+                </a:solidFill>
+                <a:effectLst/>
+                <a:latin typeface="Arial" panose="020B0604020202020204" pitchFamily="34" charset="0"/>
+              </a:rPr>
+              <a:t> </a:t>
+            </a:r>
+            <a:r>
+              <a:rPr lang="en-US" b="0" i="0" dirty="0">
+                <a:solidFill>
+                  <a:srgbClr val="666666"/>
+                </a:solidFill>
+                <a:effectLst/>
+                <a:latin typeface="Arial" panose="020B0604020202020204" pitchFamily="34" charset="0"/>
+              </a:rPr>
+              <a:t> </a:t>
+            </a:r>
+            <a:r>
+              <a:rPr lang="en-US" sz="1600" b="0" i="0" dirty="0">
+                <a:solidFill>
+                  <a:srgbClr val="666666"/>
+                </a:solidFill>
+                <a:effectLst/>
+                <a:latin typeface="Arial" panose="020B0604020202020204" pitchFamily="34" charset="0"/>
+              </a:rPr>
+              <a:t>Who have stopped making purchases</a:t>
+            </a:r>
+          </a:p>
+          <a:p>
+            <a:pPr algn="l">
+              <a:buFont typeface="Arial" panose="020B0604020202020204" pitchFamily="34" charset="0"/>
+              <a:buChar char="•"/>
+            </a:pPr>
+            <a:r>
+              <a:rPr lang="en-US" b="1" i="0" dirty="0">
+                <a:solidFill>
+                  <a:srgbClr val="666666"/>
+                </a:solidFill>
+                <a:effectLst/>
+                <a:latin typeface="Arial" panose="020B0604020202020204" pitchFamily="34" charset="0"/>
+              </a:rPr>
+              <a:t> Retain customer  </a:t>
+            </a:r>
+            <a:r>
+              <a:rPr lang="en-US" i="0" dirty="0">
+                <a:solidFill>
+                  <a:srgbClr val="666666"/>
+                </a:solidFill>
+                <a:effectLst/>
+                <a:latin typeface="Arial" panose="020B0604020202020204" pitchFamily="34" charset="0"/>
+              </a:rPr>
+              <a:t>who continue to engage with the business</a:t>
+            </a:r>
+          </a:p>
+        </p:txBody>
+      </p:sp>
+    </p:spTree>
+    <p:extLst>
+      <p:ext uri="{BB962C8B-B14F-4D97-AF65-F5344CB8AC3E}">
+        <p14:creationId xmlns:p14="http://schemas.microsoft.com/office/powerpoint/2010/main" val="3251269386"/>
+      </p:ext>
+    </p:extLst>
+  </p:cSld>
+  <p:clrMapOvr>
+    <a:masterClrMapping/>
+  </p:clrMapOvr>
+  <p:transition spd="med"/>
+</p:sld>
+</file>
+
+<file path=ppt/slides/slide16.xml><?xml version="1.0" encoding="utf-8"?>
+<p:sld xmlns:a="http://schemas.openxmlformats.org/drawingml/2006/main" xmlns:r="http://schemas.openxmlformats.org/officeDocument/2006/relationships" xmlns:p="http://schemas.openxmlformats.org/presentationml/2006/main">
+  <p:cSld>
+    <p:spTree>
+      <p:nvGrpSpPr>
+        <p:cNvPr id="1" name=""/>
+        <p:cNvGrpSpPr/>
+        <p:nvPr/>
+      </p:nvGrpSpPr>
+      <p:grpSpPr>
+        <a:xfrm>
+          <a:off x="0" y="0"/>
+          <a:ext cx="0" cy="0"/>
+          <a:chOff x="0" y="0"/>
+          <a:chExt cx="0" cy="0"/>
+        </a:xfrm>
+      </p:grpSpPr>
+      <p:sp>
+        <p:nvSpPr>
+          <p:cNvPr id="274" name="Rectangle 12"/>
+          <p:cNvSpPr txBox="1"/>
+          <p:nvPr/>
+        </p:nvSpPr>
+        <p:spPr>
+          <a:xfrm>
+            <a:off x="34290" y="635160"/>
+            <a:ext cx="127001" cy="444180"/>
+          </a:xfrm>
+          <a:prstGeom prst="rect">
+            <a:avLst/>
+          </a:prstGeom>
+          <a:ln w="12700">
+            <a:miter lim="400000"/>
+          </a:ln>
+          <a:extLst>
+            <a:ext uri="{C572A759-6A51-4108-AA02-DFA0A04FC94B}">
+              <ma14:wrappingTextBoxFlag xmlns="" xmlns:m="http://schemas.openxmlformats.org/officeDocument/2006/math" xmlns:a14="http://schemas.microsoft.com/office/drawing/2010/main" xmlns:ma14="http://schemas.microsoft.com/office/mac/drawingml/2011/main" val="1"/>
+            </a:ext>
+          </a:extLst>
+        </p:spPr>
+        <p:txBody>
+          <a:bodyPr wrap="none" lIns="34290" tIns="34290" rIns="34290" bIns="34290" anchor="ctr">
+            <a:spAutoFit/>
+          </a:bodyPr>
+          <a:lstStyle>
+            <a:lvl1pPr defTabSz="685800">
+              <a:defRPr sz="1300">
+                <a:latin typeface="Arial"/>
+                <a:ea typeface="Arial"/>
+                <a:cs typeface="Arial"/>
+                <a:sym typeface="Arial"/>
+              </a:defRPr>
+            </a:lvl1pPr>
+          </a:lstStyle>
+          <a:p>
+            <a:br/>
+            <a:endParaRPr/>
+          </a:p>
+        </p:txBody>
+      </p:sp>
+      <p:sp>
+        <p:nvSpPr>
+          <p:cNvPr id="275" name="PoleTekstowe 11"/>
+          <p:cNvSpPr txBox="1"/>
+          <p:nvPr/>
+        </p:nvSpPr>
+        <p:spPr>
+          <a:xfrm>
+            <a:off x="4959846" y="996108"/>
+            <a:ext cx="1166635" cy="390305"/>
+          </a:xfrm>
+          <a:prstGeom prst="rect">
+            <a:avLst/>
+          </a:prstGeom>
+          <a:ln w="12700">
+            <a:miter lim="400000"/>
+          </a:ln>
+          <a:extLst>
+            <a:ext uri="{C572A759-6A51-4108-AA02-DFA0A04FC94B}">
+              <ma14:wrappingTextBoxFlag xmlns="" xmlns:m="http://schemas.openxmlformats.org/officeDocument/2006/math" xmlns:a14="http://schemas.microsoft.com/office/drawing/2010/main" xmlns:ma14="http://schemas.microsoft.com/office/mac/drawingml/2011/main" val="1"/>
+            </a:ext>
+          </a:extLst>
+        </p:spPr>
+        <p:txBody>
+          <a:bodyPr lIns="45718" tIns="45718" rIns="45718" bIns="45718">
+            <a:spAutoFit/>
+          </a:bodyPr>
+          <a:lstStyle/>
+          <a:p>
+            <a:pPr algn="ctr">
+              <a:defRPr sz="1100">
+                <a:solidFill>
+                  <a:srgbClr val="FFFFFF"/>
+                </a:solidFill>
+                <a:latin typeface="Times New Roman"/>
+                <a:ea typeface="Times New Roman"/>
+                <a:cs typeface="Times New Roman"/>
+                <a:sym typeface="Times New Roman"/>
+              </a:defRPr>
+            </a:pPr>
+            <a:r>
+              <a:t>O projekcie</a:t>
+            </a:r>
+          </a:p>
+          <a:p>
+            <a:pPr algn="ctr">
+              <a:defRPr sz="1100">
+                <a:solidFill>
+                  <a:srgbClr val="FFFFFF"/>
+                </a:solidFill>
+                <a:latin typeface="Times New Roman"/>
+                <a:ea typeface="Times New Roman"/>
+                <a:cs typeface="Times New Roman"/>
+                <a:sym typeface="Times New Roman"/>
+              </a:defRPr>
+            </a:pPr>
+            <a:r>
+              <a:t>R</a:t>
+            </a:r>
+          </a:p>
+        </p:txBody>
+      </p:sp>
+      <p:grpSp>
+        <p:nvGrpSpPr>
+          <p:cNvPr id="278" name="Prostokąt 15"/>
+          <p:cNvGrpSpPr/>
+          <p:nvPr/>
+        </p:nvGrpSpPr>
+        <p:grpSpPr>
+          <a:xfrm>
+            <a:off x="0" y="1498"/>
+            <a:ext cx="9144000" cy="556447"/>
+            <a:chOff x="0" y="-1"/>
+            <a:chExt cx="9144000" cy="556446"/>
+          </a:xfrm>
+        </p:grpSpPr>
+        <p:sp>
+          <p:nvSpPr>
+            <p:cNvPr id="276" name="矩形"/>
+            <p:cNvSpPr/>
+            <p:nvPr/>
+          </p:nvSpPr>
+          <p:spPr>
+            <a:xfrm>
+              <a:off x="0" y="-2"/>
+              <a:ext cx="9144000" cy="556447"/>
+            </a:xfrm>
+            <a:prstGeom prst="rect">
+              <a:avLst/>
+            </a:prstGeom>
+            <a:solidFill>
+              <a:srgbClr val="B5293B"/>
+            </a:solidFill>
+            <a:ln w="12700" cap="flat">
+              <a:noFill/>
+              <a:miter lim="400000"/>
+            </a:ln>
+            <a:effectLst/>
+          </p:spPr>
+          <p:txBody>
+            <a:bodyPr wrap="square" lIns="45718" tIns="45718" rIns="45718" bIns="45718" numCol="1" anchor="ctr">
+              <a:noAutofit/>
+            </a:bodyPr>
+            <a:lstStyle/>
+            <a:p>
+              <a:pPr>
+                <a:defRPr>
+                  <a:solidFill>
+                    <a:srgbClr val="FFFFFF"/>
+                  </a:solidFill>
+                </a:defRPr>
+              </a:pPr>
+              <a:endParaRPr/>
+            </a:p>
+          </p:txBody>
+        </p:sp>
+        <p:sp>
+          <p:nvSpPr>
+            <p:cNvPr id="277" name="文本"/>
+            <p:cNvSpPr txBox="1"/>
+            <p:nvPr/>
+          </p:nvSpPr>
+          <p:spPr>
+            <a:xfrm>
+              <a:off x="45718" y="108130"/>
+              <a:ext cx="9052564" cy="340180"/>
+            </a:xfrm>
+            <a:prstGeom prst="rect">
+              <a:avLst/>
+            </a:prstGeom>
+            <a:noFill/>
+            <a:ln w="12700" cap="flat">
+              <a:noFill/>
+              <a:miter lim="400000"/>
+            </a:ln>
+            <a:effectLst/>
+            <a:extLst>
+              <a:ext uri="{C572A759-6A51-4108-AA02-DFA0A04FC94B}">
+                <ma14:wrappingTextBoxFlag xmlns="" xmlns:m="http://schemas.openxmlformats.org/officeDocument/2006/math" xmlns:a14="http://schemas.microsoft.com/office/drawing/2010/main" xmlns:ma14="http://schemas.microsoft.com/office/mac/drawingml/2011/main" val="1"/>
+              </a:ext>
+            </a:extLst>
+          </p:spPr>
+          <p:txBody>
+            <a:bodyPr wrap="square" lIns="45718" tIns="45718" rIns="45718" bIns="45718" numCol="1" anchor="ctr">
+              <a:spAutoFit/>
+            </a:bodyPr>
+            <a:lstStyle>
+              <a:lvl1pPr>
+                <a:defRPr sz="2000" b="1"/>
+              </a:lvl1pPr>
+            </a:lstStyle>
+            <a:p>
+              <a:r>
+                <a:t> </a:t>
+              </a:r>
+            </a:p>
+          </p:txBody>
+        </p:sp>
+      </p:grpSp>
+      <p:sp>
+        <p:nvSpPr>
+          <p:cNvPr id="279" name="PoleTekstowe 15"/>
+          <p:cNvSpPr txBox="1"/>
+          <p:nvPr/>
+        </p:nvSpPr>
+        <p:spPr>
+          <a:xfrm>
+            <a:off x="7656461" y="124767"/>
+            <a:ext cx="1350092" cy="237904"/>
+          </a:xfrm>
+          <a:prstGeom prst="rect">
+            <a:avLst/>
+          </a:prstGeom>
+          <a:ln w="12700">
+            <a:miter lim="400000"/>
+          </a:ln>
+          <a:extLst>
+            <a:ext uri="{C572A759-6A51-4108-AA02-DFA0A04FC94B}">
+              <ma14:wrappingTextBoxFlag xmlns="" xmlns:m="http://schemas.openxmlformats.org/officeDocument/2006/math" xmlns:a14="http://schemas.microsoft.com/office/drawing/2010/main" xmlns:ma14="http://schemas.microsoft.com/office/mac/drawingml/2011/main" val="1"/>
+            </a:ext>
+          </a:extLst>
+        </p:spPr>
+        <p:txBody>
+          <a:bodyPr lIns="45718" tIns="45718" rIns="45718" bIns="45718">
+            <a:spAutoFit/>
+          </a:bodyPr>
+          <a:lstStyle>
+            <a:lvl1pPr algn="ctr">
+              <a:defRPr sz="1100">
+                <a:solidFill>
+                  <a:srgbClr val="FFFFFF"/>
+                </a:solidFill>
+                <a:latin typeface="Times New Roman"/>
+                <a:ea typeface="Times New Roman"/>
+                <a:cs typeface="Times New Roman"/>
+                <a:sym typeface="Times New Roman"/>
+              </a:defRPr>
+            </a:lvl1pPr>
+          </a:lstStyle>
+          <a:p>
+            <a:r>
+              <a:t>Bibliography</a:t>
+            </a:r>
+          </a:p>
+        </p:txBody>
+      </p:sp>
+      <p:grpSp>
+        <p:nvGrpSpPr>
+          <p:cNvPr id="282" name="Prostokąt 16"/>
+          <p:cNvGrpSpPr/>
+          <p:nvPr/>
+        </p:nvGrpSpPr>
+        <p:grpSpPr>
+          <a:xfrm>
+            <a:off x="0" y="1498"/>
+            <a:ext cx="9144000" cy="556447"/>
+            <a:chOff x="0" y="-1"/>
+            <a:chExt cx="9144000" cy="556446"/>
+          </a:xfrm>
+        </p:grpSpPr>
+        <p:sp>
+          <p:nvSpPr>
+            <p:cNvPr id="280" name="矩形"/>
+            <p:cNvSpPr/>
+            <p:nvPr/>
+          </p:nvSpPr>
+          <p:spPr>
+            <a:xfrm>
+              <a:off x="0" y="-2"/>
+              <a:ext cx="9144000" cy="556447"/>
+            </a:xfrm>
+            <a:prstGeom prst="rect">
+              <a:avLst/>
+            </a:prstGeom>
+            <a:solidFill>
+              <a:srgbClr val="B5293B"/>
+            </a:solidFill>
+            <a:ln w="12700" cap="flat">
+              <a:noFill/>
+              <a:miter lim="400000"/>
+            </a:ln>
+            <a:effectLst/>
+          </p:spPr>
+          <p:txBody>
+            <a:bodyPr wrap="square" lIns="45718" tIns="45718" rIns="45718" bIns="45718" numCol="1" anchor="ctr">
+              <a:noAutofit/>
+            </a:bodyPr>
+            <a:lstStyle/>
+            <a:p>
+              <a:pPr>
+                <a:defRPr>
+                  <a:solidFill>
+                    <a:srgbClr val="FFFFFF"/>
+                  </a:solidFill>
+                </a:defRPr>
+              </a:pPr>
+              <a:endParaRPr/>
+            </a:p>
+          </p:txBody>
+        </p:sp>
+        <p:sp>
+          <p:nvSpPr>
+            <p:cNvPr id="281" name="文本"/>
+            <p:cNvSpPr txBox="1"/>
+            <p:nvPr/>
+          </p:nvSpPr>
+          <p:spPr>
+            <a:xfrm>
+              <a:off x="45718" y="108130"/>
+              <a:ext cx="9052564" cy="340180"/>
+            </a:xfrm>
+            <a:prstGeom prst="rect">
+              <a:avLst/>
+            </a:prstGeom>
+            <a:noFill/>
+            <a:ln w="12700" cap="flat">
+              <a:noFill/>
+              <a:miter lim="400000"/>
+            </a:ln>
+            <a:effectLst/>
+            <a:extLst>
+              <a:ext uri="{C572A759-6A51-4108-AA02-DFA0A04FC94B}">
+                <ma14:wrappingTextBoxFlag xmlns="" xmlns:m="http://schemas.openxmlformats.org/officeDocument/2006/math" xmlns:a14="http://schemas.microsoft.com/office/drawing/2010/main" xmlns:ma14="http://schemas.microsoft.com/office/mac/drawingml/2011/main" val="1"/>
+              </a:ext>
+            </a:extLst>
+          </p:spPr>
+          <p:txBody>
+            <a:bodyPr wrap="square" lIns="45718" tIns="45718" rIns="45718" bIns="45718" numCol="1" anchor="ctr">
+              <a:spAutoFit/>
+            </a:bodyPr>
+            <a:lstStyle>
+              <a:lvl1pPr>
+                <a:defRPr sz="2000" b="1"/>
+              </a:lvl1pPr>
+            </a:lstStyle>
+            <a:p>
+              <a:r>
+                <a:t> </a:t>
+              </a:r>
+            </a:p>
+          </p:txBody>
+        </p:sp>
+      </p:grpSp>
+      <p:sp>
+        <p:nvSpPr>
+          <p:cNvPr id="4" name="pole tekstowe 3">
+            <a:extLst>
+              <a:ext uri="{FF2B5EF4-FFF2-40B4-BE49-F238E27FC236}">
+                <a16:creationId xmlns:a16="http://schemas.microsoft.com/office/drawing/2014/main" id="{F3C476E1-2360-B701-CFC8-E1F6BA19466B}"/>
+              </a:ext>
+            </a:extLst>
+          </p:cNvPr>
+          <p:cNvSpPr txBox="1"/>
+          <p:nvPr/>
+        </p:nvSpPr>
+        <p:spPr>
+          <a:xfrm>
+            <a:off x="261756" y="106467"/>
+            <a:ext cx="8070428" cy="452428"/>
+          </a:xfrm>
+          <a:prstGeom prst="rect">
+            <a:avLst/>
+          </a:prstGeom>
+          <a:ln w="12700">
+            <a:miter lim="400000"/>
+          </a:ln>
+          <a:extLst>
+            <a:ext uri="{C572A759-6A51-4108-AA02-DFA0A04FC94B}">
+              <ma14:wrappingTextBoxFlag xmlns="" xmlns:m="http://schemas.openxmlformats.org/officeDocument/2006/math" xmlns:a14="http://schemas.microsoft.com/office/drawing/2010/main" xmlns:ma14="http://schemas.microsoft.com/office/mac/drawingml/2011/main" val="1"/>
+            </a:ext>
+          </a:extLst>
+        </p:spPr>
+        <p:txBody>
+          <a:bodyPr lIns="45718" tIns="45718" rIns="45718" bIns="45718">
+            <a:spAutoFit/>
+          </a:bodyPr>
+          <a:lstStyle/>
+          <a:p>
+            <a:pPr defTabSz="685800">
+              <a:lnSpc>
+                <a:spcPct val="90000"/>
+              </a:lnSpc>
+              <a:defRPr sz="2600">
+                <a:latin typeface="배달의민족 도현 OTF"/>
+                <a:ea typeface="배달의민족 도현 OTF"/>
+                <a:cs typeface="배달의민족 도현 OTF"/>
+                <a:sym typeface="배달의민족 도현 OTF"/>
+              </a:defRPr>
+            </a:pPr>
+            <a:r>
+              <a:rPr lang="en-US" dirty="0">
+                <a:solidFill>
+                  <a:schemeClr val="bg1"/>
+                </a:solidFill>
+              </a:rPr>
+              <a:t>Future Customer Forecast</a:t>
+            </a:r>
+            <a:endParaRPr dirty="0">
+              <a:solidFill>
+                <a:schemeClr val="bg1"/>
+              </a:solidFill>
+            </a:endParaRPr>
+          </a:p>
+        </p:txBody>
+      </p:sp>
+      <p:pic>
+        <p:nvPicPr>
+          <p:cNvPr id="6" name="图片 5">
+            <a:extLst>
+              <a:ext uri="{FF2B5EF4-FFF2-40B4-BE49-F238E27FC236}">
+                <a16:creationId xmlns:a16="http://schemas.microsoft.com/office/drawing/2014/main" id="{B932544D-3BF1-ABAC-AF9C-91D4DCEEC29C}"/>
+              </a:ext>
+            </a:extLst>
+          </p:cNvPr>
+          <p:cNvPicPr>
+            <a:picLocks noChangeAspect="1"/>
+          </p:cNvPicPr>
+          <p:nvPr/>
+        </p:nvPicPr>
+        <p:blipFill rotWithShape="1">
+          <a:blip r:embed="rId2"/>
+          <a:srcRect b="19115"/>
+          <a:stretch/>
+        </p:blipFill>
+        <p:spPr>
+          <a:xfrm>
+            <a:off x="0" y="1175245"/>
+            <a:ext cx="9144000" cy="3293573"/>
+          </a:xfrm>
+          <a:prstGeom prst="rect">
+            <a:avLst/>
+          </a:prstGeom>
+        </p:spPr>
+      </p:pic>
+      <p:sp>
+        <p:nvSpPr>
+          <p:cNvPr id="7" name="文本框 6">
+            <a:extLst>
+              <a:ext uri="{FF2B5EF4-FFF2-40B4-BE49-F238E27FC236}">
+                <a16:creationId xmlns:a16="http://schemas.microsoft.com/office/drawing/2014/main" id="{FE6A83E9-FB50-5EAE-FAE0-61081E59437E}"/>
+              </a:ext>
+            </a:extLst>
+          </p:cNvPr>
+          <p:cNvSpPr txBox="1"/>
+          <p:nvPr/>
+        </p:nvSpPr>
+        <p:spPr>
+          <a:xfrm>
+            <a:off x="2753051" y="5492560"/>
+            <a:ext cx="3087837" cy="369332"/>
+          </a:xfrm>
+          <a:prstGeom prst="rect">
+            <a:avLst/>
+          </a:prstGeom>
+          <a:noFill/>
+          <a:ln w="12700" cap="flat">
+            <a:noFill/>
+            <a:miter lim="400000"/>
+          </a:ln>
+          <a:effectLst/>
+          <a:sp3d/>
+        </p:spPr>
+        <p:style>
+          <a:lnRef idx="0">
+            <a:scrgbClr r="0" g="0" b="0"/>
+          </a:lnRef>
+          <a:fillRef idx="0">
+            <a:scrgbClr r="0" g="0" b="0"/>
+          </a:fillRef>
+          <a:effectRef idx="0">
+            <a:scrgbClr r="0" g="0" b="0"/>
+          </a:effectRef>
+          <a:fontRef idx="none"/>
+        </p:style>
+        <p:txBody>
+          <a:bodyPr wrap="square">
+            <a:spAutoFit/>
+          </a:bodyPr>
+          <a:lstStyle/>
+          <a:p>
+            <a:pPr algn="l"/>
+            <a:r>
+              <a:rPr lang="en-US" b="0" i="0" dirty="0">
+                <a:solidFill>
+                  <a:srgbClr val="666666"/>
+                </a:solidFill>
+                <a:effectLst/>
+                <a:latin typeface="Arial" panose="020B0604020202020204" pitchFamily="34" charset="0"/>
+              </a:rPr>
+              <a:t>Predict next 30 weeks order</a:t>
+            </a:r>
+          </a:p>
+        </p:txBody>
+      </p:sp>
+    </p:spTree>
+    <p:extLst>
+      <p:ext uri="{BB962C8B-B14F-4D97-AF65-F5344CB8AC3E}">
+        <p14:creationId xmlns:p14="http://schemas.microsoft.com/office/powerpoint/2010/main" val="492890446"/>
+      </p:ext>
+    </p:extLst>
+  </p:cSld>
+  <p:clrMapOvr>
+    <a:masterClrMapping/>
+  </p:clrMapOvr>
+  <p:transition spd="med"/>
+</p:sld>
+</file>
+
+<file path=ppt/slides/slide17.xml><?xml version="1.0" encoding="utf-8"?>
+<p:sld xmlns:a="http://schemas.openxmlformats.org/drawingml/2006/main" xmlns:r="http://schemas.openxmlformats.org/officeDocument/2006/relationships" xmlns:p="http://schemas.openxmlformats.org/presentationml/2006/main">
+  <p:cSld>
+    <p:spTree>
+      <p:nvGrpSpPr>
+        <p:cNvPr id="1" name=""/>
+        <p:cNvGrpSpPr/>
+        <p:nvPr/>
+      </p:nvGrpSpPr>
+      <p:grpSpPr>
+        <a:xfrm>
+          <a:off x="0" y="0"/>
+          <a:ext cx="0" cy="0"/>
+          <a:chOff x="0" y="0"/>
+          <a:chExt cx="0" cy="0"/>
+        </a:xfrm>
+      </p:grpSpPr>
+      <p:sp>
+        <p:nvSpPr>
+          <p:cNvPr id="274" name="Rectangle 12"/>
+          <p:cNvSpPr txBox="1"/>
+          <p:nvPr/>
+        </p:nvSpPr>
+        <p:spPr>
+          <a:xfrm>
+            <a:off x="34290" y="635160"/>
+            <a:ext cx="127001" cy="444180"/>
+          </a:xfrm>
+          <a:prstGeom prst="rect">
+            <a:avLst/>
+          </a:prstGeom>
+          <a:ln w="12700">
+            <a:miter lim="400000"/>
+          </a:ln>
+          <a:extLst>
+            <a:ext uri="{C572A759-6A51-4108-AA02-DFA0A04FC94B}">
+              <ma14:wrappingTextBoxFlag xmlns="" xmlns:m="http://schemas.openxmlformats.org/officeDocument/2006/math" xmlns:a14="http://schemas.microsoft.com/office/drawing/2010/main" xmlns:ma14="http://schemas.microsoft.com/office/mac/drawingml/2011/main" val="1"/>
+            </a:ext>
+          </a:extLst>
+        </p:spPr>
+        <p:txBody>
+          <a:bodyPr wrap="none" lIns="34290" tIns="34290" rIns="34290" bIns="34290" anchor="ctr">
+            <a:spAutoFit/>
+          </a:bodyPr>
+          <a:lstStyle>
+            <a:lvl1pPr defTabSz="685800">
+              <a:defRPr sz="1300">
+                <a:latin typeface="Arial"/>
+                <a:ea typeface="Arial"/>
+                <a:cs typeface="Arial"/>
+                <a:sym typeface="Arial"/>
+              </a:defRPr>
+            </a:lvl1pPr>
+          </a:lstStyle>
+          <a:p>
+            <a:br/>
+            <a:endParaRPr/>
+          </a:p>
+        </p:txBody>
+      </p:sp>
+      <p:sp>
+        <p:nvSpPr>
+          <p:cNvPr id="275" name="PoleTekstowe 11"/>
+          <p:cNvSpPr txBox="1"/>
+          <p:nvPr/>
+        </p:nvSpPr>
+        <p:spPr>
+          <a:xfrm>
+            <a:off x="4959846" y="996108"/>
+            <a:ext cx="1166635" cy="390305"/>
+          </a:xfrm>
+          <a:prstGeom prst="rect">
+            <a:avLst/>
+          </a:prstGeom>
+          <a:ln w="12700">
+            <a:miter lim="400000"/>
+          </a:ln>
+          <a:extLst>
+            <a:ext uri="{C572A759-6A51-4108-AA02-DFA0A04FC94B}">
+              <ma14:wrappingTextBoxFlag xmlns="" xmlns:m="http://schemas.openxmlformats.org/officeDocument/2006/math" xmlns:a14="http://schemas.microsoft.com/office/drawing/2010/main" xmlns:ma14="http://schemas.microsoft.com/office/mac/drawingml/2011/main" val="1"/>
+            </a:ext>
+          </a:extLst>
+        </p:spPr>
+        <p:txBody>
+          <a:bodyPr lIns="45718" tIns="45718" rIns="45718" bIns="45718">
+            <a:spAutoFit/>
+          </a:bodyPr>
+          <a:lstStyle/>
+          <a:p>
+            <a:pPr algn="ctr">
+              <a:defRPr sz="1100">
+                <a:solidFill>
+                  <a:srgbClr val="FFFFFF"/>
+                </a:solidFill>
+                <a:latin typeface="Times New Roman"/>
+                <a:ea typeface="Times New Roman"/>
+                <a:cs typeface="Times New Roman"/>
+                <a:sym typeface="Times New Roman"/>
+              </a:defRPr>
+            </a:pPr>
+            <a:r>
+              <a:t>O projekcie</a:t>
+            </a:r>
+          </a:p>
+          <a:p>
+            <a:pPr algn="ctr">
+              <a:defRPr sz="1100">
+                <a:solidFill>
+                  <a:srgbClr val="FFFFFF"/>
+                </a:solidFill>
+                <a:latin typeface="Times New Roman"/>
+                <a:ea typeface="Times New Roman"/>
+                <a:cs typeface="Times New Roman"/>
+                <a:sym typeface="Times New Roman"/>
+              </a:defRPr>
+            </a:pPr>
+            <a:r>
+              <a:t>R</a:t>
+            </a:r>
+          </a:p>
+        </p:txBody>
+      </p:sp>
+      <p:grpSp>
+        <p:nvGrpSpPr>
+          <p:cNvPr id="278" name="Prostokąt 15"/>
+          <p:cNvGrpSpPr/>
+          <p:nvPr/>
+        </p:nvGrpSpPr>
+        <p:grpSpPr>
+          <a:xfrm>
+            <a:off x="0" y="1498"/>
+            <a:ext cx="9144000" cy="556447"/>
+            <a:chOff x="0" y="-1"/>
+            <a:chExt cx="9144000" cy="556446"/>
+          </a:xfrm>
+        </p:grpSpPr>
+        <p:sp>
+          <p:nvSpPr>
+            <p:cNvPr id="276" name="矩形"/>
+            <p:cNvSpPr/>
+            <p:nvPr/>
+          </p:nvSpPr>
+          <p:spPr>
+            <a:xfrm>
+              <a:off x="0" y="-2"/>
+              <a:ext cx="9144000" cy="556447"/>
+            </a:xfrm>
+            <a:prstGeom prst="rect">
+              <a:avLst/>
+            </a:prstGeom>
+            <a:solidFill>
+              <a:srgbClr val="B5293B"/>
+            </a:solidFill>
+            <a:ln w="12700" cap="flat">
+              <a:noFill/>
+              <a:miter lim="400000"/>
+            </a:ln>
+            <a:effectLst/>
+          </p:spPr>
+          <p:txBody>
+            <a:bodyPr wrap="square" lIns="45718" tIns="45718" rIns="45718" bIns="45718" numCol="1" anchor="ctr">
+              <a:noAutofit/>
+            </a:bodyPr>
+            <a:lstStyle/>
+            <a:p>
+              <a:pPr>
+                <a:defRPr>
+                  <a:solidFill>
+                    <a:srgbClr val="FFFFFF"/>
+                  </a:solidFill>
+                </a:defRPr>
+              </a:pPr>
+              <a:endParaRPr/>
+            </a:p>
+          </p:txBody>
+        </p:sp>
+        <p:sp>
+          <p:nvSpPr>
+            <p:cNvPr id="277" name="文本"/>
+            <p:cNvSpPr txBox="1"/>
+            <p:nvPr/>
+          </p:nvSpPr>
+          <p:spPr>
+            <a:xfrm>
+              <a:off x="45718" y="108130"/>
+              <a:ext cx="9052564" cy="340180"/>
+            </a:xfrm>
+            <a:prstGeom prst="rect">
+              <a:avLst/>
+            </a:prstGeom>
+            <a:noFill/>
+            <a:ln w="12700" cap="flat">
+              <a:noFill/>
+              <a:miter lim="400000"/>
+            </a:ln>
+            <a:effectLst/>
+            <a:extLst>
+              <a:ext uri="{C572A759-6A51-4108-AA02-DFA0A04FC94B}">
+                <ma14:wrappingTextBoxFlag xmlns="" xmlns:m="http://schemas.openxmlformats.org/officeDocument/2006/math" xmlns:a14="http://schemas.microsoft.com/office/drawing/2010/main" xmlns:ma14="http://schemas.microsoft.com/office/mac/drawingml/2011/main" val="1"/>
+              </a:ext>
+            </a:extLst>
+          </p:spPr>
+          <p:txBody>
+            <a:bodyPr wrap="square" lIns="45718" tIns="45718" rIns="45718" bIns="45718" numCol="1" anchor="ctr">
+              <a:spAutoFit/>
+            </a:bodyPr>
+            <a:lstStyle>
+              <a:lvl1pPr>
+                <a:defRPr sz="2000" b="1"/>
+              </a:lvl1pPr>
+            </a:lstStyle>
+            <a:p>
+              <a:r>
+                <a:t> </a:t>
+              </a:r>
+            </a:p>
+          </p:txBody>
+        </p:sp>
+      </p:grpSp>
+      <p:sp>
+        <p:nvSpPr>
+          <p:cNvPr id="279" name="PoleTekstowe 15"/>
+          <p:cNvSpPr txBox="1"/>
+          <p:nvPr/>
+        </p:nvSpPr>
+        <p:spPr>
+          <a:xfrm>
+            <a:off x="7656461" y="124767"/>
+            <a:ext cx="1350092" cy="237904"/>
+          </a:xfrm>
+          <a:prstGeom prst="rect">
+            <a:avLst/>
+          </a:prstGeom>
+          <a:ln w="12700">
+            <a:miter lim="400000"/>
+          </a:ln>
+          <a:extLst>
+            <a:ext uri="{C572A759-6A51-4108-AA02-DFA0A04FC94B}">
+              <ma14:wrappingTextBoxFlag xmlns="" xmlns:m="http://schemas.openxmlformats.org/officeDocument/2006/math" xmlns:a14="http://schemas.microsoft.com/office/drawing/2010/main" xmlns:ma14="http://schemas.microsoft.com/office/mac/drawingml/2011/main" val="1"/>
+            </a:ext>
+          </a:extLst>
+        </p:spPr>
+        <p:txBody>
+          <a:bodyPr lIns="45718" tIns="45718" rIns="45718" bIns="45718">
+            <a:spAutoFit/>
+          </a:bodyPr>
+          <a:lstStyle>
+            <a:lvl1pPr algn="ctr">
+              <a:defRPr sz="1100">
+                <a:solidFill>
+                  <a:srgbClr val="FFFFFF"/>
+                </a:solidFill>
+                <a:latin typeface="Times New Roman"/>
+                <a:ea typeface="Times New Roman"/>
+                <a:cs typeface="Times New Roman"/>
+                <a:sym typeface="Times New Roman"/>
+              </a:defRPr>
+            </a:lvl1pPr>
+          </a:lstStyle>
+          <a:p>
+            <a:r>
+              <a:t>Bibliography</a:t>
+            </a:r>
+          </a:p>
+        </p:txBody>
+      </p:sp>
+      <p:grpSp>
+        <p:nvGrpSpPr>
+          <p:cNvPr id="282" name="Prostokąt 16"/>
+          <p:cNvGrpSpPr/>
+          <p:nvPr/>
+        </p:nvGrpSpPr>
+        <p:grpSpPr>
+          <a:xfrm>
+            <a:off x="0" y="1498"/>
+            <a:ext cx="9144000" cy="556447"/>
+            <a:chOff x="0" y="-1"/>
+            <a:chExt cx="9144000" cy="556446"/>
+          </a:xfrm>
+        </p:grpSpPr>
+        <p:sp>
+          <p:nvSpPr>
+            <p:cNvPr id="280" name="矩形"/>
+            <p:cNvSpPr/>
+            <p:nvPr/>
+          </p:nvSpPr>
+          <p:spPr>
+            <a:xfrm>
+              <a:off x="0" y="-2"/>
+              <a:ext cx="9144000" cy="556447"/>
+            </a:xfrm>
+            <a:prstGeom prst="rect">
+              <a:avLst/>
+            </a:prstGeom>
+            <a:solidFill>
+              <a:srgbClr val="B5293B"/>
+            </a:solidFill>
+            <a:ln w="12700" cap="flat">
+              <a:noFill/>
+              <a:miter lim="400000"/>
+            </a:ln>
+            <a:effectLst/>
+          </p:spPr>
+          <p:txBody>
+            <a:bodyPr wrap="square" lIns="45718" tIns="45718" rIns="45718" bIns="45718" numCol="1" anchor="ctr">
+              <a:noAutofit/>
+            </a:bodyPr>
+            <a:lstStyle/>
+            <a:p>
+              <a:pPr>
+                <a:defRPr>
+                  <a:solidFill>
+                    <a:srgbClr val="FFFFFF"/>
+                  </a:solidFill>
+                </a:defRPr>
+              </a:pPr>
+              <a:endParaRPr/>
+            </a:p>
+          </p:txBody>
+        </p:sp>
+        <p:sp>
+          <p:nvSpPr>
+            <p:cNvPr id="281" name="文本"/>
+            <p:cNvSpPr txBox="1"/>
+            <p:nvPr/>
+          </p:nvSpPr>
+          <p:spPr>
+            <a:xfrm>
+              <a:off x="45718" y="108130"/>
+              <a:ext cx="9052564" cy="340180"/>
+            </a:xfrm>
+            <a:prstGeom prst="rect">
+              <a:avLst/>
+            </a:prstGeom>
+            <a:noFill/>
+            <a:ln w="12700" cap="flat">
+              <a:noFill/>
+              <a:miter lim="400000"/>
+            </a:ln>
+            <a:effectLst/>
+            <a:extLst>
+              <a:ext uri="{C572A759-6A51-4108-AA02-DFA0A04FC94B}">
+                <ma14:wrappingTextBoxFlag xmlns="" xmlns:m="http://schemas.openxmlformats.org/officeDocument/2006/math" xmlns:a14="http://schemas.microsoft.com/office/drawing/2010/main" xmlns:ma14="http://schemas.microsoft.com/office/mac/drawingml/2011/main" val="1"/>
+              </a:ext>
+            </a:extLst>
+          </p:spPr>
+          <p:txBody>
+            <a:bodyPr wrap="square" lIns="45718" tIns="45718" rIns="45718" bIns="45718" numCol="1" anchor="ctr">
+              <a:spAutoFit/>
+            </a:bodyPr>
+            <a:lstStyle>
+              <a:lvl1pPr>
+                <a:defRPr sz="2000" b="1"/>
+              </a:lvl1pPr>
+            </a:lstStyle>
+            <a:p>
+              <a:r>
+                <a:t> </a:t>
+              </a:r>
+            </a:p>
+          </p:txBody>
+        </p:sp>
+      </p:grpSp>
+      <p:sp>
+        <p:nvSpPr>
+          <p:cNvPr id="4" name="pole tekstowe 3">
+            <a:extLst>
+              <a:ext uri="{FF2B5EF4-FFF2-40B4-BE49-F238E27FC236}">
+                <a16:creationId xmlns:a16="http://schemas.microsoft.com/office/drawing/2014/main" id="{F3C476E1-2360-B701-CFC8-E1F6BA19466B}"/>
+              </a:ext>
+            </a:extLst>
+          </p:cNvPr>
+          <p:cNvSpPr txBox="1"/>
+          <p:nvPr/>
+        </p:nvSpPr>
+        <p:spPr>
+          <a:xfrm>
+            <a:off x="261756" y="106467"/>
+            <a:ext cx="8070428" cy="452428"/>
+          </a:xfrm>
+          <a:prstGeom prst="rect">
+            <a:avLst/>
+          </a:prstGeom>
+          <a:ln w="12700">
+            <a:miter lim="400000"/>
+          </a:ln>
+          <a:extLst>
+            <a:ext uri="{C572A759-6A51-4108-AA02-DFA0A04FC94B}">
+              <ma14:wrappingTextBoxFlag xmlns="" xmlns:m="http://schemas.openxmlformats.org/officeDocument/2006/math" xmlns:a14="http://schemas.microsoft.com/office/drawing/2010/main" xmlns:ma14="http://schemas.microsoft.com/office/mac/drawingml/2011/main" val="1"/>
             </a:ext>
           </a:extLst>
         </p:spPr>
@@ -4194,7 +8646,7 @@
             <a:effectLst/>
             <a:extLst>
               <a:ext uri="{C572A759-6A51-4108-AA02-DFA0A04FC94B}">
-                <ma14:wrappingTextBoxFlag xmlns:ma14="http://schemas.microsoft.com/office/mac/drawingml/2011/main" xmlns:a14="http://schemas.microsoft.com/office/drawing/2010/main" xmlns:m="http://schemas.openxmlformats.org/officeDocument/2006/math" xmlns="" val="1"/>
+                <ma14:wrappingTextBoxFlag xmlns="" xmlns:m="http://schemas.openxmlformats.org/officeDocument/2006/math" xmlns:a14="http://schemas.microsoft.com/office/drawing/2010/main" xmlns:ma14="http://schemas.microsoft.com/office/mac/drawingml/2011/main" val="1"/>
               </a:ext>
             </a:extLst>
           </p:spPr>
@@ -4261,7 +8713,7 @@
           </a:ln>
           <a:extLst>
             <a:ext uri="{C572A759-6A51-4108-AA02-DFA0A04FC94B}">
-              <ma14:wrappingTextBoxFlag xmlns:ma14="http://schemas.microsoft.com/office/mac/drawingml/2011/main" xmlns:a14="http://schemas.microsoft.com/office/drawing/2010/main" xmlns:m="http://schemas.openxmlformats.org/officeDocument/2006/math" xmlns="" val="1"/>
+              <ma14:wrappingTextBoxFlag xmlns="" xmlns:m="http://schemas.openxmlformats.org/officeDocument/2006/math" xmlns:a14="http://schemas.microsoft.com/office/drawing/2010/main" xmlns:ma14="http://schemas.microsoft.com/office/mac/drawingml/2011/main" val="1"/>
             </a:ext>
           </a:extLst>
         </p:spPr>
@@ -4407,7 +8859,7 @@
           </a:ln>
           <a:extLst>
             <a:ext uri="{C572A759-6A51-4108-AA02-DFA0A04FC94B}">
-              <ma14:wrappingTextBoxFlag xmlns:ma14="http://schemas.microsoft.com/office/mac/drawingml/2011/main" xmlns:a14="http://schemas.microsoft.com/office/drawing/2010/main" xmlns:m="http://schemas.openxmlformats.org/officeDocument/2006/math" xmlns="" val="1"/>
+              <ma14:wrappingTextBoxFlag xmlns="" xmlns:m="http://schemas.openxmlformats.org/officeDocument/2006/math" xmlns:a14="http://schemas.microsoft.com/office/drawing/2010/main" xmlns:ma14="http://schemas.microsoft.com/office/mac/drawingml/2011/main" val="1"/>
             </a:ext>
           </a:extLst>
         </p:spPr>
@@ -4450,7 +8902,7 @@
           </a:ln>
           <a:extLst>
             <a:ext uri="{C572A759-6A51-4108-AA02-DFA0A04FC94B}">
-              <ma14:wrappingTextBoxFlag xmlns:ma14="http://schemas.microsoft.com/office/mac/drawingml/2011/main" xmlns:a14="http://schemas.microsoft.com/office/drawing/2010/main" xmlns:m="http://schemas.openxmlformats.org/officeDocument/2006/math" xmlns="" val="1"/>
+              <ma14:wrappingTextBoxFlag xmlns="" xmlns:m="http://schemas.openxmlformats.org/officeDocument/2006/math" xmlns:a14="http://schemas.microsoft.com/office/drawing/2010/main" xmlns:ma14="http://schemas.microsoft.com/office/mac/drawingml/2011/main" val="1"/>
             </a:ext>
           </a:extLst>
         </p:spPr>
@@ -4569,7 +9021,7 @@
             <a:effectLst/>
             <a:extLst>
               <a:ext uri="{C572A759-6A51-4108-AA02-DFA0A04FC94B}">
-                <ma14:wrappingTextBoxFlag xmlns:ma14="http://schemas.microsoft.com/office/mac/drawingml/2011/main" xmlns:a14="http://schemas.microsoft.com/office/drawing/2010/main" xmlns:m="http://schemas.openxmlformats.org/officeDocument/2006/math" xmlns="" val="1"/>
+                <ma14:wrappingTextBoxFlag xmlns="" xmlns:m="http://schemas.openxmlformats.org/officeDocument/2006/math" xmlns:a14="http://schemas.microsoft.com/office/drawing/2010/main" xmlns:ma14="http://schemas.microsoft.com/office/mac/drawingml/2011/main" val="1"/>
               </a:ext>
             </a:extLst>
           </p:spPr>
@@ -4609,7 +9061,7 @@
           </a:ln>
           <a:extLst>
             <a:ext uri="{C572A759-6A51-4108-AA02-DFA0A04FC94B}">
-              <ma14:wrappingTextBoxFlag xmlns:ma14="http://schemas.microsoft.com/office/mac/drawingml/2011/main" xmlns:a14="http://schemas.microsoft.com/office/drawing/2010/main" xmlns:m="http://schemas.openxmlformats.org/officeDocument/2006/math" xmlns="" val="1"/>
+              <ma14:wrappingTextBoxFlag xmlns="" xmlns:m="http://schemas.openxmlformats.org/officeDocument/2006/math" xmlns:a14="http://schemas.microsoft.com/office/drawing/2010/main" xmlns:ma14="http://schemas.microsoft.com/office/mac/drawingml/2011/main" val="1"/>
             </a:ext>
           </a:extLst>
         </p:spPr>
@@ -4713,7 +9165,7 @@
             <a:effectLst/>
             <a:extLst>
               <a:ext uri="{C572A759-6A51-4108-AA02-DFA0A04FC94B}">
-                <ma14:wrappingTextBoxFlag xmlns:ma14="http://schemas.microsoft.com/office/mac/drawingml/2011/main" xmlns:a14="http://schemas.microsoft.com/office/drawing/2010/main" xmlns:m="http://schemas.openxmlformats.org/officeDocument/2006/math" xmlns="" val="1"/>
+                <ma14:wrappingTextBoxFlag xmlns="" xmlns:m="http://schemas.openxmlformats.org/officeDocument/2006/math" xmlns:a14="http://schemas.microsoft.com/office/drawing/2010/main" xmlns:ma14="http://schemas.microsoft.com/office/mac/drawingml/2011/main" val="1"/>
               </a:ext>
             </a:extLst>
           </p:spPr>
@@ -4790,7 +9242,7 @@
           </a:ln>
           <a:extLst>
             <a:ext uri="{C572A759-6A51-4108-AA02-DFA0A04FC94B}">
-              <ma14:wrappingTextBoxFlag xmlns:ma14="http://schemas.microsoft.com/office/mac/drawingml/2011/main" xmlns:a14="http://schemas.microsoft.com/office/drawing/2010/main" xmlns:m="http://schemas.openxmlformats.org/officeDocument/2006/math" xmlns="" val="1"/>
+              <ma14:wrappingTextBoxFlag xmlns="" xmlns:m="http://schemas.openxmlformats.org/officeDocument/2006/math" xmlns:a14="http://schemas.microsoft.com/office/drawing/2010/main" xmlns:ma14="http://schemas.microsoft.com/office/mac/drawingml/2011/main" val="1"/>
             </a:ext>
           </a:extLst>
         </p:spPr>
@@ -4885,7 +9337,7 @@
           </a:ln>
           <a:extLst>
             <a:ext uri="{C572A759-6A51-4108-AA02-DFA0A04FC94B}">
-              <ma14:wrappingTextBoxFlag xmlns:ma14="http://schemas.microsoft.com/office/mac/drawingml/2011/main" xmlns:a14="http://schemas.microsoft.com/office/drawing/2010/main" xmlns:m="http://schemas.openxmlformats.org/officeDocument/2006/math" xmlns="" val="1"/>
+              <ma14:wrappingTextBoxFlag xmlns="" xmlns:m="http://schemas.openxmlformats.org/officeDocument/2006/math" xmlns:a14="http://schemas.microsoft.com/office/drawing/2010/main" xmlns:ma14="http://schemas.microsoft.com/office/mac/drawingml/2011/main" val="1"/>
             </a:ext>
           </a:extLst>
         </p:spPr>
@@ -4928,7 +9380,7 @@
           </a:ln>
           <a:extLst>
             <a:ext uri="{C572A759-6A51-4108-AA02-DFA0A04FC94B}">
-              <ma14:wrappingTextBoxFlag xmlns:ma14="http://schemas.microsoft.com/office/mac/drawingml/2011/main" xmlns:a14="http://schemas.microsoft.com/office/drawing/2010/main" xmlns:m="http://schemas.openxmlformats.org/officeDocument/2006/math" xmlns="" val="1"/>
+              <ma14:wrappingTextBoxFlag xmlns="" xmlns:m="http://schemas.openxmlformats.org/officeDocument/2006/math" xmlns:a14="http://schemas.microsoft.com/office/drawing/2010/main" xmlns:ma14="http://schemas.microsoft.com/office/mac/drawingml/2011/main" val="1"/>
             </a:ext>
           </a:extLst>
         </p:spPr>
@@ -5047,7 +9499,7 @@
             <a:effectLst/>
             <a:extLst>
               <a:ext uri="{C572A759-6A51-4108-AA02-DFA0A04FC94B}">
-                <ma14:wrappingTextBoxFlag xmlns:ma14="http://schemas.microsoft.com/office/mac/drawingml/2011/main" xmlns:a14="http://schemas.microsoft.com/office/drawing/2010/main" xmlns:m="http://schemas.openxmlformats.org/officeDocument/2006/math" xmlns="" val="1"/>
+                <ma14:wrappingTextBoxFlag xmlns="" xmlns:m="http://schemas.openxmlformats.org/officeDocument/2006/math" xmlns:a14="http://schemas.microsoft.com/office/drawing/2010/main" xmlns:ma14="http://schemas.microsoft.com/office/mac/drawingml/2011/main" val="1"/>
               </a:ext>
             </a:extLst>
           </p:spPr>
@@ -5087,7 +9539,7 @@
           </a:ln>
           <a:extLst>
             <a:ext uri="{C572A759-6A51-4108-AA02-DFA0A04FC94B}">
-              <ma14:wrappingTextBoxFlag xmlns:ma14="http://schemas.microsoft.com/office/mac/drawingml/2011/main" xmlns:a14="http://schemas.microsoft.com/office/drawing/2010/main" xmlns:m="http://schemas.openxmlformats.org/officeDocument/2006/math" xmlns="" val="1"/>
+              <ma14:wrappingTextBoxFlag xmlns="" xmlns:m="http://schemas.openxmlformats.org/officeDocument/2006/math" xmlns:a14="http://schemas.microsoft.com/office/drawing/2010/main" xmlns:ma14="http://schemas.microsoft.com/office/mac/drawingml/2011/main" val="1"/>
             </a:ext>
           </a:extLst>
         </p:spPr>
@@ -5191,7 +9643,7 @@
             <a:effectLst/>
             <a:extLst>
               <a:ext uri="{C572A759-6A51-4108-AA02-DFA0A04FC94B}">
-                <ma14:wrappingTextBoxFlag xmlns:ma14="http://schemas.microsoft.com/office/mac/drawingml/2011/main" xmlns:a14="http://schemas.microsoft.com/office/drawing/2010/main" xmlns:m="http://schemas.openxmlformats.org/officeDocument/2006/math" xmlns="" val="1"/>
+                <ma14:wrappingTextBoxFlag xmlns="" xmlns:m="http://schemas.openxmlformats.org/officeDocument/2006/math" xmlns:a14="http://schemas.microsoft.com/office/drawing/2010/main" xmlns:ma14="http://schemas.microsoft.com/office/mac/drawingml/2011/main" val="1"/>
               </a:ext>
             </a:extLst>
           </p:spPr>
@@ -5237,7 +9689,7 @@
           </a:ln>
           <a:extLst>
             <a:ext uri="{C572A759-6A51-4108-AA02-DFA0A04FC94B}">
-              <ma14:wrappingTextBoxFlag xmlns:ma14="http://schemas.microsoft.com/office/mac/drawingml/2011/main" xmlns:a14="http://schemas.microsoft.com/office/drawing/2010/main" xmlns:m="http://schemas.openxmlformats.org/officeDocument/2006/math" xmlns="" val="1"/>
+              <ma14:wrappingTextBoxFlag xmlns="" xmlns:m="http://schemas.openxmlformats.org/officeDocument/2006/math" xmlns:a14="http://schemas.microsoft.com/office/drawing/2010/main" xmlns:ma14="http://schemas.microsoft.com/office/mac/drawingml/2011/main" val="1"/>
             </a:ext>
           </a:extLst>
         </p:spPr>
@@ -5362,7 +9814,7 @@
           </a:ln>
           <a:extLst>
             <a:ext uri="{C572A759-6A51-4108-AA02-DFA0A04FC94B}">
-              <ma14:wrappingTextBoxFlag xmlns:ma14="http://schemas.microsoft.com/office/mac/drawingml/2011/main" xmlns:a14="http://schemas.microsoft.com/office/drawing/2010/main" xmlns:m="http://schemas.openxmlformats.org/officeDocument/2006/math" xmlns="" val="1"/>
+              <ma14:wrappingTextBoxFlag xmlns="" xmlns:m="http://schemas.openxmlformats.org/officeDocument/2006/math" xmlns:a14="http://schemas.microsoft.com/office/drawing/2010/main" xmlns:ma14="http://schemas.microsoft.com/office/mac/drawingml/2011/main" val="1"/>
             </a:ext>
           </a:extLst>
         </p:spPr>
@@ -5405,7 +9857,7 @@
           </a:ln>
           <a:extLst>
             <a:ext uri="{C572A759-6A51-4108-AA02-DFA0A04FC94B}">
-              <ma14:wrappingTextBoxFlag xmlns:ma14="http://schemas.microsoft.com/office/mac/drawingml/2011/main" xmlns:a14="http://schemas.microsoft.com/office/drawing/2010/main" xmlns:m="http://schemas.openxmlformats.org/officeDocument/2006/math" xmlns="" val="1"/>
+              <ma14:wrappingTextBoxFlag xmlns="" xmlns:m="http://schemas.openxmlformats.org/officeDocument/2006/math" xmlns:a14="http://schemas.microsoft.com/office/drawing/2010/main" xmlns:ma14="http://schemas.microsoft.com/office/mac/drawingml/2011/main" val="1"/>
             </a:ext>
           </a:extLst>
         </p:spPr>
@@ -5524,7 +9976,7 @@
             <a:effectLst/>
             <a:extLst>
               <a:ext uri="{C572A759-6A51-4108-AA02-DFA0A04FC94B}">
-                <ma14:wrappingTextBoxFlag xmlns:ma14="http://schemas.microsoft.com/office/mac/drawingml/2011/main" xmlns:a14="http://schemas.microsoft.com/office/drawing/2010/main" xmlns:m="http://schemas.openxmlformats.org/officeDocument/2006/math" xmlns="" val="1"/>
+                <ma14:wrappingTextBoxFlag xmlns="" xmlns:m="http://schemas.openxmlformats.org/officeDocument/2006/math" xmlns:a14="http://schemas.microsoft.com/office/drawing/2010/main" xmlns:ma14="http://schemas.microsoft.com/office/mac/drawingml/2011/main" val="1"/>
               </a:ext>
             </a:extLst>
           </p:spPr>
@@ -5564,7 +10016,7 @@
           </a:ln>
           <a:extLst>
             <a:ext uri="{C572A759-6A51-4108-AA02-DFA0A04FC94B}">
-              <ma14:wrappingTextBoxFlag xmlns:ma14="http://schemas.microsoft.com/office/mac/drawingml/2011/main" xmlns:a14="http://schemas.microsoft.com/office/drawing/2010/main" xmlns:m="http://schemas.openxmlformats.org/officeDocument/2006/math" xmlns="" val="1"/>
+              <ma14:wrappingTextBoxFlag xmlns="" xmlns:m="http://schemas.openxmlformats.org/officeDocument/2006/math" xmlns:a14="http://schemas.microsoft.com/office/drawing/2010/main" xmlns:ma14="http://schemas.microsoft.com/office/mac/drawingml/2011/main" val="1"/>
             </a:ext>
           </a:extLst>
         </p:spPr>
@@ -5668,7 +10120,7 @@
             <a:effectLst/>
             <a:extLst>
               <a:ext uri="{C572A759-6A51-4108-AA02-DFA0A04FC94B}">
-                <ma14:wrappingTextBoxFlag xmlns:ma14="http://schemas.microsoft.com/office/mac/drawingml/2011/main" xmlns:a14="http://schemas.microsoft.com/office/drawing/2010/main" xmlns:m="http://schemas.openxmlformats.org/officeDocument/2006/math" xmlns="" val="1"/>
+                <ma14:wrappingTextBoxFlag xmlns="" xmlns:m="http://schemas.openxmlformats.org/officeDocument/2006/math" xmlns:a14="http://schemas.microsoft.com/office/drawing/2010/main" xmlns:ma14="http://schemas.microsoft.com/office/mac/drawingml/2011/main" val="1"/>
               </a:ext>
             </a:extLst>
           </p:spPr>
@@ -5714,7 +10166,7 @@
           </a:ln>
           <a:extLst>
             <a:ext uri="{C572A759-6A51-4108-AA02-DFA0A04FC94B}">
-              <ma14:wrappingTextBoxFlag xmlns:ma14="http://schemas.microsoft.com/office/mac/drawingml/2011/main" xmlns:a14="http://schemas.microsoft.com/office/drawing/2010/main" xmlns:m="http://schemas.openxmlformats.org/officeDocument/2006/math" xmlns="" val="1"/>
+              <ma14:wrappingTextBoxFlag xmlns="" xmlns:m="http://schemas.openxmlformats.org/officeDocument/2006/math" xmlns:a14="http://schemas.microsoft.com/office/drawing/2010/main" xmlns:ma14="http://schemas.microsoft.com/office/mac/drawingml/2011/main" val="1"/>
             </a:ext>
           </a:extLst>
         </p:spPr>
@@ -5776,7 +10228,7 @@
           </a:ln>
           <a:extLst>
             <a:ext uri="{C572A759-6A51-4108-AA02-DFA0A04FC94B}">
-              <ma14:wrappingTextBoxFlag xmlns:ma14="http://schemas.microsoft.com/office/mac/drawingml/2011/main" xmlns:a14="http://schemas.microsoft.com/office/drawing/2010/main" xmlns:m="http://schemas.openxmlformats.org/officeDocument/2006/math" xmlns="" val="1"/>
+              <ma14:wrappingTextBoxFlag xmlns="" xmlns:m="http://schemas.openxmlformats.org/officeDocument/2006/math" xmlns:a14="http://schemas.microsoft.com/office/drawing/2010/main" xmlns:ma14="http://schemas.microsoft.com/office/mac/drawingml/2011/main" val="1"/>
             </a:ext>
           </a:extLst>
         </p:spPr>
@@ -5872,7 +10324,7 @@
           </a:ln>
           <a:extLst>
             <a:ext uri="{C572A759-6A51-4108-AA02-DFA0A04FC94B}">
-              <ma14:wrappingTextBoxFlag xmlns:ma14="http://schemas.microsoft.com/office/mac/drawingml/2011/main" xmlns:a14="http://schemas.microsoft.com/office/drawing/2010/main" xmlns:m="http://schemas.openxmlformats.org/officeDocument/2006/math" xmlns="" val="1"/>
+              <ma14:wrappingTextBoxFlag xmlns="" xmlns:m="http://schemas.openxmlformats.org/officeDocument/2006/math" xmlns:a14="http://schemas.microsoft.com/office/drawing/2010/main" xmlns:ma14="http://schemas.microsoft.com/office/mac/drawingml/2011/main" val="1"/>
             </a:ext>
           </a:extLst>
         </p:spPr>
@@ -5989,7 +10441,7 @@
           </a:ln>
           <a:extLst>
             <a:ext uri="{C572A759-6A51-4108-AA02-DFA0A04FC94B}">
-              <ma14:wrappingTextBoxFlag xmlns:ma14="http://schemas.microsoft.com/office/mac/drawingml/2011/main" xmlns:a14="http://schemas.microsoft.com/office/drawing/2010/main" xmlns:m="http://schemas.openxmlformats.org/officeDocument/2006/math" xmlns="" val="1"/>
+              <ma14:wrappingTextBoxFlag xmlns="" xmlns:m="http://schemas.openxmlformats.org/officeDocument/2006/math" xmlns:a14="http://schemas.microsoft.com/office/drawing/2010/main" xmlns:ma14="http://schemas.microsoft.com/office/mac/drawingml/2011/main" val="1"/>
             </a:ext>
           </a:extLst>
         </p:spPr>
@@ -6032,7 +10484,7 @@
           </a:ln>
           <a:extLst>
             <a:ext uri="{C572A759-6A51-4108-AA02-DFA0A04FC94B}">
-              <ma14:wrappingTextBoxFlag xmlns:ma14="http://schemas.microsoft.com/office/mac/drawingml/2011/main" xmlns:a14="http://schemas.microsoft.com/office/drawing/2010/main" xmlns:m="http://schemas.openxmlformats.org/officeDocument/2006/math" xmlns="" val="1"/>
+              <ma14:wrappingTextBoxFlag xmlns="" xmlns:m="http://schemas.openxmlformats.org/officeDocument/2006/math" xmlns:a14="http://schemas.microsoft.com/office/drawing/2010/main" xmlns:ma14="http://schemas.microsoft.com/office/mac/drawingml/2011/main" val="1"/>
             </a:ext>
           </a:extLst>
         </p:spPr>
@@ -6151,7 +10603,7 @@
             <a:effectLst/>
             <a:extLst>
               <a:ext uri="{C572A759-6A51-4108-AA02-DFA0A04FC94B}">
-                <ma14:wrappingTextBoxFlag xmlns:ma14="http://schemas.microsoft.com/office/mac/drawingml/2011/main" xmlns:a14="http://schemas.microsoft.com/office/drawing/2010/main" xmlns:m="http://schemas.openxmlformats.org/officeDocument/2006/math" xmlns="" val="1"/>
+                <ma14:wrappingTextBoxFlag xmlns="" xmlns:m="http://schemas.openxmlformats.org/officeDocument/2006/math" xmlns:a14="http://schemas.microsoft.com/office/drawing/2010/main" xmlns:ma14="http://schemas.microsoft.com/office/mac/drawingml/2011/main" val="1"/>
               </a:ext>
             </a:extLst>
           </p:spPr>
@@ -6191,7 +10643,7 @@
           </a:ln>
           <a:extLst>
             <a:ext uri="{C572A759-6A51-4108-AA02-DFA0A04FC94B}">
-              <ma14:wrappingTextBoxFlag xmlns:ma14="http://schemas.microsoft.com/office/mac/drawingml/2011/main" xmlns:a14="http://schemas.microsoft.com/office/drawing/2010/main" xmlns:m="http://schemas.openxmlformats.org/officeDocument/2006/math" xmlns="" val="1"/>
+              <ma14:wrappingTextBoxFlag xmlns="" xmlns:m="http://schemas.openxmlformats.org/officeDocument/2006/math" xmlns:a14="http://schemas.microsoft.com/office/drawing/2010/main" xmlns:ma14="http://schemas.microsoft.com/office/mac/drawingml/2011/main" val="1"/>
             </a:ext>
           </a:extLst>
         </p:spPr>
@@ -6295,7 +10747,7 @@
             <a:effectLst/>
             <a:extLst>
               <a:ext uri="{C572A759-6A51-4108-AA02-DFA0A04FC94B}">
-                <ma14:wrappingTextBoxFlag xmlns:ma14="http://schemas.microsoft.com/office/mac/drawingml/2011/main" xmlns:a14="http://schemas.microsoft.com/office/drawing/2010/main" xmlns:m="http://schemas.openxmlformats.org/officeDocument/2006/math" xmlns="" val="1"/>
+                <ma14:wrappingTextBoxFlag xmlns="" xmlns:m="http://schemas.openxmlformats.org/officeDocument/2006/math" xmlns:a14="http://schemas.microsoft.com/office/drawing/2010/main" xmlns:ma14="http://schemas.microsoft.com/office/mac/drawingml/2011/main" val="1"/>
               </a:ext>
             </a:extLst>
           </p:spPr>
@@ -6341,7 +10793,7 @@
           </a:ln>
           <a:extLst>
             <a:ext uri="{C572A759-6A51-4108-AA02-DFA0A04FC94B}">
-              <ma14:wrappingTextBoxFlag xmlns:ma14="http://schemas.microsoft.com/office/mac/drawingml/2011/main" xmlns:a14="http://schemas.microsoft.com/office/drawing/2010/main" xmlns:m="http://schemas.openxmlformats.org/officeDocument/2006/math" xmlns="" val="1"/>
+              <ma14:wrappingTextBoxFlag xmlns="" xmlns:m="http://schemas.openxmlformats.org/officeDocument/2006/math" xmlns:a14="http://schemas.microsoft.com/office/drawing/2010/main" xmlns:ma14="http://schemas.microsoft.com/office/mac/drawingml/2011/main" val="1"/>
             </a:ext>
           </a:extLst>
         </p:spPr>
@@ -6403,7 +10855,7 @@
           </a:ln>
           <a:extLst>
             <a:ext uri="{C572A759-6A51-4108-AA02-DFA0A04FC94B}">
-              <ma14:wrappingTextBoxFlag xmlns:ma14="http://schemas.microsoft.com/office/mac/drawingml/2011/main" xmlns:a14="http://schemas.microsoft.com/office/drawing/2010/main" xmlns:m="http://schemas.openxmlformats.org/officeDocument/2006/math" xmlns="" val="1"/>
+              <ma14:wrappingTextBoxFlag xmlns="" xmlns:m="http://schemas.openxmlformats.org/officeDocument/2006/math" xmlns:a14="http://schemas.microsoft.com/office/drawing/2010/main" xmlns:ma14="http://schemas.microsoft.com/office/mac/drawingml/2011/main" val="1"/>
             </a:ext>
           </a:extLst>
         </p:spPr>
@@ -6499,7 +10951,7 @@
           </a:ln>
           <a:extLst>
             <a:ext uri="{C572A759-6A51-4108-AA02-DFA0A04FC94B}">
-              <ma14:wrappingTextBoxFlag xmlns:ma14="http://schemas.microsoft.com/office/mac/drawingml/2011/main" xmlns:a14="http://schemas.microsoft.com/office/drawing/2010/main" xmlns:m="http://schemas.openxmlformats.org/officeDocument/2006/math" xmlns="" val="1"/>
+              <ma14:wrappingTextBoxFlag xmlns="" xmlns:m="http://schemas.openxmlformats.org/officeDocument/2006/math" xmlns:a14="http://schemas.microsoft.com/office/drawing/2010/main" xmlns:ma14="http://schemas.microsoft.com/office/mac/drawingml/2011/main" val="1"/>
             </a:ext>
           </a:extLst>
         </p:spPr>
@@ -6616,7 +11068,7 @@
           </a:ln>
           <a:extLst>
             <a:ext uri="{C572A759-6A51-4108-AA02-DFA0A04FC94B}">
-              <ma14:wrappingTextBoxFlag xmlns:ma14="http://schemas.microsoft.com/office/mac/drawingml/2011/main" xmlns:a14="http://schemas.microsoft.com/office/drawing/2010/main" xmlns:m="http://schemas.openxmlformats.org/officeDocument/2006/math" xmlns="" val="1"/>
+              <ma14:wrappingTextBoxFlag xmlns="" xmlns:m="http://schemas.openxmlformats.org/officeDocument/2006/math" xmlns:a14="http://schemas.microsoft.com/office/drawing/2010/main" xmlns:ma14="http://schemas.microsoft.com/office/mac/drawingml/2011/main" val="1"/>
             </a:ext>
           </a:extLst>
         </p:spPr>
@@ -6659,7 +11111,7 @@
           </a:ln>
           <a:extLst>
             <a:ext uri="{C572A759-6A51-4108-AA02-DFA0A04FC94B}">
-              <ma14:wrappingTextBoxFlag xmlns:ma14="http://schemas.microsoft.com/office/mac/drawingml/2011/main" xmlns:a14="http://schemas.microsoft.com/office/drawing/2010/main" xmlns:m="http://schemas.openxmlformats.org/officeDocument/2006/math" xmlns="" val="1"/>
+              <ma14:wrappingTextBoxFlag xmlns="" xmlns:m="http://schemas.openxmlformats.org/officeDocument/2006/math" xmlns:a14="http://schemas.microsoft.com/office/drawing/2010/main" xmlns:ma14="http://schemas.microsoft.com/office/mac/drawingml/2011/main" val="1"/>
             </a:ext>
           </a:extLst>
         </p:spPr>
@@ -6778,7 +11230,7 @@
             <a:effectLst/>
             <a:extLst>
               <a:ext uri="{C572A759-6A51-4108-AA02-DFA0A04FC94B}">
-                <ma14:wrappingTextBoxFlag xmlns:ma14="http://schemas.microsoft.com/office/mac/drawingml/2011/main" xmlns:a14="http://schemas.microsoft.com/office/drawing/2010/main" xmlns:m="http://schemas.openxmlformats.org/officeDocument/2006/math" xmlns="" val="1"/>
+                <ma14:wrappingTextBoxFlag xmlns="" xmlns:m="http://schemas.openxmlformats.org/officeDocument/2006/math" xmlns:a14="http://schemas.microsoft.com/office/drawing/2010/main" xmlns:ma14="http://schemas.microsoft.com/office/mac/drawingml/2011/main" val="1"/>
               </a:ext>
             </a:extLst>
           </p:spPr>
@@ -6818,7 +11270,7 @@
           </a:ln>
           <a:extLst>
             <a:ext uri="{C572A759-6A51-4108-AA02-DFA0A04FC94B}">
-              <ma14:wrappingTextBoxFlag xmlns:ma14="http://schemas.microsoft.com/office/mac/drawingml/2011/main" xmlns:a14="http://schemas.microsoft.com/office/drawing/2010/main" xmlns:m="http://schemas.openxmlformats.org/officeDocument/2006/math" xmlns="" val="1"/>
+              <ma14:wrappingTextBoxFlag xmlns="" xmlns:m="http://schemas.openxmlformats.org/officeDocument/2006/math" xmlns:a14="http://schemas.microsoft.com/office/drawing/2010/main" xmlns:ma14="http://schemas.microsoft.com/office/mac/drawingml/2011/main" val="1"/>
             </a:ext>
           </a:extLst>
         </p:spPr>
@@ -6922,7 +11374,7 @@
             <a:effectLst/>
             <a:extLst>
               <a:ext uri="{C572A759-6A51-4108-AA02-DFA0A04FC94B}">
-                <ma14:wrappingTextBoxFlag xmlns:ma14="http://schemas.microsoft.com/office/mac/drawingml/2011/main" xmlns:a14="http://schemas.microsoft.com/office/drawing/2010/main" xmlns:m="http://schemas.openxmlformats.org/officeDocument/2006/math" xmlns="" val="1"/>
+                <ma14:wrappingTextBoxFlag xmlns="" xmlns:m="http://schemas.openxmlformats.org/officeDocument/2006/math" xmlns:a14="http://schemas.microsoft.com/office/drawing/2010/main" xmlns:ma14="http://schemas.microsoft.com/office/mac/drawingml/2011/main" val="1"/>
               </a:ext>
             </a:extLst>
           </p:spPr>
@@ -6968,7 +11420,7 @@
           </a:ln>
           <a:extLst>
             <a:ext uri="{C572A759-6A51-4108-AA02-DFA0A04FC94B}">
-              <ma14:wrappingTextBoxFlag xmlns:ma14="http://schemas.microsoft.com/office/mac/drawingml/2011/main" xmlns:a14="http://schemas.microsoft.com/office/drawing/2010/main" xmlns:m="http://schemas.openxmlformats.org/officeDocument/2006/math" xmlns="" val="1"/>
+              <ma14:wrappingTextBoxFlag xmlns="" xmlns:m="http://schemas.openxmlformats.org/officeDocument/2006/math" xmlns:a14="http://schemas.microsoft.com/office/drawing/2010/main" xmlns:ma14="http://schemas.microsoft.com/office/mac/drawingml/2011/main" val="1"/>
             </a:ext>
           </a:extLst>
         </p:spPr>
@@ -7227,7 +11679,7 @@
           </a:ln>
           <a:extLst>
             <a:ext uri="{C572A759-6A51-4108-AA02-DFA0A04FC94B}">
-              <ma14:wrappingTextBoxFlag xmlns:ma14="http://schemas.microsoft.com/office/mac/drawingml/2011/main" xmlns:a14="http://schemas.microsoft.com/office/drawing/2010/main" xmlns:m="http://schemas.openxmlformats.org/officeDocument/2006/math" xmlns="" val="1"/>
+              <ma14:wrappingTextBoxFlag xmlns="" xmlns:m="http://schemas.openxmlformats.org/officeDocument/2006/math" xmlns:a14="http://schemas.microsoft.com/office/drawing/2010/main" xmlns:ma14="http://schemas.microsoft.com/office/mac/drawingml/2011/main" val="1"/>
             </a:ext>
           </a:extLst>
         </p:spPr>
@@ -7270,7 +11722,7 @@
           </a:ln>
           <a:extLst>
             <a:ext uri="{C572A759-6A51-4108-AA02-DFA0A04FC94B}">
-              <ma14:wrappingTextBoxFlag xmlns:ma14="http://schemas.microsoft.com/office/mac/drawingml/2011/main" xmlns:a14="http://schemas.microsoft.com/office/drawing/2010/main" xmlns:m="http://schemas.openxmlformats.org/officeDocument/2006/math" xmlns="" val="1"/>
+              <ma14:wrappingTextBoxFlag xmlns="" xmlns:m="http://schemas.openxmlformats.org/officeDocument/2006/math" xmlns:a14="http://schemas.microsoft.com/office/drawing/2010/main" xmlns:ma14="http://schemas.microsoft.com/office/mac/drawingml/2011/main" val="1"/>
             </a:ext>
           </a:extLst>
         </p:spPr>
@@ -7389,7 +11841,7 @@
             <a:effectLst/>
             <a:extLst>
               <a:ext uri="{C572A759-6A51-4108-AA02-DFA0A04FC94B}">
-                <ma14:wrappingTextBoxFlag xmlns:ma14="http://schemas.microsoft.com/office/mac/drawingml/2011/main" xmlns:a14="http://schemas.microsoft.com/office/drawing/2010/main" xmlns:m="http://schemas.openxmlformats.org/officeDocument/2006/math" xmlns="" val="1"/>
+                <ma14:wrappingTextBoxFlag xmlns="" xmlns:m="http://schemas.openxmlformats.org/officeDocument/2006/math" xmlns:a14="http://schemas.microsoft.com/office/drawing/2010/main" xmlns:ma14="http://schemas.microsoft.com/office/mac/drawingml/2011/main" val="1"/>
               </a:ext>
             </a:extLst>
           </p:spPr>
@@ -7429,7 +11881,7 @@
           </a:ln>
           <a:extLst>
             <a:ext uri="{C572A759-6A51-4108-AA02-DFA0A04FC94B}">
-              <ma14:wrappingTextBoxFlag xmlns:ma14="http://schemas.microsoft.com/office/mac/drawingml/2011/main" xmlns:a14="http://schemas.microsoft.com/office/drawing/2010/main" xmlns:m="http://schemas.openxmlformats.org/officeDocument/2006/math" xmlns="" val="1"/>
+              <ma14:wrappingTextBoxFlag xmlns="" xmlns:m="http://schemas.openxmlformats.org/officeDocument/2006/math" xmlns:a14="http://schemas.microsoft.com/office/drawing/2010/main" xmlns:ma14="http://schemas.microsoft.com/office/mac/drawingml/2011/main" val="1"/>
             </a:ext>
           </a:extLst>
         </p:spPr>
@@ -7533,7 +11985,7 @@
             <a:effectLst/>
             <a:extLst>
               <a:ext uri="{C572A759-6A51-4108-AA02-DFA0A04FC94B}">
-                <ma14:wrappingTextBoxFlag xmlns:ma14="http://schemas.microsoft.com/office/mac/drawingml/2011/main" xmlns:a14="http://schemas.microsoft.com/office/drawing/2010/main" xmlns:m="http://schemas.openxmlformats.org/officeDocument/2006/math" xmlns="" val="1"/>
+                <ma14:wrappingTextBoxFlag xmlns="" xmlns:m="http://schemas.openxmlformats.org/officeDocument/2006/math" xmlns:a14="http://schemas.microsoft.com/office/drawing/2010/main" xmlns:ma14="http://schemas.microsoft.com/office/mac/drawingml/2011/main" val="1"/>
               </a:ext>
             </a:extLst>
           </p:spPr>
@@ -7579,7 +12031,7 @@
           </a:ln>
           <a:extLst>
             <a:ext uri="{C572A759-6A51-4108-AA02-DFA0A04FC94B}">
-              <ma14:wrappingTextBoxFlag xmlns:ma14="http://schemas.microsoft.com/office/mac/drawingml/2011/main" xmlns:a14="http://schemas.microsoft.com/office/drawing/2010/main" xmlns:m="http://schemas.openxmlformats.org/officeDocument/2006/math" xmlns="" val="1"/>
+              <ma14:wrappingTextBoxFlag xmlns="" xmlns:m="http://schemas.openxmlformats.org/officeDocument/2006/math" xmlns:a14="http://schemas.microsoft.com/office/drawing/2010/main" xmlns:ma14="http://schemas.microsoft.com/office/mac/drawingml/2011/main" val="1"/>
             </a:ext>
           </a:extLst>
         </p:spPr>
@@ -7678,6 +12130,100 @@
       </p:grpSpPr>
       <p:sp>
         <p:nvSpPr>
+          <p:cNvPr id="10" name="矩形: 圆角 9">
+            <a:extLst>
+              <a:ext uri="{FF2B5EF4-FFF2-40B4-BE49-F238E27FC236}">
+                <a16:creationId xmlns:a16="http://schemas.microsoft.com/office/drawing/2014/main" id="{DEC09F42-EFA0-5F1D-0A32-361A528E4029}"/>
+              </a:ext>
+            </a:extLst>
+          </p:cNvPr>
+          <p:cNvSpPr/>
+          <p:nvPr/>
+        </p:nvSpPr>
+        <p:spPr>
+          <a:xfrm>
+            <a:off x="536809" y="1386414"/>
+            <a:ext cx="8469744" cy="4930780"/>
+          </a:xfrm>
+          <a:prstGeom prst="roundRect">
+            <a:avLst/>
+          </a:prstGeom>
+          <a:solidFill>
+            <a:schemeClr val="bg1">
+              <a:lumMod val="95000"/>
+            </a:schemeClr>
+          </a:solidFill>
+          <a:ln w="25400" cap="flat">
+            <a:noFill/>
+            <a:prstDash val="solid"/>
+            <a:round/>
+          </a:ln>
+          <a:effectLst/>
+          <a:scene3d>
+            <a:camera prst="orthographicFront">
+              <a:rot lat="0" lon="0" rev="0"/>
+            </a:camera>
+            <a:lightRig rig="chilly" dir="t">
+              <a:rot lat="0" lon="0" rev="18480000"/>
+            </a:lightRig>
+          </a:scene3d>
+          <a:sp3d prstMaterial="clear">
+            <a:bevelT h="63500"/>
+          </a:sp3d>
+        </p:spPr>
+        <p:style>
+          <a:lnRef idx="0">
+            <a:scrgbClr r="0" g="0" b="0"/>
+          </a:lnRef>
+          <a:fillRef idx="0">
+            <a:scrgbClr r="0" g="0" b="0"/>
+          </a:fillRef>
+          <a:effectRef idx="0">
+            <a:scrgbClr r="0" g="0" b="0"/>
+          </a:effectRef>
+          <a:fontRef idx="none"/>
+        </p:style>
+        <p:txBody>
+          <a:bodyPr rot="0" spcFirstLastPara="1" vertOverflow="overflow" horzOverflow="overflow" vert="horz" wrap="square" lIns="45718" tIns="45718" rIns="45718" bIns="45718" numCol="1" spcCol="38100" rtlCol="0" anchor="ctr">
+            <a:spAutoFit/>
+          </a:bodyPr>
+          <a:lstStyle/>
+          <a:p>
+            <a:pPr marL="0" marR="0" indent="0" algn="l" defTabSz="914400" rtl="0" fontAlgn="auto" latinLnBrk="0" hangingPunct="0">
+              <a:lnSpc>
+                <a:spcPct val="100000"/>
+              </a:lnSpc>
+              <a:spcBef>
+                <a:spcPts val="0"/>
+              </a:spcBef>
+              <a:spcAft>
+                <a:spcPts val="0"/>
+              </a:spcAft>
+              <a:buClrTx/>
+              <a:buSzTx/>
+              <a:buFontTx/>
+              <a:buNone/>
+              <a:tabLst/>
+            </a:pPr>
+            <a:endParaRPr kumimoji="0" lang="en-US" sz="1800" b="0" i="0" u="none" strike="noStrike" cap="none" spc="0" normalizeH="0" baseline="0">
+              <a:ln>
+                <a:noFill/>
+              </a:ln>
+              <a:solidFill>
+                <a:srgbClr val="000000"/>
+              </a:solidFill>
+              <a:effectLst/>
+              <a:uFillTx/>
+              <a:latin typeface="+mj-lt"/>
+              <a:ea typeface="+mj-ea"/>
+              <a:cs typeface="+mj-cs"/>
+              <a:sym typeface="Calibri"/>
+            </a:endParaRPr>
+          </a:p>
+        </p:txBody>
+      </p:sp>
+      <p:sp>
+        <p:nvSpPr>
           <p:cNvPr id="274" name="Rectangle 12"/>
           <p:cNvSpPr txBox="1"/>
           <p:nvPr/>
@@ -7695,7 +12241,7 @@
           </a:ln>
           <a:extLst>
             <a:ext uri="{C572A759-6A51-4108-AA02-DFA0A04FC94B}">
-              <ma14:wrappingTextBoxFlag xmlns:ma14="http://schemas.microsoft.com/office/mac/drawingml/2011/main" xmlns:a14="http://schemas.microsoft.com/office/drawing/2010/main" xmlns:m="http://schemas.openxmlformats.org/officeDocument/2006/math" xmlns="" val="1"/>
+              <ma14:wrappingTextBoxFlag xmlns="" xmlns:m="http://schemas.openxmlformats.org/officeDocument/2006/math" xmlns:a14="http://schemas.microsoft.com/office/drawing/2010/main" xmlns:ma14="http://schemas.microsoft.com/office/mac/drawingml/2011/main" val="1"/>
             </a:ext>
           </a:extLst>
         </p:spPr>
@@ -7738,7 +12284,7 @@
           </a:ln>
           <a:extLst>
             <a:ext uri="{C572A759-6A51-4108-AA02-DFA0A04FC94B}">
-              <ma14:wrappingTextBoxFlag xmlns:ma14="http://schemas.microsoft.com/office/mac/drawingml/2011/main" xmlns:a14="http://schemas.microsoft.com/office/drawing/2010/main" xmlns:m="http://schemas.openxmlformats.org/officeDocument/2006/math" xmlns="" val="1"/>
+              <ma14:wrappingTextBoxFlag xmlns="" xmlns:m="http://schemas.openxmlformats.org/officeDocument/2006/math" xmlns:a14="http://schemas.microsoft.com/office/drawing/2010/main" xmlns:ma14="http://schemas.microsoft.com/office/mac/drawingml/2011/main" val="1"/>
             </a:ext>
           </a:extLst>
         </p:spPr>
@@ -7857,7 +12403,7 @@
             <a:effectLst/>
             <a:extLst>
               <a:ext uri="{C572A759-6A51-4108-AA02-DFA0A04FC94B}">
-                <ma14:wrappingTextBoxFlag xmlns:ma14="http://schemas.microsoft.com/office/mac/drawingml/2011/main" xmlns:a14="http://schemas.microsoft.com/office/drawing/2010/main" xmlns:m="http://schemas.openxmlformats.org/officeDocument/2006/math" xmlns="" val="1"/>
+                <ma14:wrappingTextBoxFlag xmlns="" xmlns:m="http://schemas.openxmlformats.org/officeDocument/2006/math" xmlns:a14="http://schemas.microsoft.com/office/drawing/2010/main" xmlns:ma14="http://schemas.microsoft.com/office/mac/drawingml/2011/main" val="1"/>
               </a:ext>
             </a:extLst>
           </p:spPr>
@@ -7897,7 +12443,7 @@
           </a:ln>
           <a:extLst>
             <a:ext uri="{C572A759-6A51-4108-AA02-DFA0A04FC94B}">
-              <ma14:wrappingTextBoxFlag xmlns:ma14="http://schemas.microsoft.com/office/mac/drawingml/2011/main" xmlns:a14="http://schemas.microsoft.com/office/drawing/2010/main" xmlns:m="http://schemas.openxmlformats.org/officeDocument/2006/math" xmlns="" val="1"/>
+              <ma14:wrappingTextBoxFlag xmlns="" xmlns:m="http://schemas.openxmlformats.org/officeDocument/2006/math" xmlns:a14="http://schemas.microsoft.com/office/drawing/2010/main" xmlns:ma14="http://schemas.microsoft.com/office/mac/drawingml/2011/main" val="1"/>
             </a:ext>
           </a:extLst>
         </p:spPr>
@@ -8001,7 +12547,7 @@
             <a:effectLst/>
             <a:extLst>
               <a:ext uri="{C572A759-6A51-4108-AA02-DFA0A04FC94B}">
-                <ma14:wrappingTextBoxFlag xmlns:ma14="http://schemas.microsoft.com/office/mac/drawingml/2011/main" xmlns:a14="http://schemas.microsoft.com/office/drawing/2010/main" xmlns:m="http://schemas.openxmlformats.org/officeDocument/2006/math" xmlns="" val="1"/>
+                <ma14:wrappingTextBoxFlag xmlns="" xmlns:m="http://schemas.openxmlformats.org/officeDocument/2006/math" xmlns:a14="http://schemas.microsoft.com/office/drawing/2010/main" xmlns:ma14="http://schemas.microsoft.com/office/mac/drawingml/2011/main" val="1"/>
               </a:ext>
             </a:extLst>
           </p:spPr>
@@ -8047,7 +12593,7 @@
           </a:ln>
           <a:extLst>
             <a:ext uri="{C572A759-6A51-4108-AA02-DFA0A04FC94B}">
-              <ma14:wrappingTextBoxFlag xmlns:ma14="http://schemas.microsoft.com/office/mac/drawingml/2011/main" xmlns:a14="http://schemas.microsoft.com/office/drawing/2010/main" xmlns:m="http://schemas.openxmlformats.org/officeDocument/2006/math" xmlns="" val="1"/>
+              <ma14:wrappingTextBoxFlag xmlns="" xmlns:m="http://schemas.openxmlformats.org/officeDocument/2006/math" xmlns:a14="http://schemas.microsoft.com/office/drawing/2010/main" xmlns:ma14="http://schemas.microsoft.com/office/mac/drawingml/2011/main" val="1"/>
             </a:ext>
           </a:extLst>
         </p:spPr>
@@ -8086,38 +12632,956 @@
       </p:sp>
       <p:pic>
         <p:nvPicPr>
-          <p:cNvPr id="3" name="图片 2">
+          <p:cNvPr id="1026" name="Picture 2">
             <a:extLst>
               <a:ext uri="{FF2B5EF4-FFF2-40B4-BE49-F238E27FC236}">
-                <a16:creationId xmlns:a16="http://schemas.microsoft.com/office/drawing/2014/main" id="{E2339430-AD69-2CD0-595E-4581E2B58ADE}"/>
+                <a16:creationId xmlns:a16="http://schemas.microsoft.com/office/drawing/2014/main" id="{9A088802-FB8D-92AC-B28C-8610665B77CF}"/>
               </a:ext>
             </a:extLst>
           </p:cNvPr>
           <p:cNvPicPr>
-            <a:picLocks noChangeAspect="1"/>
+            <a:picLocks noChangeAspect="1" noChangeArrowheads="1"/>
           </p:cNvPicPr>
           <p:nvPr/>
         </p:nvPicPr>
         <p:blipFill>
-          <a:blip r:embed="rId2"/>
+          <a:blip r:embed="rId2">
+            <a:extLst>
+              <a:ext uri="{28A0092B-C50C-407E-A947-70E740481C1C}">
+                <a14:useLocalDpi xmlns:a14="http://schemas.microsoft.com/office/drawing/2010/main" val="0"/>
+              </a:ext>
+            </a:extLst>
+          </a:blip>
+          <a:srcRect/>
           <a:stretch>
             <a:fillRect/>
           </a:stretch>
         </p:blipFill>
-        <p:spPr>
+        <p:spPr bwMode="auto">
           <a:xfrm>
-            <a:off x="0" y="647796"/>
-            <a:ext cx="9144000" cy="5562408"/>
+            <a:off x="152090" y="940692"/>
+            <a:ext cx="2749700" cy="3243383"/>
           </a:xfrm>
           <a:prstGeom prst="rect">
             <a:avLst/>
           </a:prstGeom>
+          <a:ln>
+            <a:noFill/>
+          </a:ln>
+          <a:effectLst>
+            <a:outerShdw blurRad="292100" dist="139700" dir="2700000" algn="tl" rotWithShape="0">
+              <a:srgbClr val="333333">
+                <a:alpha val="65000"/>
+              </a:srgbClr>
+            </a:outerShdw>
+          </a:effectLst>
+          <a:extLst>
+            <a:ext uri="{909E8E84-426E-40DD-AFC4-6F175D3DCCD1}">
+              <a14:hiddenFill xmlns:a14="http://schemas.microsoft.com/office/drawing/2010/main">
+                <a:solidFill>
+                  <a:srgbClr val="FFFFFF"/>
+                </a:solidFill>
+              </a14:hiddenFill>
+            </a:ext>
+          </a:extLst>
         </p:spPr>
       </p:pic>
+      <p:sp>
+        <p:nvSpPr>
+          <p:cNvPr id="7" name="Rectangle 5">
+            <a:extLst>
+              <a:ext uri="{FF2B5EF4-FFF2-40B4-BE49-F238E27FC236}">
+                <a16:creationId xmlns:a16="http://schemas.microsoft.com/office/drawing/2014/main" id="{40429B54-C745-FA81-7567-DFDC7985F90C}"/>
+              </a:ext>
+            </a:extLst>
+          </p:cNvPr>
+          <p:cNvSpPr>
+            <a:spLocks noChangeArrowheads="1"/>
+          </p:cNvSpPr>
+          <p:nvPr/>
+        </p:nvSpPr>
+        <p:spPr bwMode="auto">
+          <a:xfrm>
+            <a:off x="3094182" y="1932156"/>
+            <a:ext cx="7342909" cy="3539430"/>
+          </a:xfrm>
+          <a:prstGeom prst="rect">
+            <a:avLst/>
+          </a:prstGeom>
+          <a:noFill/>
+          <a:ln>
+            <a:noFill/>
+          </a:ln>
+          <a:effectLst/>
+          <a:extLst>
+            <a:ext uri="{909E8E84-426E-40DD-AFC4-6F175D3DCCD1}">
+              <a14:hiddenFill xmlns:a14="http://schemas.microsoft.com/office/drawing/2010/main">
+                <a:solidFill>
+                  <a:schemeClr val="accent1"/>
+                </a:solidFill>
+              </a14:hiddenFill>
+            </a:ext>
+            <a:ext uri="{91240B29-F687-4F45-9708-019B960494DF}">
+              <a14:hiddenLine xmlns:a14="http://schemas.microsoft.com/office/drawing/2010/main" w="9525">
+                <a:solidFill>
+                  <a:schemeClr val="tx1"/>
+                </a:solidFill>
+                <a:miter lim="800000"/>
+                <a:headEnd/>
+                <a:tailEnd/>
+              </a14:hiddenLine>
+            </a:ext>
+            <a:ext uri="{AF507438-7753-43E0-B8FC-AC1667EBCBE1}">
+              <a14:hiddenEffects xmlns:a14="http://schemas.microsoft.com/office/drawing/2010/main">
+                <a:effectLst>
+                  <a:outerShdw dist="35921" dir="2700000" algn="ctr" rotWithShape="0">
+                    <a:schemeClr val="bg2"/>
+                  </a:outerShdw>
+                </a:effectLst>
+              </a14:hiddenEffects>
+            </a:ext>
+          </a:extLst>
+        </p:spPr>
+        <p:txBody>
+          <a:bodyPr vert="horz" wrap="square" lIns="91440" tIns="45720" rIns="91440" bIns="45720" numCol="1" anchor="ctr" anchorCtr="0" compatLnSpc="1">
+            <a:prstTxWarp prst="textNoShape">
+              <a:avLst/>
+            </a:prstTxWarp>
+            <a:spAutoFit/>
+          </a:bodyPr>
+          <a:lstStyle/>
+          <a:p>
+            <a:pPr marL="0" marR="0" lvl="0" indent="0" algn="l" defTabSz="914400" rtl="0" eaLnBrk="0" fontAlgn="base" latinLnBrk="0" hangingPunct="0">
+              <a:lnSpc>
+                <a:spcPct val="100000"/>
+              </a:lnSpc>
+              <a:spcBef>
+                <a:spcPct val="0"/>
+              </a:spcBef>
+              <a:spcAft>
+                <a:spcPct val="0"/>
+              </a:spcAft>
+              <a:buClrTx/>
+              <a:buSzTx/>
+              <a:buFontTx/>
+              <a:buNone/>
+              <a:tabLst/>
+            </a:pPr>
+            <a:r>
+              <a:rPr kumimoji="0" lang="en-US" altLang="en-US" sz="1600" b="0" i="0" u="none" strike="noStrike" cap="none" normalizeH="0" baseline="0" dirty="0" err="1">
+                <a:ln>
+                  <a:noFill/>
+                </a:ln>
+                <a:solidFill>
+                  <a:schemeClr val="tx1"/>
+                </a:solidFill>
+                <a:effectLst/>
+                <a:latin typeface="Arial" panose="020B0604020202020204" pitchFamily="34" charset="0"/>
+                <a:cs typeface="Arial" panose="020B0604020202020204" pitchFamily="34" charset="0"/>
+              </a:rPr>
+              <a:t>shinyWidgets</a:t>
+            </a:r>
+            <a:r>
+              <a:rPr kumimoji="0" lang="en-US" altLang="en-US" sz="1600" b="0" i="0" u="none" strike="noStrike" cap="none" normalizeH="0" baseline="0" dirty="0">
+                <a:ln>
+                  <a:noFill/>
+                </a:ln>
+                <a:solidFill>
+                  <a:schemeClr val="tx1"/>
+                </a:solidFill>
+                <a:effectLst/>
+                <a:latin typeface="Arial" panose="020B0604020202020204" pitchFamily="34" charset="0"/>
+                <a:cs typeface="Arial" panose="020B0604020202020204" pitchFamily="34" charset="0"/>
+              </a:rPr>
+              <a:t>::</a:t>
+            </a:r>
+            <a:r>
+              <a:rPr kumimoji="0" lang="en-US" altLang="en-US" sz="1600" b="0" i="0" u="none" strike="noStrike" cap="none" normalizeH="0" baseline="0" dirty="0" err="1">
+                <a:ln>
+                  <a:noFill/>
+                </a:ln>
+                <a:solidFill>
+                  <a:schemeClr val="tx1"/>
+                </a:solidFill>
+                <a:effectLst/>
+                <a:latin typeface="Arial" panose="020B0604020202020204" pitchFamily="34" charset="0"/>
+                <a:cs typeface="Arial" panose="020B0604020202020204" pitchFamily="34" charset="0"/>
+              </a:rPr>
+              <a:t>airDatepickerInput</a:t>
+            </a:r>
+            <a:r>
+              <a:rPr kumimoji="0" lang="en-US" altLang="en-US" sz="1600" b="0" i="0" u="none" strike="noStrike" cap="none" normalizeH="0" baseline="0" dirty="0">
+                <a:ln>
+                  <a:noFill/>
+                </a:ln>
+                <a:solidFill>
+                  <a:schemeClr val="tx1"/>
+                </a:solidFill>
+                <a:effectLst/>
+                <a:latin typeface="Arial" panose="020B0604020202020204" pitchFamily="34" charset="0"/>
+                <a:cs typeface="Arial" panose="020B0604020202020204" pitchFamily="34" charset="0"/>
+              </a:rPr>
+              <a:t>(</a:t>
+            </a:r>
+          </a:p>
+          <a:p>
+            <a:pPr marL="0" marR="0" lvl="0" indent="0" algn="l" defTabSz="914400" rtl="0" eaLnBrk="0" fontAlgn="base" latinLnBrk="0" hangingPunct="0">
+              <a:lnSpc>
+                <a:spcPct val="100000"/>
+              </a:lnSpc>
+              <a:spcBef>
+                <a:spcPct val="0"/>
+              </a:spcBef>
+              <a:spcAft>
+                <a:spcPct val="0"/>
+              </a:spcAft>
+              <a:buClrTx/>
+              <a:buSzTx/>
+              <a:buFontTx/>
+              <a:buNone/>
+              <a:tabLst/>
+            </a:pPr>
+            <a:r>
+              <a:rPr kumimoji="0" lang="en-US" altLang="en-US" sz="1600" b="0" i="0" u="none" strike="noStrike" cap="none" normalizeH="0" baseline="0" dirty="0">
+                <a:ln>
+                  <a:noFill/>
+                </a:ln>
+                <a:solidFill>
+                  <a:schemeClr val="tx1"/>
+                </a:solidFill>
+                <a:effectLst/>
+                <a:latin typeface="Arial" panose="020B0604020202020204" pitchFamily="34" charset="0"/>
+                <a:cs typeface="Arial" panose="020B0604020202020204" pitchFamily="34" charset="0"/>
+              </a:rPr>
+              <a:t>              </a:t>
+            </a:r>
+            <a:r>
+              <a:rPr kumimoji="0" lang="en-US" altLang="en-US" sz="1600" b="0" i="0" u="none" strike="noStrike" cap="none" normalizeH="0" baseline="0" dirty="0" err="1">
+                <a:ln>
+                  <a:noFill/>
+                </a:ln>
+                <a:solidFill>
+                  <a:schemeClr val="tx1"/>
+                </a:solidFill>
+                <a:effectLst/>
+                <a:latin typeface="Arial" panose="020B0604020202020204" pitchFamily="34" charset="0"/>
+                <a:cs typeface="Arial" panose="020B0604020202020204" pitchFamily="34" charset="0"/>
+              </a:rPr>
+              <a:t>inputId</a:t>
+            </a:r>
+            <a:r>
+              <a:rPr kumimoji="0" lang="en-US" altLang="en-US" sz="1600" b="0" i="0" u="none" strike="noStrike" cap="none" normalizeH="0" baseline="0" dirty="0">
+                <a:ln>
+                  <a:noFill/>
+                </a:ln>
+                <a:solidFill>
+                  <a:schemeClr val="tx1"/>
+                </a:solidFill>
+                <a:effectLst/>
+                <a:latin typeface="Arial" panose="020B0604020202020204" pitchFamily="34" charset="0"/>
+                <a:cs typeface="Arial" panose="020B0604020202020204" pitchFamily="34" charset="0"/>
+              </a:rPr>
+              <a:t> = "</a:t>
+            </a:r>
+            <a:r>
+              <a:rPr kumimoji="0" lang="en-US" altLang="en-US" sz="1600" b="0" i="0" u="none" strike="noStrike" cap="none" normalizeH="0" baseline="0" dirty="0" err="1">
+                <a:ln>
+                  <a:noFill/>
+                </a:ln>
+                <a:solidFill>
+                  <a:schemeClr val="tx1"/>
+                </a:solidFill>
+                <a:effectLst/>
+                <a:latin typeface="Arial" panose="020B0604020202020204" pitchFamily="34" charset="0"/>
+                <a:cs typeface="Arial" panose="020B0604020202020204" pitchFamily="34" charset="0"/>
+              </a:rPr>
+              <a:t>date_range</a:t>
+            </a:r>
+            <a:r>
+              <a:rPr kumimoji="0" lang="en-US" altLang="en-US" sz="1600" b="0" i="0" u="none" strike="noStrike" cap="none" normalizeH="0" baseline="0" dirty="0">
+                <a:ln>
+                  <a:noFill/>
+                </a:ln>
+                <a:solidFill>
+                  <a:schemeClr val="tx1"/>
+                </a:solidFill>
+                <a:effectLst/>
+                <a:latin typeface="Arial" panose="020B0604020202020204" pitchFamily="34" charset="0"/>
+                <a:cs typeface="Arial" panose="020B0604020202020204" pitchFamily="34" charset="0"/>
+              </a:rPr>
+              <a:t>",</a:t>
+            </a:r>
+          </a:p>
+          <a:p>
+            <a:pPr marL="0" marR="0" lvl="0" indent="0" algn="l" defTabSz="914400" rtl="0" eaLnBrk="0" fontAlgn="base" latinLnBrk="0" hangingPunct="0">
+              <a:lnSpc>
+                <a:spcPct val="100000"/>
+              </a:lnSpc>
+              <a:spcBef>
+                <a:spcPct val="0"/>
+              </a:spcBef>
+              <a:spcAft>
+                <a:spcPct val="0"/>
+              </a:spcAft>
+              <a:buClrTx/>
+              <a:buSzTx/>
+              <a:buFontTx/>
+              <a:buNone/>
+              <a:tabLst/>
+            </a:pPr>
+            <a:r>
+              <a:rPr kumimoji="0" lang="en-US" altLang="en-US" sz="1600" b="0" i="0" u="none" strike="noStrike" cap="none" normalizeH="0" baseline="0" dirty="0">
+                <a:ln>
+                  <a:noFill/>
+                </a:ln>
+                <a:solidFill>
+                  <a:schemeClr val="tx1"/>
+                </a:solidFill>
+                <a:effectLst/>
+                <a:latin typeface="Arial" panose="020B0604020202020204" pitchFamily="34" charset="0"/>
+                <a:cs typeface="Arial" panose="020B0604020202020204" pitchFamily="34" charset="0"/>
+              </a:rPr>
+              <a:t>              label = h4("Date"),</a:t>
+            </a:r>
+          </a:p>
+          <a:p>
+            <a:pPr marL="0" marR="0" lvl="0" indent="0" algn="l" defTabSz="914400" rtl="0" eaLnBrk="0" fontAlgn="base" latinLnBrk="0" hangingPunct="0">
+              <a:lnSpc>
+                <a:spcPct val="100000"/>
+              </a:lnSpc>
+              <a:spcBef>
+                <a:spcPct val="0"/>
+              </a:spcBef>
+              <a:spcAft>
+                <a:spcPct val="0"/>
+              </a:spcAft>
+              <a:buClrTx/>
+              <a:buSzTx/>
+              <a:buFontTx/>
+              <a:buNone/>
+              <a:tabLst/>
+            </a:pPr>
+            <a:r>
+              <a:rPr kumimoji="0" lang="en-US" altLang="en-US" sz="1600" b="0" i="0" u="none" strike="noStrike" cap="none" normalizeH="0" baseline="0" dirty="0">
+                <a:ln>
+                  <a:noFill/>
+                </a:ln>
+                <a:solidFill>
+                  <a:schemeClr val="tx1"/>
+                </a:solidFill>
+                <a:effectLst/>
+                <a:latin typeface="Arial" panose="020B0604020202020204" pitchFamily="34" charset="0"/>
+                <a:cs typeface="Arial" panose="020B0604020202020204" pitchFamily="34" charset="0"/>
+              </a:rPr>
+              <a:t>              value = c(min(</a:t>
+            </a:r>
+            <a:r>
+              <a:rPr kumimoji="0" lang="en-US" altLang="en-US" sz="1600" b="0" i="0" u="none" strike="noStrike" cap="none" normalizeH="0" baseline="0" dirty="0" err="1">
+                <a:ln>
+                  <a:noFill/>
+                </a:ln>
+                <a:solidFill>
+                  <a:schemeClr val="tx1"/>
+                </a:solidFill>
+                <a:effectLst/>
+                <a:latin typeface="Arial" panose="020B0604020202020204" pitchFamily="34" charset="0"/>
+                <a:cs typeface="Arial" panose="020B0604020202020204" pitchFamily="34" charset="0"/>
+              </a:rPr>
+              <a:t>processed_data_tbl$ORDERDATE</a:t>
+            </a:r>
+            <a:r>
+              <a:rPr kumimoji="0" lang="en-US" altLang="en-US" sz="1600" b="0" i="0" u="none" strike="noStrike" cap="none" normalizeH="0" baseline="0" dirty="0">
+                <a:ln>
+                  <a:noFill/>
+                </a:ln>
+                <a:solidFill>
+                  <a:schemeClr val="tx1"/>
+                </a:solidFill>
+                <a:effectLst/>
+                <a:latin typeface="Arial" panose="020B0604020202020204" pitchFamily="34" charset="0"/>
+                <a:cs typeface="Arial" panose="020B0604020202020204" pitchFamily="34" charset="0"/>
+              </a:rPr>
+              <a:t>),</a:t>
+            </a:r>
+          </a:p>
+          <a:p>
+            <a:pPr marL="0" marR="0" lvl="0" indent="0" algn="l" defTabSz="914400" rtl="0" eaLnBrk="0" fontAlgn="base" latinLnBrk="0" hangingPunct="0">
+              <a:lnSpc>
+                <a:spcPct val="100000"/>
+              </a:lnSpc>
+              <a:spcBef>
+                <a:spcPct val="0"/>
+              </a:spcBef>
+              <a:spcAft>
+                <a:spcPct val="0"/>
+              </a:spcAft>
+              <a:buClrTx/>
+              <a:buSzTx/>
+              <a:buFontTx/>
+              <a:buNone/>
+              <a:tabLst/>
+            </a:pPr>
+            <a:r>
+              <a:rPr kumimoji="0" lang="en-US" altLang="en-US" sz="1600" b="0" i="0" u="none" strike="noStrike" cap="none" normalizeH="0" baseline="0" dirty="0">
+                <a:ln>
+                  <a:noFill/>
+                </a:ln>
+                <a:solidFill>
+                  <a:schemeClr val="tx1"/>
+                </a:solidFill>
+                <a:effectLst/>
+                <a:latin typeface="Arial" panose="020B0604020202020204" pitchFamily="34" charset="0"/>
+                <a:cs typeface="Arial" panose="020B0604020202020204" pitchFamily="34" charset="0"/>
+              </a:rPr>
+              <a:t>                        max(</a:t>
+            </a:r>
+            <a:r>
+              <a:rPr kumimoji="0" lang="en-US" altLang="en-US" sz="1600" b="0" i="0" u="none" strike="noStrike" cap="none" normalizeH="0" baseline="0" dirty="0" err="1">
+                <a:ln>
+                  <a:noFill/>
+                </a:ln>
+                <a:solidFill>
+                  <a:schemeClr val="tx1"/>
+                </a:solidFill>
+                <a:effectLst/>
+                <a:latin typeface="Arial" panose="020B0604020202020204" pitchFamily="34" charset="0"/>
+                <a:cs typeface="Arial" panose="020B0604020202020204" pitchFamily="34" charset="0"/>
+              </a:rPr>
+              <a:t>processed_data_tbl$ORDERDATE</a:t>
+            </a:r>
+            <a:r>
+              <a:rPr kumimoji="0" lang="en-US" altLang="en-US" sz="1600" b="0" i="0" u="none" strike="noStrike" cap="none" normalizeH="0" baseline="0" dirty="0">
+                <a:ln>
+                  <a:noFill/>
+                </a:ln>
+                <a:solidFill>
+                  <a:schemeClr val="tx1"/>
+                </a:solidFill>
+                <a:effectLst/>
+                <a:latin typeface="Arial" panose="020B0604020202020204" pitchFamily="34" charset="0"/>
+                <a:cs typeface="Arial" panose="020B0604020202020204" pitchFamily="34" charset="0"/>
+              </a:rPr>
+              <a:t>)),</a:t>
+            </a:r>
+          </a:p>
+          <a:p>
+            <a:pPr marL="0" marR="0" lvl="0" indent="0" algn="l" defTabSz="914400" rtl="0" eaLnBrk="0" fontAlgn="base" latinLnBrk="0" hangingPunct="0">
+              <a:lnSpc>
+                <a:spcPct val="100000"/>
+              </a:lnSpc>
+              <a:spcBef>
+                <a:spcPct val="0"/>
+              </a:spcBef>
+              <a:spcAft>
+                <a:spcPct val="0"/>
+              </a:spcAft>
+              <a:buClrTx/>
+              <a:buSzTx/>
+              <a:buFontTx/>
+              <a:buNone/>
+              <a:tabLst/>
+            </a:pPr>
+            <a:r>
+              <a:rPr kumimoji="0" lang="en-US" altLang="en-US" sz="1600" b="0" i="0" u="none" strike="noStrike" cap="none" normalizeH="0" baseline="0" dirty="0">
+                <a:ln>
+                  <a:noFill/>
+                </a:ln>
+                <a:solidFill>
+                  <a:schemeClr val="tx1"/>
+                </a:solidFill>
+                <a:effectLst/>
+                <a:latin typeface="Arial" panose="020B0604020202020204" pitchFamily="34" charset="0"/>
+                <a:cs typeface="Arial" panose="020B0604020202020204" pitchFamily="34" charset="0"/>
+              </a:rPr>
+              <a:t>              separator = " to ",</a:t>
+            </a:r>
+          </a:p>
+          <a:p>
+            <a:pPr marL="0" marR="0" lvl="0" indent="0" algn="l" defTabSz="914400" rtl="0" eaLnBrk="0" fontAlgn="base" latinLnBrk="0" hangingPunct="0">
+              <a:lnSpc>
+                <a:spcPct val="100000"/>
+              </a:lnSpc>
+              <a:spcBef>
+                <a:spcPct val="0"/>
+              </a:spcBef>
+              <a:spcAft>
+                <a:spcPct val="0"/>
+              </a:spcAft>
+              <a:buClrTx/>
+              <a:buSzTx/>
+              <a:buFontTx/>
+              <a:buNone/>
+              <a:tabLst/>
+            </a:pPr>
+            <a:r>
+              <a:rPr kumimoji="0" lang="en-US" altLang="en-US" sz="1600" b="0" i="0" u="none" strike="noStrike" cap="none" normalizeH="0" baseline="0" dirty="0">
+                <a:ln>
+                  <a:noFill/>
+                </a:ln>
+                <a:solidFill>
+                  <a:schemeClr val="tx1"/>
+                </a:solidFill>
+                <a:effectLst/>
+                <a:latin typeface="Arial" panose="020B0604020202020204" pitchFamily="34" charset="0"/>
+                <a:cs typeface="Arial" panose="020B0604020202020204" pitchFamily="34" charset="0"/>
+              </a:rPr>
+              <a:t>              range = TRUE,</a:t>
+            </a:r>
+          </a:p>
+          <a:p>
+            <a:pPr marL="0" marR="0" lvl="0" indent="0" algn="l" defTabSz="914400" rtl="0" eaLnBrk="0" fontAlgn="base" latinLnBrk="0" hangingPunct="0">
+              <a:lnSpc>
+                <a:spcPct val="100000"/>
+              </a:lnSpc>
+              <a:spcBef>
+                <a:spcPct val="0"/>
+              </a:spcBef>
+              <a:spcAft>
+                <a:spcPct val="0"/>
+              </a:spcAft>
+              <a:buClrTx/>
+              <a:buSzTx/>
+              <a:buFontTx/>
+              <a:buNone/>
+              <a:tabLst/>
+            </a:pPr>
+            <a:r>
+              <a:rPr kumimoji="0" lang="en-US" altLang="en-US" sz="1600" b="0" i="0" u="none" strike="noStrike" cap="none" normalizeH="0" baseline="0" dirty="0">
+                <a:ln>
+                  <a:noFill/>
+                </a:ln>
+                <a:solidFill>
+                  <a:schemeClr val="tx1"/>
+                </a:solidFill>
+                <a:effectLst/>
+                <a:latin typeface="Arial" panose="020B0604020202020204" pitchFamily="34" charset="0"/>
+                <a:cs typeface="Arial" panose="020B0604020202020204" pitchFamily="34" charset="0"/>
+              </a:rPr>
+              <a:t>              </a:t>
+            </a:r>
+            <a:r>
+              <a:rPr kumimoji="0" lang="en-US" altLang="en-US" sz="1600" b="0" i="0" u="none" strike="noStrike" cap="none" normalizeH="0" baseline="0" dirty="0" err="1">
+                <a:ln>
+                  <a:noFill/>
+                </a:ln>
+                <a:solidFill>
+                  <a:schemeClr val="tx1"/>
+                </a:solidFill>
+                <a:effectLst/>
+                <a:latin typeface="Arial" panose="020B0604020202020204" pitchFamily="34" charset="0"/>
+                <a:cs typeface="Arial" panose="020B0604020202020204" pitchFamily="34" charset="0"/>
+              </a:rPr>
+              <a:t>minDate</a:t>
+            </a:r>
+            <a:r>
+              <a:rPr kumimoji="0" lang="en-US" altLang="en-US" sz="1600" b="0" i="0" u="none" strike="noStrike" cap="none" normalizeH="0" baseline="0" dirty="0">
+                <a:ln>
+                  <a:noFill/>
+                </a:ln>
+                <a:solidFill>
+                  <a:schemeClr val="tx1"/>
+                </a:solidFill>
+                <a:effectLst/>
+                <a:latin typeface="Arial" panose="020B0604020202020204" pitchFamily="34" charset="0"/>
+                <a:cs typeface="Arial" panose="020B0604020202020204" pitchFamily="34" charset="0"/>
+              </a:rPr>
+              <a:t>  = min(</a:t>
+            </a:r>
+            <a:r>
+              <a:rPr kumimoji="0" lang="en-US" altLang="en-US" sz="1600" b="0" i="0" u="none" strike="noStrike" cap="none" normalizeH="0" baseline="0" dirty="0" err="1">
+                <a:ln>
+                  <a:noFill/>
+                </a:ln>
+                <a:solidFill>
+                  <a:schemeClr val="tx1"/>
+                </a:solidFill>
+                <a:effectLst/>
+                <a:latin typeface="Arial" panose="020B0604020202020204" pitchFamily="34" charset="0"/>
+                <a:cs typeface="Arial" panose="020B0604020202020204" pitchFamily="34" charset="0"/>
+              </a:rPr>
+              <a:t>processed_data_tbl$ORDERDATE</a:t>
+            </a:r>
+            <a:r>
+              <a:rPr kumimoji="0" lang="en-US" altLang="en-US" sz="1600" b="0" i="0" u="none" strike="noStrike" cap="none" normalizeH="0" baseline="0" dirty="0">
+                <a:ln>
+                  <a:noFill/>
+                </a:ln>
+                <a:solidFill>
+                  <a:schemeClr val="tx1"/>
+                </a:solidFill>
+                <a:effectLst/>
+                <a:latin typeface="Arial" panose="020B0604020202020204" pitchFamily="34" charset="0"/>
+                <a:cs typeface="Arial" panose="020B0604020202020204" pitchFamily="34" charset="0"/>
+              </a:rPr>
+              <a:t>),</a:t>
+            </a:r>
+          </a:p>
+          <a:p>
+            <a:pPr marL="0" marR="0" lvl="0" indent="0" algn="l" defTabSz="914400" rtl="0" eaLnBrk="0" fontAlgn="base" latinLnBrk="0" hangingPunct="0">
+              <a:lnSpc>
+                <a:spcPct val="100000"/>
+              </a:lnSpc>
+              <a:spcBef>
+                <a:spcPct val="0"/>
+              </a:spcBef>
+              <a:spcAft>
+                <a:spcPct val="0"/>
+              </a:spcAft>
+              <a:buClrTx/>
+              <a:buSzTx/>
+              <a:buFontTx/>
+              <a:buNone/>
+              <a:tabLst/>
+            </a:pPr>
+            <a:r>
+              <a:rPr kumimoji="0" lang="en-US" altLang="en-US" sz="1600" b="0" i="0" u="none" strike="noStrike" cap="none" normalizeH="0" baseline="0" dirty="0">
+                <a:ln>
+                  <a:noFill/>
+                </a:ln>
+                <a:solidFill>
+                  <a:schemeClr val="tx1"/>
+                </a:solidFill>
+                <a:effectLst/>
+                <a:latin typeface="Arial" panose="020B0604020202020204" pitchFamily="34" charset="0"/>
+                <a:cs typeface="Arial" panose="020B0604020202020204" pitchFamily="34" charset="0"/>
+              </a:rPr>
+              <a:t>              </a:t>
+            </a:r>
+            <a:r>
+              <a:rPr kumimoji="0" lang="en-US" altLang="en-US" sz="1600" b="0" i="0" u="none" strike="noStrike" cap="none" normalizeH="0" baseline="0" dirty="0" err="1">
+                <a:ln>
+                  <a:noFill/>
+                </a:ln>
+                <a:solidFill>
+                  <a:schemeClr val="tx1"/>
+                </a:solidFill>
+                <a:effectLst/>
+                <a:latin typeface="Arial" panose="020B0604020202020204" pitchFamily="34" charset="0"/>
+                <a:cs typeface="Arial" panose="020B0604020202020204" pitchFamily="34" charset="0"/>
+              </a:rPr>
+              <a:t>maxDate</a:t>
+            </a:r>
+            <a:r>
+              <a:rPr kumimoji="0" lang="en-US" altLang="en-US" sz="1600" b="0" i="0" u="none" strike="noStrike" cap="none" normalizeH="0" baseline="0" dirty="0">
+                <a:ln>
+                  <a:noFill/>
+                </a:ln>
+                <a:solidFill>
+                  <a:schemeClr val="tx1"/>
+                </a:solidFill>
+                <a:effectLst/>
+                <a:latin typeface="Arial" panose="020B0604020202020204" pitchFamily="34" charset="0"/>
+                <a:cs typeface="Arial" panose="020B0604020202020204" pitchFamily="34" charset="0"/>
+              </a:rPr>
+              <a:t> = max(</a:t>
+            </a:r>
+            <a:r>
+              <a:rPr kumimoji="0" lang="en-US" altLang="en-US" sz="1600" b="0" i="0" u="none" strike="noStrike" cap="none" normalizeH="0" baseline="0" dirty="0" err="1">
+                <a:ln>
+                  <a:noFill/>
+                </a:ln>
+                <a:solidFill>
+                  <a:schemeClr val="tx1"/>
+                </a:solidFill>
+                <a:effectLst/>
+                <a:latin typeface="Arial" panose="020B0604020202020204" pitchFamily="34" charset="0"/>
+                <a:cs typeface="Arial" panose="020B0604020202020204" pitchFamily="34" charset="0"/>
+              </a:rPr>
+              <a:t>processed_data_tbl$ORDERDATE</a:t>
+            </a:r>
+            <a:r>
+              <a:rPr kumimoji="0" lang="en-US" altLang="en-US" sz="1600" b="0" i="0" u="none" strike="noStrike" cap="none" normalizeH="0" baseline="0" dirty="0">
+                <a:ln>
+                  <a:noFill/>
+                </a:ln>
+                <a:solidFill>
+                  <a:schemeClr val="tx1"/>
+                </a:solidFill>
+                <a:effectLst/>
+                <a:latin typeface="Arial" panose="020B0604020202020204" pitchFamily="34" charset="0"/>
+                <a:cs typeface="Arial" panose="020B0604020202020204" pitchFamily="34" charset="0"/>
+              </a:rPr>
+              <a:t>),</a:t>
+            </a:r>
+          </a:p>
+          <a:p>
+            <a:pPr marL="0" marR="0" lvl="0" indent="0" algn="l" defTabSz="914400" rtl="0" eaLnBrk="0" fontAlgn="base" latinLnBrk="0" hangingPunct="0">
+              <a:lnSpc>
+                <a:spcPct val="100000"/>
+              </a:lnSpc>
+              <a:spcBef>
+                <a:spcPct val="0"/>
+              </a:spcBef>
+              <a:spcAft>
+                <a:spcPct val="0"/>
+              </a:spcAft>
+              <a:buClrTx/>
+              <a:buSzTx/>
+              <a:buFontTx/>
+              <a:buNone/>
+              <a:tabLst/>
+            </a:pPr>
+            <a:r>
+              <a:rPr kumimoji="0" lang="en-US" altLang="en-US" sz="1600" b="0" i="0" u="none" strike="noStrike" cap="none" normalizeH="0" baseline="0" dirty="0">
+                <a:ln>
+                  <a:noFill/>
+                </a:ln>
+                <a:solidFill>
+                  <a:schemeClr val="tx1"/>
+                </a:solidFill>
+                <a:effectLst/>
+                <a:latin typeface="Arial" panose="020B0604020202020204" pitchFamily="34" charset="0"/>
+                <a:cs typeface="Arial" panose="020B0604020202020204" pitchFamily="34" charset="0"/>
+              </a:rPr>
+              <a:t>              </a:t>
+            </a:r>
+            <a:r>
+              <a:rPr kumimoji="0" lang="en-US" altLang="en-US" sz="1600" b="0" i="0" u="none" strike="noStrike" cap="none" normalizeH="0" baseline="0" dirty="0" err="1">
+                <a:ln>
+                  <a:noFill/>
+                </a:ln>
+                <a:solidFill>
+                  <a:schemeClr val="tx1"/>
+                </a:solidFill>
+                <a:effectLst/>
+                <a:latin typeface="Arial" panose="020B0604020202020204" pitchFamily="34" charset="0"/>
+                <a:cs typeface="Arial" panose="020B0604020202020204" pitchFamily="34" charset="0"/>
+              </a:rPr>
+              <a:t>dateFormat</a:t>
+            </a:r>
+            <a:r>
+              <a:rPr kumimoji="0" lang="en-US" altLang="en-US" sz="1600" b="0" i="0" u="none" strike="noStrike" cap="none" normalizeH="0" baseline="0" dirty="0">
+                <a:ln>
+                  <a:noFill/>
+                </a:ln>
+                <a:solidFill>
+                  <a:schemeClr val="tx1"/>
+                </a:solidFill>
+                <a:effectLst/>
+                <a:latin typeface="Arial" panose="020B0604020202020204" pitchFamily="34" charset="0"/>
+                <a:cs typeface="Arial" panose="020B0604020202020204" pitchFamily="34" charset="0"/>
+              </a:rPr>
+              <a:t> = "mm-dd-</a:t>
+            </a:r>
+            <a:r>
+              <a:rPr kumimoji="0" lang="en-US" altLang="en-US" sz="1600" b="0" i="0" u="none" strike="noStrike" cap="none" normalizeH="0" baseline="0" dirty="0" err="1">
+                <a:ln>
+                  <a:noFill/>
+                </a:ln>
+                <a:solidFill>
+                  <a:schemeClr val="tx1"/>
+                </a:solidFill>
+                <a:effectLst/>
+                <a:latin typeface="Arial" panose="020B0604020202020204" pitchFamily="34" charset="0"/>
+                <a:cs typeface="Arial" panose="020B0604020202020204" pitchFamily="34" charset="0"/>
+              </a:rPr>
+              <a:t>yyyy</a:t>
+            </a:r>
+            <a:r>
+              <a:rPr kumimoji="0" lang="en-US" altLang="en-US" sz="1600" b="0" i="0" u="none" strike="noStrike" cap="none" normalizeH="0" baseline="0" dirty="0">
+                <a:ln>
+                  <a:noFill/>
+                </a:ln>
+                <a:solidFill>
+                  <a:schemeClr val="tx1"/>
+                </a:solidFill>
+                <a:effectLst/>
+                <a:latin typeface="Arial" panose="020B0604020202020204" pitchFamily="34" charset="0"/>
+                <a:cs typeface="Arial" panose="020B0604020202020204" pitchFamily="34" charset="0"/>
+              </a:rPr>
+              <a:t>",</a:t>
+            </a:r>
+          </a:p>
+          <a:p>
+            <a:pPr marL="0" marR="0" lvl="0" indent="0" algn="l" defTabSz="914400" rtl="0" eaLnBrk="0" fontAlgn="base" latinLnBrk="0" hangingPunct="0">
+              <a:lnSpc>
+                <a:spcPct val="100000"/>
+              </a:lnSpc>
+              <a:spcBef>
+                <a:spcPct val="0"/>
+              </a:spcBef>
+              <a:spcAft>
+                <a:spcPct val="0"/>
+              </a:spcAft>
+              <a:buClrTx/>
+              <a:buSzTx/>
+              <a:buFontTx/>
+              <a:buNone/>
+              <a:tabLst/>
+            </a:pPr>
+            <a:r>
+              <a:rPr kumimoji="0" lang="en-US" altLang="en-US" sz="1600" b="0" i="0" u="none" strike="noStrike" cap="none" normalizeH="0" baseline="0" dirty="0">
+                <a:ln>
+                  <a:noFill/>
+                </a:ln>
+                <a:solidFill>
+                  <a:schemeClr val="tx1"/>
+                </a:solidFill>
+                <a:effectLst/>
+                <a:latin typeface="Arial" panose="020B0604020202020204" pitchFamily="34" charset="0"/>
+                <a:cs typeface="Arial" panose="020B0604020202020204" pitchFamily="34" charset="0"/>
+              </a:rPr>
+              <a:t>              </a:t>
+            </a:r>
+            <a:r>
+              <a:rPr kumimoji="0" lang="en-US" altLang="en-US" sz="1600" b="0" i="0" u="none" strike="noStrike" cap="none" normalizeH="0" baseline="0" dirty="0" err="1">
+                <a:ln>
+                  <a:noFill/>
+                </a:ln>
+                <a:solidFill>
+                  <a:schemeClr val="tx1"/>
+                </a:solidFill>
+                <a:effectLst/>
+                <a:latin typeface="Arial" panose="020B0604020202020204" pitchFamily="34" charset="0"/>
+                <a:cs typeface="Arial" panose="020B0604020202020204" pitchFamily="34" charset="0"/>
+              </a:rPr>
+              <a:t>autoClose</a:t>
+            </a:r>
+            <a:r>
+              <a:rPr kumimoji="0" lang="en-US" altLang="en-US" sz="1600" b="0" i="0" u="none" strike="noStrike" cap="none" normalizeH="0" baseline="0" dirty="0">
+                <a:ln>
+                  <a:noFill/>
+                </a:ln>
+                <a:solidFill>
+                  <a:schemeClr val="tx1"/>
+                </a:solidFill>
+                <a:effectLst/>
+                <a:latin typeface="Arial" panose="020B0604020202020204" pitchFamily="34" charset="0"/>
+                <a:cs typeface="Arial" panose="020B0604020202020204" pitchFamily="34" charset="0"/>
+              </a:rPr>
+              <a:t> = TRUE,</a:t>
+            </a:r>
+          </a:p>
+          <a:p>
+            <a:pPr marL="0" marR="0" lvl="0" indent="0" algn="l" defTabSz="914400" rtl="0" eaLnBrk="0" fontAlgn="base" latinLnBrk="0" hangingPunct="0">
+              <a:lnSpc>
+                <a:spcPct val="100000"/>
+              </a:lnSpc>
+              <a:spcBef>
+                <a:spcPct val="0"/>
+              </a:spcBef>
+              <a:spcAft>
+                <a:spcPct val="0"/>
+              </a:spcAft>
+              <a:buClrTx/>
+              <a:buSzTx/>
+              <a:buFontTx/>
+              <a:buNone/>
+              <a:tabLst/>
+            </a:pPr>
+            <a:r>
+              <a:rPr kumimoji="0" lang="en-US" altLang="en-US" sz="1600" b="0" i="0" u="none" strike="noStrike" cap="none" normalizeH="0" baseline="0" dirty="0">
+                <a:ln>
+                  <a:noFill/>
+                </a:ln>
+                <a:solidFill>
+                  <a:schemeClr val="tx1"/>
+                </a:solidFill>
+                <a:effectLst/>
+                <a:latin typeface="Arial" panose="020B0604020202020204" pitchFamily="34" charset="0"/>
+                <a:cs typeface="Arial" panose="020B0604020202020204" pitchFamily="34" charset="0"/>
+              </a:rPr>
+              <a:t>              </a:t>
+            </a:r>
+            <a:r>
+              <a:rPr kumimoji="0" lang="en-US" altLang="en-US" sz="1600" b="0" i="0" u="none" strike="noStrike" cap="none" normalizeH="0" baseline="0" dirty="0" err="1">
+                <a:ln>
+                  <a:noFill/>
+                </a:ln>
+                <a:solidFill>
+                  <a:schemeClr val="tx1"/>
+                </a:solidFill>
+                <a:effectLst/>
+                <a:latin typeface="Arial" panose="020B0604020202020204" pitchFamily="34" charset="0"/>
+                <a:cs typeface="Arial" panose="020B0604020202020204" pitchFamily="34" charset="0"/>
+              </a:rPr>
+              <a:t>clearButton</a:t>
+            </a:r>
+            <a:r>
+              <a:rPr kumimoji="0" lang="en-US" altLang="en-US" sz="1600" b="0" i="0" u="none" strike="noStrike" cap="none" normalizeH="0" baseline="0" dirty="0">
+                <a:ln>
+                  <a:noFill/>
+                </a:ln>
+                <a:solidFill>
+                  <a:schemeClr val="tx1"/>
+                </a:solidFill>
+                <a:effectLst/>
+                <a:latin typeface="Arial" panose="020B0604020202020204" pitchFamily="34" charset="0"/>
+                <a:cs typeface="Arial" panose="020B0604020202020204" pitchFamily="34" charset="0"/>
+              </a:rPr>
+              <a:t> = TRUE,</a:t>
+            </a:r>
+          </a:p>
+          <a:p>
+            <a:pPr marL="0" marR="0" lvl="0" indent="0" algn="l" defTabSz="914400" rtl="0" eaLnBrk="0" fontAlgn="base" latinLnBrk="0" hangingPunct="0">
+              <a:lnSpc>
+                <a:spcPct val="100000"/>
+              </a:lnSpc>
+              <a:spcBef>
+                <a:spcPct val="0"/>
+              </a:spcBef>
+              <a:spcAft>
+                <a:spcPct val="0"/>
+              </a:spcAft>
+              <a:buClrTx/>
+              <a:buSzTx/>
+              <a:buFontTx/>
+              <a:buNone/>
+              <a:tabLst/>
+            </a:pPr>
+            <a:r>
+              <a:rPr kumimoji="0" lang="en-US" altLang="en-US" sz="1600" b="0" i="0" u="none" strike="noStrike" cap="none" normalizeH="0" baseline="0" dirty="0">
+                <a:ln>
+                  <a:noFill/>
+                </a:ln>
+                <a:solidFill>
+                  <a:schemeClr val="tx1"/>
+                </a:solidFill>
+                <a:effectLst/>
+                <a:latin typeface="Arial" panose="020B0604020202020204" pitchFamily="34" charset="0"/>
+                <a:cs typeface="Arial" panose="020B0604020202020204" pitchFamily="34" charset="0"/>
+              </a:rPr>
+              <a:t>              width = "100%",</a:t>
+            </a:r>
+          </a:p>
+          <a:p>
+            <a:pPr marL="0" marR="0" lvl="0" indent="0" algn="l" defTabSz="914400" rtl="0" eaLnBrk="0" fontAlgn="base" latinLnBrk="0" hangingPunct="0">
+              <a:lnSpc>
+                <a:spcPct val="100000"/>
+              </a:lnSpc>
+              <a:spcBef>
+                <a:spcPct val="0"/>
+              </a:spcBef>
+              <a:spcAft>
+                <a:spcPct val="0"/>
+              </a:spcAft>
+              <a:buClrTx/>
+              <a:buSzTx/>
+              <a:buFontTx/>
+              <a:buNone/>
+              <a:tabLst/>
+            </a:pPr>
+            <a:r>
+              <a:rPr kumimoji="0" lang="en-US" altLang="en-US" sz="1600" b="0" i="0" u="none" strike="noStrike" cap="none" normalizeH="0" baseline="0" dirty="0">
+                <a:ln>
+                  <a:noFill/>
+                </a:ln>
+                <a:solidFill>
+                  <a:schemeClr val="tx1"/>
+                </a:solidFill>
+                <a:effectLst/>
+                <a:latin typeface="Arial" panose="020B0604020202020204" pitchFamily="34" charset="0"/>
+                <a:cs typeface="Arial" panose="020B0604020202020204" pitchFamily="34" charset="0"/>
+              </a:rPr>
+              <a:t>              addon = "none"</a:t>
+            </a:r>
+          </a:p>
+        </p:txBody>
+      </p:sp>
     </p:spTree>
     <p:extLst>
       <p:ext uri="{BB962C8B-B14F-4D97-AF65-F5344CB8AC3E}">
-        <p14:creationId xmlns:p14="http://schemas.microsoft.com/office/powerpoint/2010/main" val="3404532608"/>
+        <p14:creationId xmlns:p14="http://schemas.microsoft.com/office/powerpoint/2010/main" val="2643629024"/>
       </p:ext>
     </p:extLst>
   </p:cSld>
